--- a/모델링 부피구하는 과정.pptx
+++ b/모델링 부피구하는 과정.pptx
@@ -2,10 +2,11 @@
 <file path=ppt/presentation.xml><?xml version="1.0" encoding="utf-8"?>
 <p:presentation xmlns:a="http://schemas.openxmlformats.org/drawingml/2006/main" xmlns:r="http://schemas.openxmlformats.org/officeDocument/2006/relationships" xmlns:p="http://schemas.openxmlformats.org/presentationml/2006/main" saveSubsetFonts="1">
   <p:sldMasterIdLst>
-    <p:sldMasterId id="2147483648" r:id="rId1"/>
+    <p:sldMasterId id="2147483660" r:id="rId1"/>
   </p:sldMasterIdLst>
   <p:sldIdLst>
     <p:sldId id="256" r:id="rId2"/>
+    <p:sldId id="257" r:id="rId3"/>
   </p:sldIdLst>
   <p:sldSz cx="12192000" cy="6858000"/>
   <p:notesSz cx="6858000" cy="9144000"/>
@@ -104,12 +105,17 @@
       </a:defRPr>
     </a:lvl9pPr>
   </p:defaultTextStyle>
+  <p:extLst>
+    <p:ext uri="{EFAFB233-063F-42B5-8137-9DF3F51BA10A}">
+      <p15:sldGuideLst xmlns:p15="http://schemas.microsoft.com/office/powerpoint/2012/main"/>
+    </p:ext>
+  </p:extLst>
 </p:presentation>
 </file>
 
 <file path=ppt/slideLayouts/slideLayout1.xml><?xml version="1.0" encoding="utf-8"?>
 <p:sldLayout xmlns:a="http://schemas.openxmlformats.org/drawingml/2006/main" xmlns:r="http://schemas.openxmlformats.org/officeDocument/2006/relationships" xmlns:p="http://schemas.openxmlformats.org/presentationml/2006/main" type="title" preserve="1">
-  <p:cSld name="제목 슬라이드">
+  <p:cSld name="Title Slide">
     <p:spTree>
       <p:nvGrpSpPr>
         <p:cNvPr id="1" name=""/>
@@ -126,10 +132,10 @@
       </p:grpSpPr>
       <p:sp>
         <p:nvSpPr>
-          <p:cNvPr id="2" name="제목 1">
-            <a:extLst>
-              <a:ext uri="{FF2B5EF4-FFF2-40B4-BE49-F238E27FC236}">
-                <a16:creationId xmlns:a16="http://schemas.microsoft.com/office/drawing/2014/main" id="{11D53929-C01D-13A8-A83B-DF2B8DECA76C}"/>
+          <p:cNvPr id="2" name="Title 1">
+            <a:extLst>
+              <a:ext uri="{FF2B5EF4-FFF2-40B4-BE49-F238E27FC236}">
+                <a16:creationId xmlns:a16="http://schemas.microsoft.com/office/drawing/2014/main" id="{AB577394-0A20-4CF6-9066-CFC2C1C9D30F}"/>
               </a:ext>
             </a:extLst>
           </p:cNvPr>
@@ -142,31 +148,37 @@
         </p:nvSpPr>
         <p:spPr>
           <a:xfrm>
-            <a:off x="1524000" y="1122363"/>
-            <a:ext cx="9144000" cy="2387600"/>
+            <a:off x="3359149" y="389840"/>
+            <a:ext cx="8281987" cy="2954655"/>
           </a:xfrm>
         </p:spPr>
         <p:txBody>
-          <a:bodyPr anchor="b"/>
+          <a:bodyPr anchor="t" anchorCtr="0">
+            <a:normAutofit/>
+          </a:bodyPr>
           <a:lstStyle>
-            <a:lvl1pPr algn="ctr">
-              <a:defRPr sz="6000"/>
+            <a:lvl1pPr algn="l">
+              <a:lnSpc>
+                <a:spcPct val="100000"/>
+              </a:lnSpc>
+              <a:defRPr sz="6400"/>
             </a:lvl1pPr>
           </a:lstStyle>
           <a:p>
             <a:r>
-              <a:rPr lang="ko-KR" altLang="en-US"/>
-              <a:t>마스터 제목 스타일 편집</a:t>
+              <a:rPr lang="en-US"/>
+              <a:t>Click to edit Master title style</a:t>
             </a:r>
+            <a:endParaRPr lang="en-US" dirty="0"/>
           </a:p>
         </p:txBody>
       </p:sp>
       <p:sp>
         <p:nvSpPr>
-          <p:cNvPr id="3" name="부제목 2">
-            <a:extLst>
-              <a:ext uri="{FF2B5EF4-FFF2-40B4-BE49-F238E27FC236}">
-                <a16:creationId xmlns:a16="http://schemas.microsoft.com/office/drawing/2014/main" id="{BF09EAA3-D80A-D510-0C63-E38B65FE8891}"/>
+          <p:cNvPr id="3" name="Subtitle 2">
+            <a:extLst>
+              <a:ext uri="{FF2B5EF4-FFF2-40B4-BE49-F238E27FC236}">
+                <a16:creationId xmlns:a16="http://schemas.microsoft.com/office/drawing/2014/main" id="{3F10971F-8922-4B23-9C80-0643D7E35026}"/>
               </a:ext>
             </a:extLst>
           </p:cNvPr>
@@ -179,16 +191,27 @@
         </p:nvSpPr>
         <p:spPr>
           <a:xfrm>
-            <a:off x="1524000" y="3602038"/>
-            <a:ext cx="9144000" cy="1655762"/>
+            <a:off x="3359149" y="3536951"/>
+            <a:ext cx="8281989" cy="2555874"/>
           </a:xfrm>
         </p:spPr>
         <p:txBody>
-          <a:bodyPr/>
+          <a:bodyPr>
+            <a:normAutofit/>
+          </a:bodyPr>
           <a:lstStyle>
-            <a:lvl1pPr marL="0" indent="0" algn="ctr">
+            <a:lvl1pPr marL="0" indent="0" algn="l">
+              <a:lnSpc>
+                <a:spcPct val="100000"/>
+              </a:lnSpc>
               <a:buNone/>
-              <a:defRPr sz="2400"/>
+              <a:defRPr sz="2400">
+                <a:solidFill>
+                  <a:schemeClr val="tx1">
+                    <a:alpha val="80000"/>
+                  </a:schemeClr>
+                </a:solidFill>
+              </a:defRPr>
             </a:lvl1pPr>
             <a:lvl2pPr marL="457200" indent="0" algn="ctr">
               <a:buNone/>
@@ -225,18 +248,19 @@
           </a:lstStyle>
           <a:p>
             <a:r>
-              <a:rPr lang="ko-KR" altLang="en-US"/>
-              <a:t>클릭하여 마스터 부제목 스타일 편집</a:t>
+              <a:rPr lang="en-US"/>
+              <a:t>Click to edit Master subtitle style</a:t>
             </a:r>
+            <a:endParaRPr lang="en-US" dirty="0"/>
           </a:p>
         </p:txBody>
       </p:sp>
       <p:sp>
         <p:nvSpPr>
-          <p:cNvPr id="4" name="날짜 개체 틀 3">
-            <a:extLst>
-              <a:ext uri="{FF2B5EF4-FFF2-40B4-BE49-F238E27FC236}">
-                <a16:creationId xmlns:a16="http://schemas.microsoft.com/office/drawing/2014/main" id="{4D33F785-463F-BD1F-2207-917531E219EC}"/>
+          <p:cNvPr id="4" name="Date Placeholder 3">
+            <a:extLst>
+              <a:ext uri="{FF2B5EF4-FFF2-40B4-BE49-F238E27FC236}">
+                <a16:creationId xmlns:a16="http://schemas.microsoft.com/office/drawing/2014/main" id="{8B1BC074-1090-47AF-BDE8-3859BF574BA6}"/>
               </a:ext>
             </a:extLst>
           </p:cNvPr>
@@ -252,20 +276,20 @@
           <a:bodyPr/>
           <a:lstStyle/>
           <a:p>
-            <a:fld id="{13F532C3-E321-48AC-B9B2-1BFF984D6D7A}" type="datetimeFigureOut">
-              <a:rPr lang="ko-KR" altLang="en-US" smtClean="0"/>
-              <a:t>2023-06-21</a:t>
+            <a:fld id="{72EA7947-E287-4738-8C82-07CE4F01EF03}" type="datetime2">
+              <a:rPr lang="en-US" smtClean="0"/>
+              <a:t>Thursday, June 22, 2023</a:t>
             </a:fld>
-            <a:endParaRPr lang="ko-KR" altLang="en-US"/>
+            <a:endParaRPr lang="en-US" dirty="0"/>
           </a:p>
         </p:txBody>
       </p:sp>
       <p:sp>
         <p:nvSpPr>
-          <p:cNvPr id="5" name="바닥글 개체 틀 4">
-            <a:extLst>
-              <a:ext uri="{FF2B5EF4-FFF2-40B4-BE49-F238E27FC236}">
-                <a16:creationId xmlns:a16="http://schemas.microsoft.com/office/drawing/2014/main" id="{E2597071-30F9-685E-69C2-612343E362A7}"/>
+          <p:cNvPr id="5" name="Footer Placeholder 4">
+            <a:extLst>
+              <a:ext uri="{FF2B5EF4-FFF2-40B4-BE49-F238E27FC236}">
+                <a16:creationId xmlns:a16="http://schemas.microsoft.com/office/drawing/2014/main" id="{F1D6522F-D41A-4734-8BD1-BD6E5A37D04C}"/>
               </a:ext>
             </a:extLst>
           </p:cNvPr>
@@ -281,16 +305,19 @@
           <a:bodyPr/>
           <a:lstStyle/>
           <a:p>
-            <a:endParaRPr lang="ko-KR" altLang="en-US"/>
+            <a:r>
+              <a:rPr lang="en-US"/>
+              <a:t>Sample Footer</a:t>
+            </a:r>
           </a:p>
         </p:txBody>
       </p:sp>
       <p:sp>
         <p:nvSpPr>
-          <p:cNvPr id="6" name="슬라이드 번호 개체 틀 5">
-            <a:extLst>
-              <a:ext uri="{FF2B5EF4-FFF2-40B4-BE49-F238E27FC236}">
-                <a16:creationId xmlns:a16="http://schemas.microsoft.com/office/drawing/2014/main" id="{76F15D76-7860-C8F8-05CE-EA056715CB18}"/>
+          <p:cNvPr id="6" name="Slide Number Placeholder 5">
+            <a:extLst>
+              <a:ext uri="{FF2B5EF4-FFF2-40B4-BE49-F238E27FC236}">
+                <a16:creationId xmlns:a16="http://schemas.microsoft.com/office/drawing/2014/main" id="{D74D4206-406C-42A3-BBD4-44C043180931}"/>
               </a:ext>
             </a:extLst>
           </p:cNvPr>
@@ -306,18 +333,840 @@
           <a:bodyPr/>
           <a:lstStyle/>
           <a:p>
-            <a:fld id="{7B81F63B-0CCB-4C66-B328-A984CFCA8555}" type="slidenum">
-              <a:rPr lang="ko-KR" altLang="en-US" smtClean="0"/>
+            <a:fld id="{DBA1B0FB-D917-4C8C-928F-313BD683BF39}" type="slidenum">
+              <a:rPr lang="en-US" smtClean="0"/>
               <a:t>‹#›</a:t>
             </a:fld>
-            <a:endParaRPr lang="ko-KR" altLang="en-US"/>
+            <a:endParaRPr lang="en-US"/>
           </a:p>
         </p:txBody>
       </p:sp>
+      <p:sp>
+        <p:nvSpPr>
+          <p:cNvPr id="19" name="Freeform: Shape 18">
+            <a:extLst>
+              <a:ext uri="{FF2B5EF4-FFF2-40B4-BE49-F238E27FC236}">
+                <a16:creationId xmlns:a16="http://schemas.microsoft.com/office/drawing/2014/main" id="{82184FF4-7029-4ED7-813A-192E60608764}"/>
+              </a:ext>
+            </a:extLst>
+          </p:cNvPr>
+          <p:cNvSpPr>
+            <a:spLocks noChangeAspect="1"/>
+          </p:cNvSpPr>
+          <p:nvPr/>
+        </p:nvSpPr>
+        <p:spPr>
+          <a:xfrm rot="2700000">
+            <a:off x="612445" y="481888"/>
+            <a:ext cx="1080000" cy="1262947"/>
+          </a:xfrm>
+          <a:custGeom>
+            <a:avLst/>
+            <a:gdLst>
+              <a:gd name="connsiteX0" fmla="*/ 540000 w 1080000"/>
+              <a:gd name="connsiteY0" fmla="*/ 0 h 1262947"/>
+              <a:gd name="connsiteX1" fmla="*/ 1080000 w 1080000"/>
+              <a:gd name="connsiteY1" fmla="*/ 931034 h 1262947"/>
+              <a:gd name="connsiteX2" fmla="*/ 1064374 w 1080000"/>
+              <a:gd name="connsiteY2" fmla="*/ 931034 h 1262947"/>
+              <a:gd name="connsiteX3" fmla="*/ 1069029 w 1080000"/>
+              <a:gd name="connsiteY3" fmla="*/ 938533 h 1262947"/>
+              <a:gd name="connsiteX4" fmla="*/ 1080000 w 1080000"/>
+              <a:gd name="connsiteY4" fmla="*/ 992947 h 1262947"/>
+              <a:gd name="connsiteX5" fmla="*/ 540000 w 1080000"/>
+              <a:gd name="connsiteY5" fmla="*/ 1262947 h 1262947"/>
+              <a:gd name="connsiteX6" fmla="*/ 0 w 1080000"/>
+              <a:gd name="connsiteY6" fmla="*/ 992947 h 1262947"/>
+              <a:gd name="connsiteX7" fmla="*/ 10971 w 1080000"/>
+              <a:gd name="connsiteY7" fmla="*/ 938533 h 1262947"/>
+              <a:gd name="connsiteX8" fmla="*/ 15626 w 1080000"/>
+              <a:gd name="connsiteY8" fmla="*/ 931034 h 1262947"/>
+              <a:gd name="connsiteX9" fmla="*/ 0 w 1080000"/>
+              <a:gd name="connsiteY9" fmla="*/ 931034 h 1262947"/>
+              <a:gd name="connsiteX0" fmla="*/ 540000 w 1080000"/>
+              <a:gd name="connsiteY0" fmla="*/ 0 h 1262947"/>
+              <a:gd name="connsiteX1" fmla="*/ 1080000 w 1080000"/>
+              <a:gd name="connsiteY1" fmla="*/ 931034 h 1262947"/>
+              <a:gd name="connsiteX2" fmla="*/ 1064374 w 1080000"/>
+              <a:gd name="connsiteY2" fmla="*/ 931034 h 1262947"/>
+              <a:gd name="connsiteX3" fmla="*/ 1069029 w 1080000"/>
+              <a:gd name="connsiteY3" fmla="*/ 938533 h 1262947"/>
+              <a:gd name="connsiteX4" fmla="*/ 1080000 w 1080000"/>
+              <a:gd name="connsiteY4" fmla="*/ 992947 h 1262947"/>
+              <a:gd name="connsiteX5" fmla="*/ 540000 w 1080000"/>
+              <a:gd name="connsiteY5" fmla="*/ 1262947 h 1262947"/>
+              <a:gd name="connsiteX6" fmla="*/ 0 w 1080000"/>
+              <a:gd name="connsiteY6" fmla="*/ 992947 h 1262947"/>
+              <a:gd name="connsiteX7" fmla="*/ 10971 w 1080000"/>
+              <a:gd name="connsiteY7" fmla="*/ 938533 h 1262947"/>
+              <a:gd name="connsiteX8" fmla="*/ 15626 w 1080000"/>
+              <a:gd name="connsiteY8" fmla="*/ 931034 h 1262947"/>
+              <a:gd name="connsiteX9" fmla="*/ 540000 w 1080000"/>
+              <a:gd name="connsiteY9" fmla="*/ 0 h 1262947"/>
+              <a:gd name="connsiteX0" fmla="*/ 540000 w 1080000"/>
+              <a:gd name="connsiteY0" fmla="*/ 0 h 1262947"/>
+              <a:gd name="connsiteX1" fmla="*/ 1064374 w 1080000"/>
+              <a:gd name="connsiteY1" fmla="*/ 931034 h 1262947"/>
+              <a:gd name="connsiteX2" fmla="*/ 1069029 w 1080000"/>
+              <a:gd name="connsiteY2" fmla="*/ 938533 h 1262947"/>
+              <a:gd name="connsiteX3" fmla="*/ 1080000 w 1080000"/>
+              <a:gd name="connsiteY3" fmla="*/ 992947 h 1262947"/>
+              <a:gd name="connsiteX4" fmla="*/ 540000 w 1080000"/>
+              <a:gd name="connsiteY4" fmla="*/ 1262947 h 1262947"/>
+              <a:gd name="connsiteX5" fmla="*/ 0 w 1080000"/>
+              <a:gd name="connsiteY5" fmla="*/ 992947 h 1262947"/>
+              <a:gd name="connsiteX6" fmla="*/ 10971 w 1080000"/>
+              <a:gd name="connsiteY6" fmla="*/ 938533 h 1262947"/>
+              <a:gd name="connsiteX7" fmla="*/ 15626 w 1080000"/>
+              <a:gd name="connsiteY7" fmla="*/ 931034 h 1262947"/>
+              <a:gd name="connsiteX8" fmla="*/ 540000 w 1080000"/>
+              <a:gd name="connsiteY8" fmla="*/ 0 h 1262947"/>
+            </a:gdLst>
+            <a:ahLst/>
+            <a:cxnLst>
+              <a:cxn ang="0">
+                <a:pos x="connsiteX0" y="connsiteY0"/>
+              </a:cxn>
+              <a:cxn ang="0">
+                <a:pos x="connsiteX1" y="connsiteY1"/>
+              </a:cxn>
+              <a:cxn ang="0">
+                <a:pos x="connsiteX2" y="connsiteY2"/>
+              </a:cxn>
+              <a:cxn ang="0">
+                <a:pos x="connsiteX3" y="connsiteY3"/>
+              </a:cxn>
+              <a:cxn ang="0">
+                <a:pos x="connsiteX4" y="connsiteY4"/>
+              </a:cxn>
+              <a:cxn ang="0">
+                <a:pos x="connsiteX5" y="connsiteY5"/>
+              </a:cxn>
+              <a:cxn ang="0">
+                <a:pos x="connsiteX6" y="connsiteY6"/>
+              </a:cxn>
+              <a:cxn ang="0">
+                <a:pos x="connsiteX7" y="connsiteY7"/>
+              </a:cxn>
+              <a:cxn ang="0">
+                <a:pos x="connsiteX8" y="connsiteY8"/>
+              </a:cxn>
+            </a:cxnLst>
+            <a:rect l="l" t="t" r="r" b="b"/>
+            <a:pathLst>
+              <a:path w="1080000" h="1262947">
+                <a:moveTo>
+                  <a:pt x="540000" y="0"/>
+                </a:moveTo>
+                <a:lnTo>
+                  <a:pt x="1064374" y="931034"/>
+                </a:lnTo>
+                <a:lnTo>
+                  <a:pt x="1069029" y="938533"/>
+                </a:lnTo>
+                <a:cubicBezTo>
+                  <a:pt x="1076223" y="956109"/>
+                  <a:pt x="1080000" y="974307"/>
+                  <a:pt x="1080000" y="992947"/>
+                </a:cubicBezTo>
+                <a:cubicBezTo>
+                  <a:pt x="1080000" y="1142064"/>
+                  <a:pt x="838234" y="1262947"/>
+                  <a:pt x="540000" y="1262947"/>
+                </a:cubicBezTo>
+                <a:cubicBezTo>
+                  <a:pt x="241766" y="1262947"/>
+                  <a:pt x="0" y="1142064"/>
+                  <a:pt x="0" y="992947"/>
+                </a:cubicBezTo>
+                <a:cubicBezTo>
+                  <a:pt x="0" y="974307"/>
+                  <a:pt x="3778" y="956109"/>
+                  <a:pt x="10971" y="938533"/>
+                </a:cubicBezTo>
+                <a:lnTo>
+                  <a:pt x="15626" y="931034"/>
+                </a:lnTo>
+                <a:lnTo>
+                  <a:pt x="540000" y="0"/>
+                </a:lnTo>
+                <a:close/>
+              </a:path>
+            </a:pathLst>
+          </a:custGeom>
+          <a:gradFill>
+            <a:gsLst>
+              <a:gs pos="60000">
+                <a:schemeClr val="bg2">
+                  <a:lumMod val="90000"/>
+                  <a:lumOff val="10000"/>
+                </a:schemeClr>
+              </a:gs>
+              <a:gs pos="30000">
+                <a:schemeClr val="bg2">
+                  <a:lumMod val="90000"/>
+                  <a:lumOff val="10000"/>
+                </a:schemeClr>
+              </a:gs>
+              <a:gs pos="40000">
+                <a:schemeClr val="bg2">
+                  <a:lumMod val="75000"/>
+                  <a:lumOff val="25000"/>
+                </a:schemeClr>
+              </a:gs>
+              <a:gs pos="100000">
+                <a:schemeClr val="bg2"/>
+              </a:gs>
+            </a:gsLst>
+            <a:lin ang="600000" scaled="0"/>
+          </a:gradFill>
+          <a:ln>
+            <a:noFill/>
+          </a:ln>
+          <a:effectLst>
+            <a:innerShdw blurRad="254000" dist="101600" dir="2700000">
+              <a:schemeClr val="accent1">
+                <a:lumMod val="60000"/>
+                <a:lumOff val="40000"/>
+                <a:alpha val="40000"/>
+              </a:schemeClr>
+            </a:innerShdw>
+          </a:effectLst>
+        </p:spPr>
+        <p:style>
+          <a:lnRef idx="2">
+            <a:schemeClr val="accent1">
+              <a:shade val="50000"/>
+            </a:schemeClr>
+          </a:lnRef>
+          <a:fillRef idx="1">
+            <a:schemeClr val="accent1"/>
+          </a:fillRef>
+          <a:effectRef idx="0">
+            <a:schemeClr val="accent1"/>
+          </a:effectRef>
+          <a:fontRef idx="minor">
+            <a:schemeClr val="lt1"/>
+          </a:fontRef>
+        </p:style>
+        <p:txBody>
+          <a:bodyPr rot="0" spcFirstLastPara="0" vertOverflow="overflow" horzOverflow="overflow" vert="horz" wrap="square" lIns="91440" tIns="45720" rIns="91440" bIns="45720" numCol="1" spcCol="0" rtlCol="0" fromWordArt="0" anchor="ctr" anchorCtr="0" forceAA="0" compatLnSpc="1">
+            <a:prstTxWarp prst="textNoShape">
+              <a:avLst/>
+            </a:prstTxWarp>
+            <a:noAutofit/>
+          </a:bodyPr>
+          <a:lstStyle/>
+          <a:p>
+            <a:pPr algn="ctr"/>
+            <a:endParaRPr lang="en-US"/>
+          </a:p>
+        </p:txBody>
+      </p:sp>
+      <p:sp>
+        <p:nvSpPr>
+          <p:cNvPr id="20" name="Oval 19">
+            <a:extLst>
+              <a:ext uri="{FF2B5EF4-FFF2-40B4-BE49-F238E27FC236}">
+                <a16:creationId xmlns:a16="http://schemas.microsoft.com/office/drawing/2014/main" id="{AAA7AB09-557C-41AD-9113-FF9F68FA1035}"/>
+              </a:ext>
+            </a:extLst>
+          </p:cNvPr>
+          <p:cNvSpPr/>
+          <p:nvPr/>
+        </p:nvSpPr>
+        <p:spPr>
+          <a:xfrm rot="8100000">
+            <a:off x="626845" y="828962"/>
+            <a:ext cx="540000" cy="1080000"/>
+          </a:xfrm>
+          <a:prstGeom prst="ellipse">
+            <a:avLst/>
+          </a:prstGeom>
+          <a:gradFill>
+            <a:gsLst>
+              <a:gs pos="100000">
+                <a:schemeClr val="bg2">
+                  <a:lumMod val="90000"/>
+                  <a:lumOff val="10000"/>
+                </a:schemeClr>
+              </a:gs>
+              <a:gs pos="50000">
+                <a:schemeClr val="bg2">
+                  <a:lumMod val="95000"/>
+                  <a:lumOff val="5000"/>
+                </a:schemeClr>
+              </a:gs>
+            </a:gsLst>
+            <a:lin ang="5400000" scaled="0"/>
+          </a:gradFill>
+          <a:ln>
+            <a:noFill/>
+          </a:ln>
+          <a:effectLst>
+            <a:innerShdw blurRad="1270000" dist="2540000">
+              <a:schemeClr val="accent1">
+                <a:lumMod val="60000"/>
+                <a:lumOff val="40000"/>
+                <a:alpha val="0"/>
+              </a:schemeClr>
+            </a:innerShdw>
+          </a:effectLst>
+        </p:spPr>
+        <p:style>
+          <a:lnRef idx="2">
+            <a:schemeClr val="accent1">
+              <a:shade val="50000"/>
+            </a:schemeClr>
+          </a:lnRef>
+          <a:fillRef idx="1">
+            <a:schemeClr val="accent1"/>
+          </a:fillRef>
+          <a:effectRef idx="0">
+            <a:schemeClr val="accent1"/>
+          </a:effectRef>
+          <a:fontRef idx="minor">
+            <a:schemeClr val="lt1"/>
+          </a:fontRef>
+        </p:style>
+        <p:txBody>
+          <a:bodyPr rot="0" spcFirstLastPara="0" vertOverflow="overflow" horzOverflow="overflow" vert="horz" wrap="square" lIns="91440" tIns="45720" rIns="91440" bIns="45720" numCol="1" spcCol="0" rtlCol="0" fromWordArt="0" anchor="ctr" anchorCtr="0" forceAA="0" compatLnSpc="1">
+            <a:prstTxWarp prst="textNoShape">
+              <a:avLst/>
+            </a:prstTxWarp>
+            <a:noAutofit/>
+          </a:bodyPr>
+          <a:lstStyle/>
+          <a:p>
+            <a:pPr algn="ctr"/>
+            <a:endParaRPr lang="en-US"/>
+          </a:p>
+        </p:txBody>
+      </p:sp>
+      <p:sp>
+        <p:nvSpPr>
+          <p:cNvPr id="25" name="Oval 24">
+            <a:extLst>
+              <a:ext uri="{FF2B5EF4-FFF2-40B4-BE49-F238E27FC236}">
+                <a16:creationId xmlns:a16="http://schemas.microsoft.com/office/drawing/2014/main" id="{EF99ECAA-1F11-4937-BBA6-51935AB44C9D}"/>
+              </a:ext>
+            </a:extLst>
+          </p:cNvPr>
+          <p:cNvSpPr>
+            <a:spLocks noChangeAspect="1"/>
+          </p:cNvSpPr>
+          <p:nvPr/>
+        </p:nvSpPr>
+        <p:spPr>
+          <a:xfrm>
+            <a:off x="1800802" y="2472855"/>
+            <a:ext cx="360000" cy="360000"/>
+          </a:xfrm>
+          <a:prstGeom prst="ellipse">
+            <a:avLst/>
+          </a:prstGeom>
+          <a:gradFill flip="none" rotWithShape="1">
+            <a:gsLst>
+              <a:gs pos="100000">
+                <a:schemeClr val="bg2">
+                  <a:lumMod val="50000"/>
+                  <a:lumOff val="50000"/>
+                </a:schemeClr>
+              </a:gs>
+              <a:gs pos="60000">
+                <a:schemeClr val="bg2"/>
+              </a:gs>
+            </a:gsLst>
+            <a:path path="circle">
+              <a:fillToRect l="100000" b="100000"/>
+            </a:path>
+            <a:tileRect t="-100000" r="-100000"/>
+          </a:gradFill>
+          <a:ln>
+            <a:noFill/>
+          </a:ln>
+          <a:effectLst>
+            <a:innerShdw blurRad="127000" dist="63500" dir="2700000">
+              <a:schemeClr val="accent1">
+                <a:lumMod val="60000"/>
+                <a:lumOff val="40000"/>
+                <a:alpha val="20000"/>
+              </a:schemeClr>
+            </a:innerShdw>
+            <a:softEdge rad="0"/>
+          </a:effectLst>
+        </p:spPr>
+        <p:style>
+          <a:lnRef idx="2">
+            <a:schemeClr val="accent1">
+              <a:shade val="50000"/>
+            </a:schemeClr>
+          </a:lnRef>
+          <a:fillRef idx="1">
+            <a:schemeClr val="accent1"/>
+          </a:fillRef>
+          <a:effectRef idx="0">
+            <a:schemeClr val="accent1"/>
+          </a:effectRef>
+          <a:fontRef idx="minor">
+            <a:schemeClr val="lt1"/>
+          </a:fontRef>
+        </p:style>
+        <p:txBody>
+          <a:bodyPr rot="0" spcFirstLastPara="0" vertOverflow="overflow" horzOverflow="overflow" vert="horz" wrap="square" lIns="91440" tIns="45720" rIns="91440" bIns="45720" numCol="1" spcCol="0" rtlCol="0" fromWordArt="0" anchor="ctr" anchorCtr="0" forceAA="0" compatLnSpc="1">
+            <a:prstTxWarp prst="textNoShape">
+              <a:avLst/>
+            </a:prstTxWarp>
+            <a:noAutofit/>
+          </a:bodyPr>
+          <a:lstStyle/>
+          <a:p>
+            <a:pPr algn="ctr"/>
+            <a:endParaRPr lang="en-US"/>
+          </a:p>
+        </p:txBody>
+      </p:sp>
+      <p:grpSp>
+        <p:nvGrpSpPr>
+          <p:cNvPr id="34" name="Group 33">
+            <a:extLst>
+              <a:ext uri="{FF2B5EF4-FFF2-40B4-BE49-F238E27FC236}">
+                <a16:creationId xmlns:a16="http://schemas.microsoft.com/office/drawing/2014/main" id="{79DE9FAB-6BBA-4CFE-B67D-77B47F01ECA4}"/>
+              </a:ext>
+            </a:extLst>
+          </p:cNvPr>
+          <p:cNvGrpSpPr/>
+          <p:nvPr/>
+        </p:nvGrpSpPr>
+        <p:grpSpPr>
+          <a:xfrm>
+            <a:off x="1329952" y="4524379"/>
+            <a:ext cx="1980001" cy="1363916"/>
+            <a:chOff x="4879602" y="3781429"/>
+            <a:chExt cx="1980001" cy="1363916"/>
+          </a:xfrm>
+        </p:grpSpPr>
+        <p:sp>
+          <p:nvSpPr>
+            <p:cNvPr id="35" name="Freeform: Shape 34">
+              <a:extLst>
+                <a:ext uri="{FF2B5EF4-FFF2-40B4-BE49-F238E27FC236}">
+                  <a16:creationId xmlns:a16="http://schemas.microsoft.com/office/drawing/2014/main" id="{79FAC916-D9BB-4794-81B4-7C47C67E850D}"/>
+                </a:ext>
+              </a:extLst>
+            </p:cNvPr>
+            <p:cNvSpPr>
+              <a:spLocks noChangeAspect="1"/>
+            </p:cNvSpPr>
+            <p:nvPr/>
+          </p:nvSpPr>
+          <p:spPr>
+            <a:xfrm rot="18900000" flipV="1">
+              <a:off x="5005634" y="4191206"/>
+              <a:ext cx="1853969" cy="926985"/>
+            </a:xfrm>
+            <a:custGeom>
+              <a:avLst/>
+              <a:gdLst>
+                <a:gd name="connsiteX0" fmla="*/ 1329373 w 2658746"/>
+                <a:gd name="connsiteY0" fmla="*/ 0 h 1329373"/>
+                <a:gd name="connsiteX1" fmla="*/ 2658746 w 2658746"/>
+                <a:gd name="connsiteY1" fmla="*/ 1329373 h 1329373"/>
+                <a:gd name="connsiteX2" fmla="*/ 1994059 w 2658746"/>
+                <a:gd name="connsiteY2" fmla="*/ 1329373 h 1329373"/>
+                <a:gd name="connsiteX3" fmla="*/ 1329373 w 2658746"/>
+                <a:gd name="connsiteY3" fmla="*/ 664687 h 1329373"/>
+                <a:gd name="connsiteX4" fmla="*/ 664687 w 2658746"/>
+                <a:gd name="connsiteY4" fmla="*/ 1329373 h 1329373"/>
+                <a:gd name="connsiteX5" fmla="*/ 0 w 2658746"/>
+                <a:gd name="connsiteY5" fmla="*/ 1329373 h 1329373"/>
+                <a:gd name="connsiteX6" fmla="*/ 1329373 w 2658746"/>
+                <a:gd name="connsiteY6" fmla="*/ 0 h 1329373"/>
+              </a:gdLst>
+              <a:ahLst/>
+              <a:cxnLst>
+                <a:cxn ang="0">
+                  <a:pos x="connsiteX0" y="connsiteY0"/>
+                </a:cxn>
+                <a:cxn ang="0">
+                  <a:pos x="connsiteX1" y="connsiteY1"/>
+                </a:cxn>
+                <a:cxn ang="0">
+                  <a:pos x="connsiteX2" y="connsiteY2"/>
+                </a:cxn>
+                <a:cxn ang="0">
+                  <a:pos x="connsiteX3" y="connsiteY3"/>
+                </a:cxn>
+                <a:cxn ang="0">
+                  <a:pos x="connsiteX4" y="connsiteY4"/>
+                </a:cxn>
+                <a:cxn ang="0">
+                  <a:pos x="connsiteX5" y="connsiteY5"/>
+                </a:cxn>
+                <a:cxn ang="0">
+                  <a:pos x="connsiteX6" y="connsiteY6"/>
+                </a:cxn>
+              </a:cxnLst>
+              <a:rect l="l" t="t" r="r" b="b"/>
+              <a:pathLst>
+                <a:path w="2658746" h="1329373">
+                  <a:moveTo>
+                    <a:pt x="1329373" y="0"/>
+                  </a:moveTo>
+                  <a:cubicBezTo>
+                    <a:pt x="2063565" y="0"/>
+                    <a:pt x="2658746" y="595181"/>
+                    <a:pt x="2658746" y="1329373"/>
+                  </a:cubicBezTo>
+                  <a:lnTo>
+                    <a:pt x="1994059" y="1329373"/>
+                  </a:lnTo>
+                  <a:cubicBezTo>
+                    <a:pt x="1994059" y="962277"/>
+                    <a:pt x="1696469" y="664687"/>
+                    <a:pt x="1329373" y="664687"/>
+                  </a:cubicBezTo>
+                  <a:cubicBezTo>
+                    <a:pt x="962277" y="664687"/>
+                    <a:pt x="664687" y="962277"/>
+                    <a:pt x="664687" y="1329373"/>
+                  </a:cubicBezTo>
+                  <a:lnTo>
+                    <a:pt x="0" y="1329373"/>
+                  </a:lnTo>
+                  <a:cubicBezTo>
+                    <a:pt x="0" y="595181"/>
+                    <a:pt x="595181" y="0"/>
+                    <a:pt x="1329373" y="0"/>
+                  </a:cubicBezTo>
+                  <a:close/>
+                </a:path>
+              </a:pathLst>
+            </a:custGeom>
+            <a:solidFill>
+              <a:schemeClr val="bg2"/>
+            </a:solidFill>
+            <a:ln>
+              <a:noFill/>
+            </a:ln>
+            <a:effectLst>
+              <a:innerShdw blurRad="254000" dist="50800" dir="16200000">
+                <a:schemeClr val="accent1">
+                  <a:lumMod val="40000"/>
+                  <a:lumOff val="60000"/>
+                  <a:alpha val="40000"/>
+                </a:schemeClr>
+              </a:innerShdw>
+            </a:effectLst>
+          </p:spPr>
+          <p:style>
+            <a:lnRef idx="2">
+              <a:schemeClr val="accent1">
+                <a:shade val="50000"/>
+              </a:schemeClr>
+            </a:lnRef>
+            <a:fillRef idx="1">
+              <a:schemeClr val="accent1"/>
+            </a:fillRef>
+            <a:effectRef idx="0">
+              <a:schemeClr val="accent1"/>
+            </a:effectRef>
+            <a:fontRef idx="minor">
+              <a:schemeClr val="lt1"/>
+            </a:fontRef>
+          </p:style>
+          <p:txBody>
+            <a:bodyPr rtlCol="0" anchor="ctr"/>
+            <a:lstStyle/>
+            <a:p>
+              <a:pPr algn="ctr"/>
+              <a:endParaRPr lang="en-US" dirty="0"/>
+            </a:p>
+          </p:txBody>
+        </p:sp>
+        <p:sp>
+          <p:nvSpPr>
+            <p:cNvPr id="36" name="Freeform: Shape 35">
+              <a:extLst>
+                <a:ext uri="{FF2B5EF4-FFF2-40B4-BE49-F238E27FC236}">
+                  <a16:creationId xmlns:a16="http://schemas.microsoft.com/office/drawing/2014/main" id="{B5CA2231-7A65-4D16-8400-A210CC41DB73}"/>
+                </a:ext>
+              </a:extLst>
+            </p:cNvPr>
+            <p:cNvSpPr>
+              <a:spLocks noChangeAspect="1"/>
+            </p:cNvSpPr>
+            <p:nvPr/>
+          </p:nvSpPr>
+          <p:spPr>
+            <a:xfrm rot="18900000" flipV="1">
+              <a:off x="4957101" y="4052255"/>
+              <a:ext cx="1853969" cy="1093090"/>
+            </a:xfrm>
+            <a:custGeom>
+              <a:avLst/>
+              <a:gdLst>
+                <a:gd name="connsiteX0" fmla="*/ 1329373 w 2658746"/>
+                <a:gd name="connsiteY0" fmla="*/ 0 h 1329373"/>
+                <a:gd name="connsiteX1" fmla="*/ 2658746 w 2658746"/>
+                <a:gd name="connsiteY1" fmla="*/ 1329373 h 1329373"/>
+                <a:gd name="connsiteX2" fmla="*/ 1994059 w 2658746"/>
+                <a:gd name="connsiteY2" fmla="*/ 1329373 h 1329373"/>
+                <a:gd name="connsiteX3" fmla="*/ 1329373 w 2658746"/>
+                <a:gd name="connsiteY3" fmla="*/ 664687 h 1329373"/>
+                <a:gd name="connsiteX4" fmla="*/ 664687 w 2658746"/>
+                <a:gd name="connsiteY4" fmla="*/ 1329373 h 1329373"/>
+                <a:gd name="connsiteX5" fmla="*/ 0 w 2658746"/>
+                <a:gd name="connsiteY5" fmla="*/ 1329373 h 1329373"/>
+                <a:gd name="connsiteX6" fmla="*/ 1329373 w 2658746"/>
+                <a:gd name="connsiteY6" fmla="*/ 0 h 1329373"/>
+              </a:gdLst>
+              <a:ahLst/>
+              <a:cxnLst>
+                <a:cxn ang="0">
+                  <a:pos x="connsiteX0" y="connsiteY0"/>
+                </a:cxn>
+                <a:cxn ang="0">
+                  <a:pos x="connsiteX1" y="connsiteY1"/>
+                </a:cxn>
+                <a:cxn ang="0">
+                  <a:pos x="connsiteX2" y="connsiteY2"/>
+                </a:cxn>
+                <a:cxn ang="0">
+                  <a:pos x="connsiteX3" y="connsiteY3"/>
+                </a:cxn>
+                <a:cxn ang="0">
+                  <a:pos x="connsiteX4" y="connsiteY4"/>
+                </a:cxn>
+                <a:cxn ang="0">
+                  <a:pos x="connsiteX5" y="connsiteY5"/>
+                </a:cxn>
+                <a:cxn ang="0">
+                  <a:pos x="connsiteX6" y="connsiteY6"/>
+                </a:cxn>
+              </a:cxnLst>
+              <a:rect l="l" t="t" r="r" b="b"/>
+              <a:pathLst>
+                <a:path w="2658746" h="1329373">
+                  <a:moveTo>
+                    <a:pt x="1329373" y="0"/>
+                  </a:moveTo>
+                  <a:cubicBezTo>
+                    <a:pt x="2063565" y="0"/>
+                    <a:pt x="2658746" y="595181"/>
+                    <a:pt x="2658746" y="1329373"/>
+                  </a:cubicBezTo>
+                  <a:lnTo>
+                    <a:pt x="1994059" y="1329373"/>
+                  </a:lnTo>
+                  <a:cubicBezTo>
+                    <a:pt x="1994059" y="962277"/>
+                    <a:pt x="1696469" y="664687"/>
+                    <a:pt x="1329373" y="664687"/>
+                  </a:cubicBezTo>
+                  <a:cubicBezTo>
+                    <a:pt x="962277" y="664687"/>
+                    <a:pt x="664687" y="962277"/>
+                    <a:pt x="664687" y="1329373"/>
+                  </a:cubicBezTo>
+                  <a:lnTo>
+                    <a:pt x="0" y="1329373"/>
+                  </a:lnTo>
+                  <a:cubicBezTo>
+                    <a:pt x="0" y="595181"/>
+                    <a:pt x="595181" y="0"/>
+                    <a:pt x="1329373" y="0"/>
+                  </a:cubicBezTo>
+                  <a:close/>
+                </a:path>
+              </a:pathLst>
+            </a:custGeom>
+            <a:solidFill>
+              <a:schemeClr val="bg2">
+                <a:lumMod val="50000"/>
+                <a:lumOff val="50000"/>
+                <a:alpha val="40000"/>
+              </a:schemeClr>
+            </a:solidFill>
+            <a:ln>
+              <a:noFill/>
+            </a:ln>
+            <a:effectLst>
+              <a:softEdge rad="190500"/>
+            </a:effectLst>
+          </p:spPr>
+          <p:style>
+            <a:lnRef idx="2">
+              <a:schemeClr val="accent1">
+                <a:shade val="50000"/>
+              </a:schemeClr>
+            </a:lnRef>
+            <a:fillRef idx="1">
+              <a:schemeClr val="accent1"/>
+            </a:fillRef>
+            <a:effectRef idx="0">
+              <a:schemeClr val="accent1"/>
+            </a:effectRef>
+            <a:fontRef idx="minor">
+              <a:schemeClr val="lt1"/>
+            </a:fontRef>
+          </p:style>
+          <p:txBody>
+            <a:bodyPr rtlCol="0" anchor="ctr"/>
+            <a:lstStyle/>
+            <a:p>
+              <a:pPr algn="ctr"/>
+              <a:endParaRPr lang="en-US" dirty="0">
+                <a:solidFill>
+                  <a:schemeClr val="tx1"/>
+                </a:solidFill>
+              </a:endParaRPr>
+            </a:p>
+          </p:txBody>
+        </p:sp>
+        <p:sp>
+          <p:nvSpPr>
+            <p:cNvPr id="37" name="Oval 36">
+              <a:extLst>
+                <a:ext uri="{FF2B5EF4-FFF2-40B4-BE49-F238E27FC236}">
+                  <a16:creationId xmlns:a16="http://schemas.microsoft.com/office/drawing/2014/main" id="{4B089C8C-B82B-4704-88E2-E857A5E21529}"/>
+                </a:ext>
+              </a:extLst>
+            </p:cNvPr>
+            <p:cNvSpPr/>
+            <p:nvPr/>
+          </p:nvSpPr>
+          <p:spPr>
+            <a:xfrm rot="13500000" flipV="1">
+              <a:off x="6040374" y="3601683"/>
+              <a:ext cx="107098" cy="466589"/>
+            </a:xfrm>
+            <a:prstGeom prst="ellipse">
+              <a:avLst/>
+            </a:prstGeom>
+            <a:solidFill>
+              <a:schemeClr val="bg2">
+                <a:lumMod val="90000"/>
+                <a:lumOff val="10000"/>
+              </a:schemeClr>
+            </a:solidFill>
+            <a:ln>
+              <a:noFill/>
+            </a:ln>
+            <a:effectLst>
+              <a:innerShdw blurRad="63500" dist="2540000">
+                <a:schemeClr val="accent1">
+                  <a:lumMod val="60000"/>
+                  <a:lumOff val="40000"/>
+                  <a:alpha val="0"/>
+                </a:schemeClr>
+              </a:innerShdw>
+            </a:effectLst>
+          </p:spPr>
+          <p:style>
+            <a:lnRef idx="2">
+              <a:schemeClr val="accent1">
+                <a:shade val="50000"/>
+              </a:schemeClr>
+            </a:lnRef>
+            <a:fillRef idx="1">
+              <a:schemeClr val="accent1"/>
+            </a:fillRef>
+            <a:effectRef idx="0">
+              <a:schemeClr val="accent1"/>
+            </a:effectRef>
+            <a:fontRef idx="minor">
+              <a:schemeClr val="lt1"/>
+            </a:fontRef>
+          </p:style>
+          <p:txBody>
+            <a:bodyPr rot="0" spcFirstLastPara="0" vertOverflow="overflow" horzOverflow="overflow" vert="horz" wrap="square" lIns="91440" tIns="45720" rIns="91440" bIns="45720" numCol="1" spcCol="0" rtlCol="0" fromWordArt="0" anchor="ctr" anchorCtr="0" forceAA="0" compatLnSpc="1">
+              <a:prstTxWarp prst="textNoShape">
+                <a:avLst/>
+              </a:prstTxWarp>
+              <a:noAutofit/>
+            </a:bodyPr>
+            <a:lstStyle/>
+            <a:p>
+              <a:pPr algn="ctr"/>
+              <a:endParaRPr lang="en-US"/>
+            </a:p>
+          </p:txBody>
+        </p:sp>
+        <p:sp>
+          <p:nvSpPr>
+            <p:cNvPr id="38" name="Oval 37">
+              <a:extLst>
+                <a:ext uri="{FF2B5EF4-FFF2-40B4-BE49-F238E27FC236}">
+                  <a16:creationId xmlns:a16="http://schemas.microsoft.com/office/drawing/2014/main" id="{434B90C8-5B4D-456E-AD99-80EF748FDD72}"/>
+                </a:ext>
+              </a:extLst>
+            </p:cNvPr>
+            <p:cNvSpPr/>
+            <p:nvPr/>
+          </p:nvSpPr>
+          <p:spPr>
+            <a:xfrm rot="13500000" flipV="1">
+              <a:off x="5059348" y="4582709"/>
+              <a:ext cx="107098" cy="466589"/>
+            </a:xfrm>
+            <a:prstGeom prst="ellipse">
+              <a:avLst/>
+            </a:prstGeom>
+            <a:solidFill>
+              <a:schemeClr val="bg2">
+                <a:lumMod val="90000"/>
+                <a:lumOff val="10000"/>
+              </a:schemeClr>
+            </a:solidFill>
+            <a:ln>
+              <a:noFill/>
+            </a:ln>
+            <a:effectLst>
+              <a:innerShdw blurRad="63500" dist="2540000">
+                <a:schemeClr val="accent1">
+                  <a:lumMod val="60000"/>
+                  <a:lumOff val="40000"/>
+                  <a:alpha val="0"/>
+                </a:schemeClr>
+              </a:innerShdw>
+            </a:effectLst>
+          </p:spPr>
+          <p:style>
+            <a:lnRef idx="2">
+              <a:schemeClr val="accent1">
+                <a:shade val="50000"/>
+              </a:schemeClr>
+            </a:lnRef>
+            <a:fillRef idx="1">
+              <a:schemeClr val="accent1"/>
+            </a:fillRef>
+            <a:effectRef idx="0">
+              <a:schemeClr val="accent1"/>
+            </a:effectRef>
+            <a:fontRef idx="minor">
+              <a:schemeClr val="lt1"/>
+            </a:fontRef>
+          </p:style>
+          <p:txBody>
+            <a:bodyPr rot="0" spcFirstLastPara="0" vertOverflow="overflow" horzOverflow="overflow" vert="horz" wrap="square" lIns="91440" tIns="45720" rIns="91440" bIns="45720" numCol="1" spcCol="0" rtlCol="0" fromWordArt="0" anchor="ctr" anchorCtr="0" forceAA="0" compatLnSpc="1">
+              <a:prstTxWarp prst="textNoShape">
+                <a:avLst/>
+              </a:prstTxWarp>
+              <a:noAutofit/>
+            </a:bodyPr>
+            <a:lstStyle/>
+            <a:p>
+              <a:pPr algn="ctr"/>
+              <a:endParaRPr lang="en-US"/>
+            </a:p>
+          </p:txBody>
+        </p:sp>
+      </p:grpSp>
     </p:spTree>
     <p:extLst>
       <p:ext uri="{BB962C8B-B14F-4D97-AF65-F5344CB8AC3E}">
-        <p14:creationId xmlns:p14="http://schemas.microsoft.com/office/powerpoint/2010/main" val="228567879"/>
+        <p14:creationId xmlns:p14="http://schemas.microsoft.com/office/powerpoint/2010/main" val="2101267722"/>
       </p:ext>
     </p:extLst>
   </p:cSld>
@@ -329,7 +1178,7 @@
 
 <file path=ppt/slideLayouts/slideLayout10.xml><?xml version="1.0" encoding="utf-8"?>
 <p:sldLayout xmlns:a="http://schemas.openxmlformats.org/drawingml/2006/main" xmlns:r="http://schemas.openxmlformats.org/officeDocument/2006/relationships" xmlns:p="http://schemas.openxmlformats.org/presentationml/2006/main" type="vertTx" preserve="1">
-  <p:cSld name="제목 및 세로 텍스트">
+  <p:cSld name="Title and Vertical Text">
     <p:spTree>
       <p:nvGrpSpPr>
         <p:cNvPr id="1" name=""/>
@@ -346,10 +1195,10 @@
       </p:grpSpPr>
       <p:sp>
         <p:nvSpPr>
-          <p:cNvPr id="2" name="제목 1">
-            <a:extLst>
-              <a:ext uri="{FF2B5EF4-FFF2-40B4-BE49-F238E27FC236}">
-                <a16:creationId xmlns:a16="http://schemas.microsoft.com/office/drawing/2014/main" id="{EA964F6A-1F12-6E40-B479-59289A54B77C}"/>
+          <p:cNvPr id="2" name="Title 1">
+            <a:extLst>
+              <a:ext uri="{FF2B5EF4-FFF2-40B4-BE49-F238E27FC236}">
+                <a16:creationId xmlns:a16="http://schemas.microsoft.com/office/drawing/2014/main" id="{D2879361-B9A1-48F2-9473-23DE30E2D151}"/>
               </a:ext>
             </a:extLst>
           </p:cNvPr>
@@ -360,24 +1209,37 @@
             <p:ph type="title"/>
           </p:nvPr>
         </p:nvSpPr>
-        <p:spPr/>
+        <p:spPr>
+          <a:xfrm>
+            <a:off x="550862" y="503906"/>
+            <a:ext cx="11090275" cy="1333057"/>
+          </a:xfrm>
+        </p:spPr>
         <p:txBody>
-          <a:bodyPr/>
-          <a:lstStyle/>
-          <a:p>
+          <a:bodyPr vert="horz" wrap="square" lIns="0" tIns="0" rIns="0" bIns="0" rtlCol="0" anchor="t" anchorCtr="0">
+            <a:normAutofit/>
+          </a:bodyPr>
+          <a:lstStyle>
+            <a:lvl1pPr>
+              <a:defRPr lang="en-US" dirty="0"/>
+            </a:lvl1pPr>
+          </a:lstStyle>
+          <a:p>
+            <a:pPr lvl="0"/>
             <a:r>
-              <a:rPr lang="ko-KR" altLang="en-US"/>
-              <a:t>마스터 제목 스타일 편집</a:t>
+              <a:rPr lang="en-US"/>
+              <a:t>Click to edit Master title style</a:t>
             </a:r>
+            <a:endParaRPr lang="en-US" dirty="0"/>
           </a:p>
         </p:txBody>
       </p:sp>
       <p:sp>
         <p:nvSpPr>
-          <p:cNvPr id="3" name="세로 텍스트 개체 틀 2">
-            <a:extLst>
-              <a:ext uri="{FF2B5EF4-FFF2-40B4-BE49-F238E27FC236}">
-                <a16:creationId xmlns:a16="http://schemas.microsoft.com/office/drawing/2014/main" id="{03FA6C25-3A69-008F-D583-2A79D97648E9}"/>
+          <p:cNvPr id="3" name="Vertical Text Placeholder 2">
+            <a:extLst>
+              <a:ext uri="{FF2B5EF4-FFF2-40B4-BE49-F238E27FC236}">
+                <a16:creationId xmlns:a16="http://schemas.microsoft.com/office/drawing/2014/main" id="{FD986779-C2F3-447D-85F7-F6B0E2C97DCA}"/>
               </a:ext>
             </a:extLst>
           </p:cNvPr>
@@ -395,46 +1257,46 @@
           <a:p>
             <a:pPr lvl="0"/>
             <a:r>
-              <a:rPr lang="ko-KR" altLang="en-US"/>
-              <a:t>마스터 텍스트 스타일을 편집하려면 클릭</a:t>
+              <a:rPr lang="en-US"/>
+              <a:t>Click to edit Master text styles</a:t>
             </a:r>
           </a:p>
           <a:p>
             <a:pPr lvl="1"/>
             <a:r>
-              <a:rPr lang="ko-KR" altLang="en-US"/>
-              <a:t>두 번째 수준</a:t>
+              <a:rPr lang="en-US"/>
+              <a:t>Second level</a:t>
             </a:r>
           </a:p>
           <a:p>
             <a:pPr lvl="2"/>
             <a:r>
-              <a:rPr lang="ko-KR" altLang="en-US"/>
-              <a:t>세 번째 수준</a:t>
+              <a:rPr lang="en-US"/>
+              <a:t>Third level</a:t>
             </a:r>
           </a:p>
           <a:p>
             <a:pPr lvl="3"/>
             <a:r>
-              <a:rPr lang="ko-KR" altLang="en-US"/>
-              <a:t>네 번째 수준</a:t>
+              <a:rPr lang="en-US"/>
+              <a:t>Fourth level</a:t>
             </a:r>
           </a:p>
           <a:p>
             <a:pPr lvl="4"/>
             <a:r>
-              <a:rPr lang="ko-KR" altLang="en-US"/>
-              <a:t>다섯 번째 수준</a:t>
+              <a:rPr lang="en-US"/>
+              <a:t>Fifth level</a:t>
             </a:r>
           </a:p>
         </p:txBody>
       </p:sp>
       <p:sp>
         <p:nvSpPr>
-          <p:cNvPr id="4" name="날짜 개체 틀 3">
-            <a:extLst>
-              <a:ext uri="{FF2B5EF4-FFF2-40B4-BE49-F238E27FC236}">
-                <a16:creationId xmlns:a16="http://schemas.microsoft.com/office/drawing/2014/main" id="{C12148DD-8FF6-62C7-CF88-2145BCC7567E}"/>
+          <p:cNvPr id="4" name="Date Placeholder 3">
+            <a:extLst>
+              <a:ext uri="{FF2B5EF4-FFF2-40B4-BE49-F238E27FC236}">
+                <a16:creationId xmlns:a16="http://schemas.microsoft.com/office/drawing/2014/main" id="{D8661572-1A59-4E3B-BA65-3329E9468C69}"/>
               </a:ext>
             </a:extLst>
           </p:cNvPr>
@@ -450,20 +1312,20 @@
           <a:bodyPr/>
           <a:lstStyle/>
           <a:p>
-            <a:fld id="{13F532C3-E321-48AC-B9B2-1BFF984D6D7A}" type="datetimeFigureOut">
-              <a:rPr lang="ko-KR" altLang="en-US" smtClean="0"/>
-              <a:t>2023-06-21</a:t>
+            <a:fld id="{EE2EBD84-71F4-4271-8C46-0D47C0A9B12E}" type="datetime2">
+              <a:rPr lang="en-US" smtClean="0"/>
+              <a:t>Thursday, June 22, 2023</a:t>
             </a:fld>
-            <a:endParaRPr lang="ko-KR" altLang="en-US"/>
+            <a:endParaRPr lang="en-US"/>
           </a:p>
         </p:txBody>
       </p:sp>
       <p:sp>
         <p:nvSpPr>
-          <p:cNvPr id="5" name="바닥글 개체 틀 4">
-            <a:extLst>
-              <a:ext uri="{FF2B5EF4-FFF2-40B4-BE49-F238E27FC236}">
-                <a16:creationId xmlns:a16="http://schemas.microsoft.com/office/drawing/2014/main" id="{994A24BD-EB63-EDB4-FD34-148D4F1ED063}"/>
+          <p:cNvPr id="5" name="Footer Placeholder 4">
+            <a:extLst>
+              <a:ext uri="{FF2B5EF4-FFF2-40B4-BE49-F238E27FC236}">
+                <a16:creationId xmlns:a16="http://schemas.microsoft.com/office/drawing/2014/main" id="{AFEF84F1-99FE-4F0B-9E76-F581C2C1B6D9}"/>
               </a:ext>
             </a:extLst>
           </p:cNvPr>
@@ -479,16 +1341,19 @@
           <a:bodyPr/>
           <a:lstStyle/>
           <a:p>
-            <a:endParaRPr lang="ko-KR" altLang="en-US"/>
+            <a:r>
+              <a:rPr lang="en-US"/>
+              <a:t>Sample Footer</a:t>
+            </a:r>
           </a:p>
         </p:txBody>
       </p:sp>
       <p:sp>
         <p:nvSpPr>
-          <p:cNvPr id="6" name="슬라이드 번호 개체 틀 5">
-            <a:extLst>
-              <a:ext uri="{FF2B5EF4-FFF2-40B4-BE49-F238E27FC236}">
-                <a16:creationId xmlns:a16="http://schemas.microsoft.com/office/drawing/2014/main" id="{5620DBDB-CD23-C528-EA29-D04244A2C8B5}"/>
+          <p:cNvPr id="6" name="Slide Number Placeholder 5">
+            <a:extLst>
+              <a:ext uri="{FF2B5EF4-FFF2-40B4-BE49-F238E27FC236}">
+                <a16:creationId xmlns:a16="http://schemas.microsoft.com/office/drawing/2014/main" id="{97B2D769-16B1-43C4-BF14-3175533511ED}"/>
               </a:ext>
             </a:extLst>
           </p:cNvPr>
@@ -504,18 +1369,18 @@
           <a:bodyPr/>
           <a:lstStyle/>
           <a:p>
-            <a:fld id="{7B81F63B-0CCB-4C66-B328-A984CFCA8555}" type="slidenum">
-              <a:rPr lang="ko-KR" altLang="en-US" smtClean="0"/>
+            <a:fld id="{DBA1B0FB-D917-4C8C-928F-313BD683BF39}" type="slidenum">
+              <a:rPr lang="en-US" smtClean="0"/>
               <a:t>‹#›</a:t>
             </a:fld>
-            <a:endParaRPr lang="ko-KR" altLang="en-US"/>
+            <a:endParaRPr lang="en-US"/>
           </a:p>
         </p:txBody>
       </p:sp>
     </p:spTree>
     <p:extLst>
       <p:ext uri="{BB962C8B-B14F-4D97-AF65-F5344CB8AC3E}">
-        <p14:creationId xmlns:p14="http://schemas.microsoft.com/office/powerpoint/2010/main" val="2801623975"/>
+        <p14:creationId xmlns:p14="http://schemas.microsoft.com/office/powerpoint/2010/main" val="2490695266"/>
       </p:ext>
     </p:extLst>
   </p:cSld>
@@ -527,7 +1392,7 @@
 
 <file path=ppt/slideLayouts/slideLayout11.xml><?xml version="1.0" encoding="utf-8"?>
 <p:sldLayout xmlns:a="http://schemas.openxmlformats.org/drawingml/2006/main" xmlns:r="http://schemas.openxmlformats.org/officeDocument/2006/relationships" xmlns:p="http://schemas.openxmlformats.org/presentationml/2006/main" type="vertTitleAndTx" preserve="1">
-  <p:cSld name="세로 제목 및 텍스트">
+  <p:cSld name="Vertical Title and Text">
     <p:spTree>
       <p:nvGrpSpPr>
         <p:cNvPr id="1" name=""/>
@@ -544,10 +1409,10 @@
       </p:grpSpPr>
       <p:sp>
         <p:nvSpPr>
-          <p:cNvPr id="2" name="세로 제목 1">
-            <a:extLst>
-              <a:ext uri="{FF2B5EF4-FFF2-40B4-BE49-F238E27FC236}">
-                <a16:creationId xmlns:a16="http://schemas.microsoft.com/office/drawing/2014/main" id="{80B5FCB4-9504-9AF3-71EA-3C212A1EF22B}"/>
+          <p:cNvPr id="2" name="Vertical Title 1">
+            <a:extLst>
+              <a:ext uri="{FF2B5EF4-FFF2-40B4-BE49-F238E27FC236}">
+                <a16:creationId xmlns:a16="http://schemas.microsoft.com/office/drawing/2014/main" id="{0E56583A-514F-4632-820D-E7EE236A465B}"/>
               </a:ext>
             </a:extLst>
           </p:cNvPr>
@@ -569,18 +1434,18 @@
           <a:lstStyle/>
           <a:p>
             <a:r>
-              <a:rPr lang="ko-KR" altLang="en-US"/>
-              <a:t>마스터 제목 스타일 편집</a:t>
+              <a:rPr lang="en-US"/>
+              <a:t>Click to edit Master title style</a:t>
             </a:r>
           </a:p>
         </p:txBody>
       </p:sp>
       <p:sp>
         <p:nvSpPr>
-          <p:cNvPr id="3" name="세로 텍스트 개체 틀 2">
-            <a:extLst>
-              <a:ext uri="{FF2B5EF4-FFF2-40B4-BE49-F238E27FC236}">
-                <a16:creationId xmlns:a16="http://schemas.microsoft.com/office/drawing/2014/main" id="{A9B09912-2683-A2B2-9149-96EBADD38BE2}"/>
+          <p:cNvPr id="3" name="Vertical Text Placeholder 2">
+            <a:extLst>
+              <a:ext uri="{FF2B5EF4-FFF2-40B4-BE49-F238E27FC236}">
+                <a16:creationId xmlns:a16="http://schemas.microsoft.com/office/drawing/2014/main" id="{2173CBBB-7DDC-4437-8C7D-22A1C352027C}"/>
               </a:ext>
             </a:extLst>
           </p:cNvPr>
@@ -603,46 +1468,46 @@
           <a:p>
             <a:pPr lvl="0"/>
             <a:r>
-              <a:rPr lang="ko-KR" altLang="en-US"/>
-              <a:t>마스터 텍스트 스타일을 편집하려면 클릭</a:t>
+              <a:rPr lang="en-US"/>
+              <a:t>Click to edit Master text styles</a:t>
             </a:r>
           </a:p>
           <a:p>
             <a:pPr lvl="1"/>
             <a:r>
-              <a:rPr lang="ko-KR" altLang="en-US"/>
-              <a:t>두 번째 수준</a:t>
+              <a:rPr lang="en-US"/>
+              <a:t>Second level</a:t>
             </a:r>
           </a:p>
           <a:p>
             <a:pPr lvl="2"/>
             <a:r>
-              <a:rPr lang="ko-KR" altLang="en-US"/>
-              <a:t>세 번째 수준</a:t>
+              <a:rPr lang="en-US"/>
+              <a:t>Third level</a:t>
             </a:r>
           </a:p>
           <a:p>
             <a:pPr lvl="3"/>
             <a:r>
-              <a:rPr lang="ko-KR" altLang="en-US"/>
-              <a:t>네 번째 수준</a:t>
+              <a:rPr lang="en-US"/>
+              <a:t>Fourth level</a:t>
             </a:r>
           </a:p>
           <a:p>
             <a:pPr lvl="4"/>
             <a:r>
-              <a:rPr lang="ko-KR" altLang="en-US"/>
-              <a:t>다섯 번째 수준</a:t>
+              <a:rPr lang="en-US"/>
+              <a:t>Fifth level</a:t>
             </a:r>
           </a:p>
         </p:txBody>
       </p:sp>
       <p:sp>
         <p:nvSpPr>
-          <p:cNvPr id="4" name="날짜 개체 틀 3">
-            <a:extLst>
-              <a:ext uri="{FF2B5EF4-FFF2-40B4-BE49-F238E27FC236}">
-                <a16:creationId xmlns:a16="http://schemas.microsoft.com/office/drawing/2014/main" id="{D83E289E-2A77-535F-9BD3-58F64D2392F5}"/>
+          <p:cNvPr id="4" name="Date Placeholder 3">
+            <a:extLst>
+              <a:ext uri="{FF2B5EF4-FFF2-40B4-BE49-F238E27FC236}">
+                <a16:creationId xmlns:a16="http://schemas.microsoft.com/office/drawing/2014/main" id="{A4C69EBF-DA20-4024-8006-B158D571E08E}"/>
               </a:ext>
             </a:extLst>
           </p:cNvPr>
@@ -658,20 +1523,20 @@
           <a:bodyPr/>
           <a:lstStyle/>
           <a:p>
-            <a:fld id="{13F532C3-E321-48AC-B9B2-1BFF984D6D7A}" type="datetimeFigureOut">
-              <a:rPr lang="ko-KR" altLang="en-US" smtClean="0"/>
-              <a:t>2023-06-21</a:t>
+            <a:fld id="{ABAE0CE1-F450-4107-B2CB-17B18F8A3F4A}" type="datetime2">
+              <a:rPr lang="en-US" smtClean="0"/>
+              <a:t>Thursday, June 22, 2023</a:t>
             </a:fld>
-            <a:endParaRPr lang="ko-KR" altLang="en-US"/>
+            <a:endParaRPr lang="en-US"/>
           </a:p>
         </p:txBody>
       </p:sp>
       <p:sp>
         <p:nvSpPr>
-          <p:cNvPr id="5" name="바닥글 개체 틀 4">
-            <a:extLst>
-              <a:ext uri="{FF2B5EF4-FFF2-40B4-BE49-F238E27FC236}">
-                <a16:creationId xmlns:a16="http://schemas.microsoft.com/office/drawing/2014/main" id="{3C38DBFE-2C43-D9D2-2103-E53331DE6847}"/>
+          <p:cNvPr id="5" name="Footer Placeholder 4">
+            <a:extLst>
+              <a:ext uri="{FF2B5EF4-FFF2-40B4-BE49-F238E27FC236}">
+                <a16:creationId xmlns:a16="http://schemas.microsoft.com/office/drawing/2014/main" id="{ADBAC8B9-14B5-4DF1-994D-AB47DB3BA0C5}"/>
               </a:ext>
             </a:extLst>
           </p:cNvPr>
@@ -687,16 +1552,19 @@
           <a:bodyPr/>
           <a:lstStyle/>
           <a:p>
-            <a:endParaRPr lang="ko-KR" altLang="en-US"/>
+            <a:r>
+              <a:rPr lang="en-US"/>
+              <a:t>Sample Footer</a:t>
+            </a:r>
           </a:p>
         </p:txBody>
       </p:sp>
       <p:sp>
         <p:nvSpPr>
-          <p:cNvPr id="6" name="슬라이드 번호 개체 틀 5">
-            <a:extLst>
-              <a:ext uri="{FF2B5EF4-FFF2-40B4-BE49-F238E27FC236}">
-                <a16:creationId xmlns:a16="http://schemas.microsoft.com/office/drawing/2014/main" id="{C93507EA-1BFD-1C3B-836B-055D3F90CD38}"/>
+          <p:cNvPr id="6" name="Slide Number Placeholder 5">
+            <a:extLst>
+              <a:ext uri="{FF2B5EF4-FFF2-40B4-BE49-F238E27FC236}">
+                <a16:creationId xmlns:a16="http://schemas.microsoft.com/office/drawing/2014/main" id="{C7876582-5F9B-4F5E-AAD5-D608CB68EA3D}"/>
               </a:ext>
             </a:extLst>
           </p:cNvPr>
@@ -712,18 +1580,18 @@
           <a:bodyPr/>
           <a:lstStyle/>
           <a:p>
-            <a:fld id="{7B81F63B-0CCB-4C66-B328-A984CFCA8555}" type="slidenum">
-              <a:rPr lang="ko-KR" altLang="en-US" smtClean="0"/>
+            <a:fld id="{DBA1B0FB-D917-4C8C-928F-313BD683BF39}" type="slidenum">
+              <a:rPr lang="en-US" smtClean="0"/>
               <a:t>‹#›</a:t>
             </a:fld>
-            <a:endParaRPr lang="ko-KR" altLang="en-US"/>
+            <a:endParaRPr lang="en-US"/>
           </a:p>
         </p:txBody>
       </p:sp>
     </p:spTree>
     <p:extLst>
       <p:ext uri="{BB962C8B-B14F-4D97-AF65-F5344CB8AC3E}">
-        <p14:creationId xmlns:p14="http://schemas.microsoft.com/office/powerpoint/2010/main" val="1828149653"/>
+        <p14:creationId xmlns:p14="http://schemas.microsoft.com/office/powerpoint/2010/main" val="458022220"/>
       </p:ext>
     </p:extLst>
   </p:cSld>
@@ -735,7 +1603,7 @@
 
 <file path=ppt/slideLayouts/slideLayout2.xml><?xml version="1.0" encoding="utf-8"?>
 <p:sldLayout xmlns:a="http://schemas.openxmlformats.org/drawingml/2006/main" xmlns:r="http://schemas.openxmlformats.org/officeDocument/2006/relationships" xmlns:p="http://schemas.openxmlformats.org/presentationml/2006/main" type="obj" preserve="1">
-  <p:cSld name="제목 및 내용">
+  <p:cSld name="Title and Content">
     <p:spTree>
       <p:nvGrpSpPr>
         <p:cNvPr id="1" name=""/>
@@ -750,12 +1618,453 @@
           <a:chExt cx="0" cy="0"/>
         </a:xfrm>
       </p:grpSpPr>
+      <p:grpSp>
+        <p:nvGrpSpPr>
+          <p:cNvPr id="12" name="Group 11">
+            <a:extLst>
+              <a:ext uri="{FF2B5EF4-FFF2-40B4-BE49-F238E27FC236}">
+                <a16:creationId xmlns:a16="http://schemas.microsoft.com/office/drawing/2014/main" id="{3BDBC526-6DCD-4FF6-8395-D8C22E46E527}"/>
+              </a:ext>
+            </a:extLst>
+          </p:cNvPr>
+          <p:cNvGrpSpPr/>
+          <p:nvPr/>
+        </p:nvGrpSpPr>
+        <p:grpSpPr>
+          <a:xfrm>
+            <a:off x="613998" y="5334748"/>
+            <a:ext cx="678135" cy="990000"/>
+            <a:chOff x="10490969" y="1448827"/>
+            <a:chExt cx="678135" cy="990000"/>
+          </a:xfrm>
+        </p:grpSpPr>
+        <p:sp>
+          <p:nvSpPr>
+            <p:cNvPr id="13" name="Freeform: Shape 12">
+              <a:extLst>
+                <a:ext uri="{FF2B5EF4-FFF2-40B4-BE49-F238E27FC236}">
+                  <a16:creationId xmlns:a16="http://schemas.microsoft.com/office/drawing/2014/main" id="{02ECB475-568C-47AC-B16D-2E202DEB2DE0}"/>
+                </a:ext>
+              </a:extLst>
+            </p:cNvPr>
+            <p:cNvSpPr>
+              <a:spLocks noChangeAspect="1"/>
+            </p:cNvSpPr>
+            <p:nvPr/>
+          </p:nvSpPr>
+          <p:spPr>
+            <a:xfrm rot="2700000" flipH="1" flipV="1">
+              <a:off x="10268976" y="1743588"/>
+              <a:ext cx="926985" cy="463493"/>
+            </a:xfrm>
+            <a:custGeom>
+              <a:avLst/>
+              <a:gdLst>
+                <a:gd name="connsiteX0" fmla="*/ 1329373 w 2658746"/>
+                <a:gd name="connsiteY0" fmla="*/ 0 h 1329373"/>
+                <a:gd name="connsiteX1" fmla="*/ 2658746 w 2658746"/>
+                <a:gd name="connsiteY1" fmla="*/ 1329373 h 1329373"/>
+                <a:gd name="connsiteX2" fmla="*/ 1994059 w 2658746"/>
+                <a:gd name="connsiteY2" fmla="*/ 1329373 h 1329373"/>
+                <a:gd name="connsiteX3" fmla="*/ 1329373 w 2658746"/>
+                <a:gd name="connsiteY3" fmla="*/ 664687 h 1329373"/>
+                <a:gd name="connsiteX4" fmla="*/ 664687 w 2658746"/>
+                <a:gd name="connsiteY4" fmla="*/ 1329373 h 1329373"/>
+                <a:gd name="connsiteX5" fmla="*/ 0 w 2658746"/>
+                <a:gd name="connsiteY5" fmla="*/ 1329373 h 1329373"/>
+                <a:gd name="connsiteX6" fmla="*/ 1329373 w 2658746"/>
+                <a:gd name="connsiteY6" fmla="*/ 0 h 1329373"/>
+              </a:gdLst>
+              <a:ahLst/>
+              <a:cxnLst>
+                <a:cxn ang="0">
+                  <a:pos x="connsiteX0" y="connsiteY0"/>
+                </a:cxn>
+                <a:cxn ang="0">
+                  <a:pos x="connsiteX1" y="connsiteY1"/>
+                </a:cxn>
+                <a:cxn ang="0">
+                  <a:pos x="connsiteX2" y="connsiteY2"/>
+                </a:cxn>
+                <a:cxn ang="0">
+                  <a:pos x="connsiteX3" y="connsiteY3"/>
+                </a:cxn>
+                <a:cxn ang="0">
+                  <a:pos x="connsiteX4" y="connsiteY4"/>
+                </a:cxn>
+                <a:cxn ang="0">
+                  <a:pos x="connsiteX5" y="connsiteY5"/>
+                </a:cxn>
+                <a:cxn ang="0">
+                  <a:pos x="connsiteX6" y="connsiteY6"/>
+                </a:cxn>
+              </a:cxnLst>
+              <a:rect l="l" t="t" r="r" b="b"/>
+              <a:pathLst>
+                <a:path w="2658746" h="1329373">
+                  <a:moveTo>
+                    <a:pt x="1329373" y="0"/>
+                  </a:moveTo>
+                  <a:cubicBezTo>
+                    <a:pt x="2063565" y="0"/>
+                    <a:pt x="2658746" y="595181"/>
+                    <a:pt x="2658746" y="1329373"/>
+                  </a:cubicBezTo>
+                  <a:lnTo>
+                    <a:pt x="1994059" y="1329373"/>
+                  </a:lnTo>
+                  <a:cubicBezTo>
+                    <a:pt x="1994059" y="962277"/>
+                    <a:pt x="1696469" y="664687"/>
+                    <a:pt x="1329373" y="664687"/>
+                  </a:cubicBezTo>
+                  <a:cubicBezTo>
+                    <a:pt x="962277" y="664687"/>
+                    <a:pt x="664687" y="962277"/>
+                    <a:pt x="664687" y="1329373"/>
+                  </a:cubicBezTo>
+                  <a:lnTo>
+                    <a:pt x="0" y="1329373"/>
+                  </a:lnTo>
+                  <a:cubicBezTo>
+                    <a:pt x="0" y="595181"/>
+                    <a:pt x="595181" y="0"/>
+                    <a:pt x="1329373" y="0"/>
+                  </a:cubicBezTo>
+                  <a:close/>
+                </a:path>
+              </a:pathLst>
+            </a:custGeom>
+            <a:solidFill>
+              <a:schemeClr val="bg2"/>
+            </a:solidFill>
+            <a:ln>
+              <a:noFill/>
+            </a:ln>
+            <a:effectLst>
+              <a:innerShdw blurRad="127000" dist="50800" dir="13500000">
+                <a:schemeClr val="accent1">
+                  <a:lumMod val="40000"/>
+                  <a:lumOff val="60000"/>
+                  <a:alpha val="20000"/>
+                </a:schemeClr>
+              </a:innerShdw>
+            </a:effectLst>
+          </p:spPr>
+          <p:style>
+            <a:lnRef idx="2">
+              <a:schemeClr val="accent1">
+                <a:shade val="50000"/>
+              </a:schemeClr>
+            </a:lnRef>
+            <a:fillRef idx="1">
+              <a:schemeClr val="accent1"/>
+            </a:fillRef>
+            <a:effectRef idx="0">
+              <a:schemeClr val="accent1"/>
+            </a:effectRef>
+            <a:fontRef idx="minor">
+              <a:schemeClr val="lt1"/>
+            </a:fontRef>
+          </p:style>
+          <p:txBody>
+            <a:bodyPr rtlCol="0" anchor="ctr"/>
+            <a:lstStyle/>
+            <a:p>
+              <a:pPr algn="ctr"/>
+              <a:endParaRPr lang="en-US" dirty="0">
+                <a:solidFill>
+                  <a:schemeClr val="tx1"/>
+                </a:solidFill>
+              </a:endParaRPr>
+            </a:p>
+          </p:txBody>
+        </p:sp>
+        <p:sp>
+          <p:nvSpPr>
+            <p:cNvPr id="14" name="Oval 13">
+              <a:extLst>
+                <a:ext uri="{FF2B5EF4-FFF2-40B4-BE49-F238E27FC236}">
+                  <a16:creationId xmlns:a16="http://schemas.microsoft.com/office/drawing/2014/main" id="{080D8764-525A-441E-B58F-068E82F09714}"/>
+                </a:ext>
+              </a:extLst>
+            </p:cNvPr>
+            <p:cNvSpPr/>
+            <p:nvPr/>
+          </p:nvSpPr>
+          <p:spPr>
+            <a:xfrm rot="8100000" flipH="1" flipV="1">
+              <a:off x="11115555" y="1939340"/>
+              <a:ext cx="53549" cy="233295"/>
+            </a:xfrm>
+            <a:prstGeom prst="ellipse">
+              <a:avLst/>
+            </a:prstGeom>
+            <a:solidFill>
+              <a:schemeClr val="bg2">
+                <a:lumMod val="90000"/>
+                <a:lumOff val="10000"/>
+              </a:schemeClr>
+            </a:solidFill>
+            <a:ln>
+              <a:noFill/>
+            </a:ln>
+            <a:effectLst>
+              <a:innerShdw blurRad="63500" dist="2540000">
+                <a:schemeClr val="accent1">
+                  <a:lumMod val="60000"/>
+                  <a:lumOff val="40000"/>
+                  <a:alpha val="0"/>
+                </a:schemeClr>
+              </a:innerShdw>
+            </a:effectLst>
+          </p:spPr>
+          <p:style>
+            <a:lnRef idx="2">
+              <a:schemeClr val="accent1">
+                <a:shade val="50000"/>
+              </a:schemeClr>
+            </a:lnRef>
+            <a:fillRef idx="1">
+              <a:schemeClr val="accent1"/>
+            </a:fillRef>
+            <a:effectRef idx="0">
+              <a:schemeClr val="accent1"/>
+            </a:effectRef>
+            <a:fontRef idx="minor">
+              <a:schemeClr val="lt1"/>
+            </a:fontRef>
+          </p:style>
+          <p:txBody>
+            <a:bodyPr rot="0" spcFirstLastPara="0" vertOverflow="overflow" horzOverflow="overflow" vert="horz" wrap="square" lIns="91440" tIns="45720" rIns="91440" bIns="45720" numCol="1" spcCol="0" rtlCol="0" fromWordArt="0" anchor="ctr" anchorCtr="0" forceAA="0" compatLnSpc="1">
+              <a:prstTxWarp prst="textNoShape">
+                <a:avLst/>
+              </a:prstTxWarp>
+              <a:noAutofit/>
+            </a:bodyPr>
+            <a:lstStyle/>
+            <a:p>
+              <a:pPr algn="ctr"/>
+              <a:endParaRPr lang="en-US"/>
+            </a:p>
+          </p:txBody>
+        </p:sp>
+        <p:sp>
+          <p:nvSpPr>
+            <p:cNvPr id="15" name="Oval 14">
+              <a:extLst>
+                <a:ext uri="{FF2B5EF4-FFF2-40B4-BE49-F238E27FC236}">
+                  <a16:creationId xmlns:a16="http://schemas.microsoft.com/office/drawing/2014/main" id="{11196109-6F2B-4738-B2FC-2CCC753AABD4}"/>
+                </a:ext>
+              </a:extLst>
+            </p:cNvPr>
+            <p:cNvSpPr/>
+            <p:nvPr/>
+          </p:nvSpPr>
+          <p:spPr>
+            <a:xfrm rot="8100000" flipH="1" flipV="1">
+              <a:off x="10625042" y="1448827"/>
+              <a:ext cx="53549" cy="233295"/>
+            </a:xfrm>
+            <a:prstGeom prst="ellipse">
+              <a:avLst/>
+            </a:prstGeom>
+            <a:solidFill>
+              <a:schemeClr val="bg2">
+                <a:lumMod val="90000"/>
+                <a:lumOff val="10000"/>
+              </a:schemeClr>
+            </a:solidFill>
+            <a:ln>
+              <a:noFill/>
+            </a:ln>
+            <a:effectLst>
+              <a:innerShdw blurRad="63500" dist="2540000">
+                <a:schemeClr val="accent1">
+                  <a:lumMod val="60000"/>
+                  <a:lumOff val="40000"/>
+                  <a:alpha val="0"/>
+                </a:schemeClr>
+              </a:innerShdw>
+            </a:effectLst>
+          </p:spPr>
+          <p:style>
+            <a:lnRef idx="2">
+              <a:schemeClr val="accent1">
+                <a:shade val="50000"/>
+              </a:schemeClr>
+            </a:lnRef>
+            <a:fillRef idx="1">
+              <a:schemeClr val="accent1"/>
+            </a:fillRef>
+            <a:effectRef idx="0">
+              <a:schemeClr val="accent1"/>
+            </a:effectRef>
+            <a:fontRef idx="minor">
+              <a:schemeClr val="lt1"/>
+            </a:fontRef>
+          </p:style>
+          <p:txBody>
+            <a:bodyPr rot="0" spcFirstLastPara="0" vertOverflow="overflow" horzOverflow="overflow" vert="horz" wrap="square" lIns="91440" tIns="45720" rIns="91440" bIns="45720" numCol="1" spcCol="0" rtlCol="0" fromWordArt="0" anchor="ctr" anchorCtr="0" forceAA="0" compatLnSpc="1">
+              <a:prstTxWarp prst="textNoShape">
+                <a:avLst/>
+              </a:prstTxWarp>
+              <a:noAutofit/>
+            </a:bodyPr>
+            <a:lstStyle/>
+            <a:p>
+              <a:pPr algn="ctr"/>
+              <a:endParaRPr lang="en-US"/>
+            </a:p>
+          </p:txBody>
+        </p:sp>
+        <p:sp>
+          <p:nvSpPr>
+            <p:cNvPr id="16" name="Freeform: Shape 15">
+              <a:extLst>
+                <a:ext uri="{FF2B5EF4-FFF2-40B4-BE49-F238E27FC236}">
+                  <a16:creationId xmlns:a16="http://schemas.microsoft.com/office/drawing/2014/main" id="{F7E468C2-69B8-470B-85E3-801A3CB1D7E2}"/>
+                </a:ext>
+              </a:extLst>
+            </p:cNvPr>
+            <p:cNvSpPr>
+              <a:spLocks noChangeAspect="1"/>
+            </p:cNvSpPr>
+            <p:nvPr/>
+          </p:nvSpPr>
+          <p:spPr>
+            <a:xfrm rot="2700000" flipH="1" flipV="1">
+              <a:off x="10292519" y="1686748"/>
+              <a:ext cx="926985" cy="530086"/>
+            </a:xfrm>
+            <a:custGeom>
+              <a:avLst/>
+              <a:gdLst>
+                <a:gd name="connsiteX0" fmla="*/ 1329373 w 2658746"/>
+                <a:gd name="connsiteY0" fmla="*/ 0 h 1329373"/>
+                <a:gd name="connsiteX1" fmla="*/ 2658746 w 2658746"/>
+                <a:gd name="connsiteY1" fmla="*/ 1329373 h 1329373"/>
+                <a:gd name="connsiteX2" fmla="*/ 1994059 w 2658746"/>
+                <a:gd name="connsiteY2" fmla="*/ 1329373 h 1329373"/>
+                <a:gd name="connsiteX3" fmla="*/ 1329373 w 2658746"/>
+                <a:gd name="connsiteY3" fmla="*/ 664687 h 1329373"/>
+                <a:gd name="connsiteX4" fmla="*/ 664687 w 2658746"/>
+                <a:gd name="connsiteY4" fmla="*/ 1329373 h 1329373"/>
+                <a:gd name="connsiteX5" fmla="*/ 0 w 2658746"/>
+                <a:gd name="connsiteY5" fmla="*/ 1329373 h 1329373"/>
+                <a:gd name="connsiteX6" fmla="*/ 1329373 w 2658746"/>
+                <a:gd name="connsiteY6" fmla="*/ 0 h 1329373"/>
+              </a:gdLst>
+              <a:ahLst/>
+              <a:cxnLst>
+                <a:cxn ang="0">
+                  <a:pos x="connsiteX0" y="connsiteY0"/>
+                </a:cxn>
+                <a:cxn ang="0">
+                  <a:pos x="connsiteX1" y="connsiteY1"/>
+                </a:cxn>
+                <a:cxn ang="0">
+                  <a:pos x="connsiteX2" y="connsiteY2"/>
+                </a:cxn>
+                <a:cxn ang="0">
+                  <a:pos x="connsiteX3" y="connsiteY3"/>
+                </a:cxn>
+                <a:cxn ang="0">
+                  <a:pos x="connsiteX4" y="connsiteY4"/>
+                </a:cxn>
+                <a:cxn ang="0">
+                  <a:pos x="connsiteX5" y="connsiteY5"/>
+                </a:cxn>
+                <a:cxn ang="0">
+                  <a:pos x="connsiteX6" y="connsiteY6"/>
+                </a:cxn>
+              </a:cxnLst>
+              <a:rect l="l" t="t" r="r" b="b"/>
+              <a:pathLst>
+                <a:path w="2658746" h="1329373">
+                  <a:moveTo>
+                    <a:pt x="1329373" y="0"/>
+                  </a:moveTo>
+                  <a:cubicBezTo>
+                    <a:pt x="2063565" y="0"/>
+                    <a:pt x="2658746" y="595181"/>
+                    <a:pt x="2658746" y="1329373"/>
+                  </a:cubicBezTo>
+                  <a:lnTo>
+                    <a:pt x="1994059" y="1329373"/>
+                  </a:lnTo>
+                  <a:cubicBezTo>
+                    <a:pt x="1994059" y="962277"/>
+                    <a:pt x="1696469" y="664687"/>
+                    <a:pt x="1329373" y="664687"/>
+                  </a:cubicBezTo>
+                  <a:cubicBezTo>
+                    <a:pt x="962277" y="664687"/>
+                    <a:pt x="664687" y="962277"/>
+                    <a:pt x="664687" y="1329373"/>
+                  </a:cubicBezTo>
+                  <a:lnTo>
+                    <a:pt x="0" y="1329373"/>
+                  </a:lnTo>
+                  <a:cubicBezTo>
+                    <a:pt x="0" y="595181"/>
+                    <a:pt x="595181" y="0"/>
+                    <a:pt x="1329373" y="0"/>
+                  </a:cubicBezTo>
+                  <a:close/>
+                </a:path>
+              </a:pathLst>
+            </a:custGeom>
+            <a:solidFill>
+              <a:schemeClr val="bg2">
+                <a:lumMod val="50000"/>
+                <a:lumOff val="50000"/>
+                <a:alpha val="20000"/>
+              </a:schemeClr>
+            </a:solidFill>
+            <a:ln>
+              <a:noFill/>
+            </a:ln>
+            <a:effectLst>
+              <a:softEdge rad="101600"/>
+            </a:effectLst>
+          </p:spPr>
+          <p:style>
+            <a:lnRef idx="2">
+              <a:schemeClr val="accent1">
+                <a:shade val="50000"/>
+              </a:schemeClr>
+            </a:lnRef>
+            <a:fillRef idx="1">
+              <a:schemeClr val="accent1"/>
+            </a:fillRef>
+            <a:effectRef idx="0">
+              <a:schemeClr val="accent1"/>
+            </a:effectRef>
+            <a:fontRef idx="minor">
+              <a:schemeClr val="lt1"/>
+            </a:fontRef>
+          </p:style>
+          <p:txBody>
+            <a:bodyPr rtlCol="0" anchor="ctr"/>
+            <a:lstStyle/>
+            <a:p>
+              <a:pPr algn="ctr"/>
+              <a:endParaRPr lang="en-US" dirty="0">
+                <a:solidFill>
+                  <a:schemeClr val="tx1"/>
+                </a:solidFill>
+              </a:endParaRPr>
+            </a:p>
+          </p:txBody>
+        </p:sp>
+      </p:grpSp>
       <p:sp>
         <p:nvSpPr>
-          <p:cNvPr id="2" name="제목 1">
-            <a:extLst>
-              <a:ext uri="{FF2B5EF4-FFF2-40B4-BE49-F238E27FC236}">
-                <a16:creationId xmlns:a16="http://schemas.microsoft.com/office/drawing/2014/main" id="{9675960B-7BFD-2451-FFD9-A0D07D29758A}"/>
+          <p:cNvPr id="2" name="Title 1">
+            <a:extLst>
+              <a:ext uri="{FF2B5EF4-FFF2-40B4-BE49-F238E27FC236}">
+                <a16:creationId xmlns:a16="http://schemas.microsoft.com/office/drawing/2014/main" id="{B1A4B040-51E3-4DA0-B21D-EEE173E7536F}"/>
               </a:ext>
             </a:extLst>
           </p:cNvPr>
@@ -766,24 +2075,41 @@
             <p:ph type="title"/>
           </p:nvPr>
         </p:nvSpPr>
-        <p:spPr/>
+        <p:spPr>
+          <a:xfrm>
+            <a:off x="550862" y="549275"/>
+            <a:ext cx="11091600" cy="1332000"/>
+          </a:xfrm>
+        </p:spPr>
         <p:txBody>
-          <a:bodyPr/>
-          <a:lstStyle/>
-          <a:p>
+          <a:bodyPr vert="horz" wrap="square" lIns="0" tIns="0" rIns="0" bIns="0" rtlCol="0" anchor="t" anchorCtr="0">
+            <a:normAutofit/>
+          </a:bodyPr>
+          <a:lstStyle>
+            <a:lvl1pPr>
+              <a:defRPr lang="en-US" dirty="0"/>
+            </a:lvl1pPr>
+          </a:lstStyle>
+          <a:p>
+            <a:pPr lvl="0">
+              <a:lnSpc>
+                <a:spcPct val="100000"/>
+              </a:lnSpc>
+            </a:pPr>
             <a:r>
-              <a:rPr lang="ko-KR" altLang="en-US"/>
-              <a:t>마스터 제목 스타일 편집</a:t>
+              <a:rPr lang="en-US"/>
+              <a:t>Click to edit Master title style</a:t>
             </a:r>
+            <a:endParaRPr lang="en-US" dirty="0"/>
           </a:p>
         </p:txBody>
       </p:sp>
       <p:sp>
         <p:nvSpPr>
-          <p:cNvPr id="3" name="내용 개체 틀 2">
-            <a:extLst>
-              <a:ext uri="{FF2B5EF4-FFF2-40B4-BE49-F238E27FC236}">
-                <a16:creationId xmlns:a16="http://schemas.microsoft.com/office/drawing/2014/main" id="{1026D953-4757-8681-D11C-BFA61512E431}"/>
+          <p:cNvPr id="3" name="Content Placeholder 2">
+            <a:extLst>
+              <a:ext uri="{FF2B5EF4-FFF2-40B4-BE49-F238E27FC236}">
+                <a16:creationId xmlns:a16="http://schemas.microsoft.com/office/drawing/2014/main" id="{F8A2CD90-429B-4A55-B6C8-DD6CE6994118}"/>
               </a:ext>
             </a:extLst>
           </p:cNvPr>
@@ -794,53 +2120,59 @@
             <p:ph idx="1"/>
           </p:nvPr>
         </p:nvSpPr>
-        <p:spPr/>
+        <p:spPr>
+          <a:xfrm>
+            <a:off x="550863" y="2113199"/>
+            <a:ext cx="11090274" cy="3979625"/>
+          </a:xfrm>
+        </p:spPr>
         <p:txBody>
           <a:bodyPr/>
           <a:lstStyle/>
           <a:p>
             <a:pPr lvl="0"/>
             <a:r>
-              <a:rPr lang="ko-KR" altLang="en-US"/>
-              <a:t>마스터 텍스트 스타일을 편집하려면 클릭</a:t>
+              <a:rPr lang="en-US"/>
+              <a:t>Click to edit Master text styles</a:t>
             </a:r>
           </a:p>
           <a:p>
             <a:pPr lvl="1"/>
             <a:r>
-              <a:rPr lang="ko-KR" altLang="en-US"/>
-              <a:t>두 번째 수준</a:t>
+              <a:rPr lang="en-US"/>
+              <a:t>Second level</a:t>
             </a:r>
           </a:p>
           <a:p>
             <a:pPr lvl="2"/>
             <a:r>
-              <a:rPr lang="ko-KR" altLang="en-US"/>
-              <a:t>세 번째 수준</a:t>
+              <a:rPr lang="en-US"/>
+              <a:t>Third level</a:t>
             </a:r>
           </a:p>
           <a:p>
             <a:pPr lvl="3"/>
             <a:r>
-              <a:rPr lang="ko-KR" altLang="en-US"/>
-              <a:t>네 번째 수준</a:t>
+              <a:rPr lang="en-US"/>
+              <a:t>Fourth level</a:t>
             </a:r>
           </a:p>
           <a:p>
             <a:pPr lvl="4"/>
             <a:r>
-              <a:rPr lang="ko-KR" altLang="en-US"/>
-              <a:t>다섯 번째 수준</a:t>
+              <a:rPr lang="en-US"/>
+              <a:t>Fifth level</a:t>
             </a:r>
+            <a:endParaRPr lang="en-US" dirty="0"/>
           </a:p>
         </p:txBody>
       </p:sp>
       <p:sp>
         <p:nvSpPr>
-          <p:cNvPr id="4" name="날짜 개체 틀 3">
-            <a:extLst>
-              <a:ext uri="{FF2B5EF4-FFF2-40B4-BE49-F238E27FC236}">
-                <a16:creationId xmlns:a16="http://schemas.microsoft.com/office/drawing/2014/main" id="{C9CCFE43-536D-DBB2-2229-FF56E456DB37}"/>
+          <p:cNvPr id="4" name="Date Placeholder 3">
+            <a:extLst>
+              <a:ext uri="{FF2B5EF4-FFF2-40B4-BE49-F238E27FC236}">
+                <a16:creationId xmlns:a16="http://schemas.microsoft.com/office/drawing/2014/main" id="{4D4EE704-5DCA-484E-85E0-0E3A7B1C5046}"/>
               </a:ext>
             </a:extLst>
           </p:cNvPr>
@@ -856,20 +2188,20 @@
           <a:bodyPr/>
           <a:lstStyle/>
           <a:p>
-            <a:fld id="{13F532C3-E321-48AC-B9B2-1BFF984D6D7A}" type="datetimeFigureOut">
-              <a:rPr lang="ko-KR" altLang="en-US" smtClean="0"/>
-              <a:t>2023-06-21</a:t>
+            <a:fld id="{6FE8C025-CD7A-4966-867E-81CF82B15267}" type="datetime2">
+              <a:rPr lang="en-US" smtClean="0"/>
+              <a:t>Thursday, June 22, 2023</a:t>
             </a:fld>
-            <a:endParaRPr lang="ko-KR" altLang="en-US"/>
+            <a:endParaRPr lang="en-US"/>
           </a:p>
         </p:txBody>
       </p:sp>
       <p:sp>
         <p:nvSpPr>
-          <p:cNvPr id="5" name="바닥글 개체 틀 4">
-            <a:extLst>
-              <a:ext uri="{FF2B5EF4-FFF2-40B4-BE49-F238E27FC236}">
-                <a16:creationId xmlns:a16="http://schemas.microsoft.com/office/drawing/2014/main" id="{79AA63D6-4A8B-8872-8A1C-BD023ED1FBD1}"/>
+          <p:cNvPr id="5" name="Footer Placeholder 4">
+            <a:extLst>
+              <a:ext uri="{FF2B5EF4-FFF2-40B4-BE49-F238E27FC236}">
+                <a16:creationId xmlns:a16="http://schemas.microsoft.com/office/drawing/2014/main" id="{4CA69B66-1C18-44A2-93F7-97DED26F24AB}"/>
               </a:ext>
             </a:extLst>
           </p:cNvPr>
@@ -885,16 +2217,19 @@
           <a:bodyPr/>
           <a:lstStyle/>
           <a:p>
-            <a:endParaRPr lang="ko-KR" altLang="en-US"/>
+            <a:r>
+              <a:rPr lang="en-US"/>
+              <a:t>Sample Footer</a:t>
+            </a:r>
           </a:p>
         </p:txBody>
       </p:sp>
       <p:sp>
         <p:nvSpPr>
-          <p:cNvPr id="6" name="슬라이드 번호 개체 틀 5">
-            <a:extLst>
-              <a:ext uri="{FF2B5EF4-FFF2-40B4-BE49-F238E27FC236}">
-                <a16:creationId xmlns:a16="http://schemas.microsoft.com/office/drawing/2014/main" id="{18B2F054-E3EB-8054-433B-0679E96F593A}"/>
+          <p:cNvPr id="6" name="Slide Number Placeholder 5">
+            <a:extLst>
+              <a:ext uri="{FF2B5EF4-FFF2-40B4-BE49-F238E27FC236}">
+                <a16:creationId xmlns:a16="http://schemas.microsoft.com/office/drawing/2014/main" id="{7E44B5A0-66FA-433A-8DC5-C097C63B4DFC}"/>
               </a:ext>
             </a:extLst>
           </p:cNvPr>
@@ -910,18 +2245,18 @@
           <a:bodyPr/>
           <a:lstStyle/>
           <a:p>
-            <a:fld id="{7B81F63B-0CCB-4C66-B328-A984CFCA8555}" type="slidenum">
-              <a:rPr lang="ko-KR" altLang="en-US" smtClean="0"/>
+            <a:fld id="{DBA1B0FB-D917-4C8C-928F-313BD683BF39}" type="slidenum">
+              <a:rPr lang="en-US" smtClean="0"/>
               <a:t>‹#›</a:t>
             </a:fld>
-            <a:endParaRPr lang="ko-KR" altLang="en-US"/>
+            <a:endParaRPr lang="en-US"/>
           </a:p>
         </p:txBody>
       </p:sp>
     </p:spTree>
     <p:extLst>
       <p:ext uri="{BB962C8B-B14F-4D97-AF65-F5344CB8AC3E}">
-        <p14:creationId xmlns:p14="http://schemas.microsoft.com/office/powerpoint/2010/main" val="2459639353"/>
+        <p14:creationId xmlns:p14="http://schemas.microsoft.com/office/powerpoint/2010/main" val="3883021138"/>
       </p:ext>
     </p:extLst>
   </p:cSld>
@@ -933,7 +2268,7 @@
 
 <file path=ppt/slideLayouts/slideLayout3.xml><?xml version="1.0" encoding="utf-8"?>
 <p:sldLayout xmlns:a="http://schemas.openxmlformats.org/drawingml/2006/main" xmlns:r="http://schemas.openxmlformats.org/officeDocument/2006/relationships" xmlns:p="http://schemas.openxmlformats.org/presentationml/2006/main" type="secHead" preserve="1">
-  <p:cSld name="구역 머리글">
+  <p:cSld name="Section Header">
     <p:spTree>
       <p:nvGrpSpPr>
         <p:cNvPr id="1" name=""/>
@@ -948,12 +2283,471 @@
           <a:chExt cx="0" cy="0"/>
         </a:xfrm>
       </p:grpSpPr>
+      <p:grpSp>
+        <p:nvGrpSpPr>
+          <p:cNvPr id="48" name="Group 47">
+            <a:extLst>
+              <a:ext uri="{FF2B5EF4-FFF2-40B4-BE49-F238E27FC236}">
+                <a16:creationId xmlns:a16="http://schemas.microsoft.com/office/drawing/2014/main" id="{4644CBB8-40B8-42F8-9172-07A476341DDA}"/>
+              </a:ext>
+            </a:extLst>
+          </p:cNvPr>
+          <p:cNvGrpSpPr/>
+          <p:nvPr/>
+        </p:nvGrpSpPr>
+        <p:grpSpPr>
+          <a:xfrm>
+            <a:off x="356481" y="879007"/>
+            <a:ext cx="734257" cy="760506"/>
+            <a:chOff x="5243759" y="1363788"/>
+            <a:chExt cx="734257" cy="760506"/>
+          </a:xfrm>
+        </p:grpSpPr>
+        <p:sp>
+          <p:nvSpPr>
+            <p:cNvPr id="49" name="Freeform 5">
+              <a:extLst>
+                <a:ext uri="{FF2B5EF4-FFF2-40B4-BE49-F238E27FC236}">
+                  <a16:creationId xmlns:a16="http://schemas.microsoft.com/office/drawing/2014/main" id="{35CE073E-302A-4AA7-98C7-8667DDDCFA18}"/>
+                </a:ext>
+              </a:extLst>
+            </p:cNvPr>
+            <p:cNvSpPr>
+              <a:spLocks/>
+            </p:cNvSpPr>
+            <p:nvPr/>
+          </p:nvSpPr>
+          <p:spPr bwMode="auto">
+            <a:xfrm rot="1800000">
+              <a:off x="5356930" y="1363788"/>
+              <a:ext cx="621086" cy="364601"/>
+            </a:xfrm>
+            <a:custGeom>
+              <a:avLst/>
+              <a:gdLst>
+                <a:gd name="T0" fmla="*/ 266 w 540"/>
+                <a:gd name="T1" fmla="*/ 0 h 317"/>
+                <a:gd name="T2" fmla="*/ 0 w 540"/>
+                <a:gd name="T3" fmla="*/ 158 h 317"/>
+                <a:gd name="T4" fmla="*/ 266 w 540"/>
+                <a:gd name="T5" fmla="*/ 317 h 317"/>
+                <a:gd name="T6" fmla="*/ 540 w 540"/>
+                <a:gd name="T7" fmla="*/ 158 h 317"/>
+                <a:gd name="T8" fmla="*/ 266 w 540"/>
+                <a:gd name="T9" fmla="*/ 0 h 317"/>
+              </a:gdLst>
+              <a:ahLst/>
+              <a:cxnLst>
+                <a:cxn ang="0">
+                  <a:pos x="T0" y="T1"/>
+                </a:cxn>
+                <a:cxn ang="0">
+                  <a:pos x="T2" y="T3"/>
+                </a:cxn>
+                <a:cxn ang="0">
+                  <a:pos x="T4" y="T5"/>
+                </a:cxn>
+                <a:cxn ang="0">
+                  <a:pos x="T6" y="T7"/>
+                </a:cxn>
+                <a:cxn ang="0">
+                  <a:pos x="T8" y="T9"/>
+                </a:cxn>
+              </a:cxnLst>
+              <a:rect l="0" t="0" r="r" b="b"/>
+              <a:pathLst>
+                <a:path w="540" h="317">
+                  <a:moveTo>
+                    <a:pt x="266" y="0"/>
+                  </a:moveTo>
+                  <a:lnTo>
+                    <a:pt x="0" y="158"/>
+                  </a:lnTo>
+                  <a:lnTo>
+                    <a:pt x="266" y="317"/>
+                  </a:lnTo>
+                  <a:lnTo>
+                    <a:pt x="540" y="158"/>
+                  </a:lnTo>
+                  <a:lnTo>
+                    <a:pt x="266" y="0"/>
+                  </a:lnTo>
+                  <a:close/>
+                </a:path>
+              </a:pathLst>
+            </a:custGeom>
+            <a:gradFill flip="none" rotWithShape="1">
+              <a:gsLst>
+                <a:gs pos="20000">
+                  <a:schemeClr val="bg2">
+                    <a:lumMod val="90000"/>
+                    <a:lumOff val="10000"/>
+                    <a:alpha val="20000"/>
+                  </a:schemeClr>
+                </a:gs>
+                <a:gs pos="100000">
+                  <a:schemeClr val="accent1">
+                    <a:lumMod val="60000"/>
+                    <a:lumOff val="40000"/>
+                    <a:alpha val="20000"/>
+                  </a:schemeClr>
+                </a:gs>
+              </a:gsLst>
+              <a:lin ang="0" scaled="0"/>
+              <a:tileRect/>
+            </a:gradFill>
+            <a:ln>
+              <a:noFill/>
+            </a:ln>
+            <a:effectLst>
+              <a:innerShdw blurRad="254000">
+                <a:schemeClr val="bg2">
+                  <a:lumMod val="90000"/>
+                  <a:lumOff val="10000"/>
+                </a:schemeClr>
+              </a:innerShdw>
+            </a:effectLst>
+          </p:spPr>
+          <p:style>
+            <a:lnRef idx="2">
+              <a:schemeClr val="accent1">
+                <a:shade val="50000"/>
+              </a:schemeClr>
+            </a:lnRef>
+            <a:fillRef idx="1">
+              <a:schemeClr val="accent1"/>
+            </a:fillRef>
+            <a:effectRef idx="0">
+              <a:schemeClr val="accent1"/>
+            </a:effectRef>
+            <a:fontRef idx="minor">
+              <a:schemeClr val="lt1"/>
+            </a:fontRef>
+          </p:style>
+          <p:txBody>
+            <a:bodyPr rot="0" spcFirstLastPara="0" vertOverflow="overflow" horzOverflow="overflow" vert="horz" wrap="square" lIns="91440" tIns="45720" rIns="91440" bIns="45720" numCol="1" spcCol="0" rtlCol="0" fromWordArt="0" anchor="ctr" anchorCtr="0" forceAA="0" compatLnSpc="1">
+              <a:prstTxWarp prst="textNoShape">
+                <a:avLst/>
+              </a:prstTxWarp>
+              <a:noAutofit/>
+            </a:bodyPr>
+            <a:lstStyle/>
+            <a:p>
+              <a:pPr algn="ctr"/>
+              <a:endParaRPr lang="en-US"/>
+            </a:p>
+          </p:txBody>
+        </p:sp>
+        <p:sp>
+          <p:nvSpPr>
+            <p:cNvPr id="50" name="Freeform 6">
+              <a:extLst>
+                <a:ext uri="{FF2B5EF4-FFF2-40B4-BE49-F238E27FC236}">
+                  <a16:creationId xmlns:a16="http://schemas.microsoft.com/office/drawing/2014/main" id="{4FD1AE2F-DD70-4E93-B905-E052A23F0B1C}"/>
+                </a:ext>
+              </a:extLst>
+            </p:cNvPr>
+            <p:cNvSpPr>
+              <a:spLocks/>
+            </p:cNvSpPr>
+            <p:nvPr/>
+          </p:nvSpPr>
+          <p:spPr bwMode="auto">
+            <a:xfrm rot="1800000">
+              <a:off x="5243759" y="1430747"/>
+              <a:ext cx="305942" cy="538275"/>
+            </a:xfrm>
+            <a:custGeom>
+              <a:avLst/>
+              <a:gdLst>
+                <a:gd name="T0" fmla="*/ 266 w 266"/>
+                <a:gd name="T1" fmla="*/ 468 h 468"/>
+                <a:gd name="T2" fmla="*/ 0 w 266"/>
+                <a:gd name="T3" fmla="*/ 310 h 468"/>
+                <a:gd name="T4" fmla="*/ 0 w 266"/>
+                <a:gd name="T5" fmla="*/ 310 h 468"/>
+                <a:gd name="T6" fmla="*/ 0 w 266"/>
+                <a:gd name="T7" fmla="*/ 0 h 468"/>
+                <a:gd name="T8" fmla="*/ 0 w 266"/>
+                <a:gd name="T9" fmla="*/ 0 h 468"/>
+                <a:gd name="T10" fmla="*/ 266 w 266"/>
+                <a:gd name="T11" fmla="*/ 159 h 468"/>
+                <a:gd name="T12" fmla="*/ 266 w 266"/>
+                <a:gd name="T13" fmla="*/ 468 h 468"/>
+              </a:gdLst>
+              <a:ahLst/>
+              <a:cxnLst>
+                <a:cxn ang="0">
+                  <a:pos x="T0" y="T1"/>
+                </a:cxn>
+                <a:cxn ang="0">
+                  <a:pos x="T2" y="T3"/>
+                </a:cxn>
+                <a:cxn ang="0">
+                  <a:pos x="T4" y="T5"/>
+                </a:cxn>
+                <a:cxn ang="0">
+                  <a:pos x="T6" y="T7"/>
+                </a:cxn>
+                <a:cxn ang="0">
+                  <a:pos x="T8" y="T9"/>
+                </a:cxn>
+                <a:cxn ang="0">
+                  <a:pos x="T10" y="T11"/>
+                </a:cxn>
+                <a:cxn ang="0">
+                  <a:pos x="T12" y="T13"/>
+                </a:cxn>
+              </a:cxnLst>
+              <a:rect l="0" t="0" r="r" b="b"/>
+              <a:pathLst>
+                <a:path w="266" h="468">
+                  <a:moveTo>
+                    <a:pt x="266" y="468"/>
+                  </a:moveTo>
+                  <a:lnTo>
+                    <a:pt x="0" y="310"/>
+                  </a:lnTo>
+                  <a:lnTo>
+                    <a:pt x="0" y="310"/>
+                  </a:lnTo>
+                  <a:lnTo>
+                    <a:pt x="0" y="0"/>
+                  </a:lnTo>
+                  <a:lnTo>
+                    <a:pt x="0" y="0"/>
+                  </a:lnTo>
+                  <a:lnTo>
+                    <a:pt x="266" y="159"/>
+                  </a:lnTo>
+                  <a:lnTo>
+                    <a:pt x="266" y="468"/>
+                  </a:lnTo>
+                  <a:close/>
+                </a:path>
+              </a:pathLst>
+            </a:custGeom>
+            <a:gradFill flip="none" rotWithShape="1">
+              <a:gsLst>
+                <a:gs pos="20000">
+                  <a:schemeClr val="bg2">
+                    <a:lumMod val="90000"/>
+                    <a:lumOff val="10000"/>
+                    <a:alpha val="20000"/>
+                  </a:schemeClr>
+                </a:gs>
+                <a:gs pos="100000">
+                  <a:schemeClr val="accent1">
+                    <a:lumMod val="60000"/>
+                    <a:lumOff val="40000"/>
+                    <a:alpha val="20000"/>
+                  </a:schemeClr>
+                </a:gs>
+              </a:gsLst>
+              <a:lin ang="19800000" scaled="0"/>
+              <a:tileRect/>
+            </a:gradFill>
+            <a:ln>
+              <a:noFill/>
+            </a:ln>
+            <a:effectLst>
+              <a:innerShdw blurRad="254000">
+                <a:schemeClr val="bg2">
+                  <a:lumMod val="90000"/>
+                  <a:lumOff val="10000"/>
+                </a:schemeClr>
+              </a:innerShdw>
+            </a:effectLst>
+          </p:spPr>
+          <p:style>
+            <a:lnRef idx="2">
+              <a:schemeClr val="accent1">
+                <a:shade val="50000"/>
+              </a:schemeClr>
+            </a:lnRef>
+            <a:fillRef idx="1">
+              <a:schemeClr val="accent1"/>
+            </a:fillRef>
+            <a:effectRef idx="0">
+              <a:schemeClr val="accent1"/>
+            </a:effectRef>
+            <a:fontRef idx="minor">
+              <a:schemeClr val="lt1"/>
+            </a:fontRef>
+          </p:style>
+          <p:txBody>
+            <a:bodyPr rot="0" spcFirstLastPara="0" vertOverflow="overflow" horzOverflow="overflow" vert="horz" wrap="square" lIns="91440" tIns="45720" rIns="91440" bIns="45720" numCol="1" spcCol="0" rtlCol="0" fromWordArt="0" anchor="ctr" anchorCtr="0" forceAA="0" compatLnSpc="1">
+              <a:prstTxWarp prst="textNoShape">
+                <a:avLst/>
+              </a:prstTxWarp>
+              <a:noAutofit/>
+            </a:bodyPr>
+            <a:lstStyle/>
+            <a:p>
+              <a:pPr algn="ctr"/>
+              <a:endParaRPr lang="en-US"/>
+            </a:p>
+          </p:txBody>
+        </p:sp>
+        <p:sp>
+          <p:nvSpPr>
+            <p:cNvPr id="51" name="Freeform 8">
+              <a:extLst>
+                <a:ext uri="{FF2B5EF4-FFF2-40B4-BE49-F238E27FC236}">
+                  <a16:creationId xmlns:a16="http://schemas.microsoft.com/office/drawing/2014/main" id="{E8D529E5-8838-47F0-98A4-2D46F11E499C}"/>
+                </a:ext>
+              </a:extLst>
+            </p:cNvPr>
+            <p:cNvSpPr>
+              <a:spLocks/>
+            </p:cNvSpPr>
+            <p:nvPr/>
+          </p:nvSpPr>
+          <p:spPr bwMode="auto">
+            <a:xfrm rot="1800000">
+              <a:off x="5508097" y="1586019"/>
+              <a:ext cx="315144" cy="538275"/>
+            </a:xfrm>
+            <a:custGeom>
+              <a:avLst/>
+              <a:gdLst>
+                <a:gd name="T0" fmla="*/ 274 w 274"/>
+                <a:gd name="T1" fmla="*/ 0 h 468"/>
+                <a:gd name="T2" fmla="*/ 274 w 274"/>
+                <a:gd name="T3" fmla="*/ 310 h 468"/>
+                <a:gd name="T4" fmla="*/ 274 w 274"/>
+                <a:gd name="T5" fmla="*/ 310 h 468"/>
+                <a:gd name="T6" fmla="*/ 0 w 274"/>
+                <a:gd name="T7" fmla="*/ 468 h 468"/>
+                <a:gd name="T8" fmla="*/ 0 w 274"/>
+                <a:gd name="T9" fmla="*/ 159 h 468"/>
+                <a:gd name="T10" fmla="*/ 274 w 274"/>
+                <a:gd name="T11" fmla="*/ 0 h 468"/>
+                <a:gd name="T12" fmla="*/ 274 w 274"/>
+                <a:gd name="T13" fmla="*/ 0 h 468"/>
+              </a:gdLst>
+              <a:ahLst/>
+              <a:cxnLst>
+                <a:cxn ang="0">
+                  <a:pos x="T0" y="T1"/>
+                </a:cxn>
+                <a:cxn ang="0">
+                  <a:pos x="T2" y="T3"/>
+                </a:cxn>
+                <a:cxn ang="0">
+                  <a:pos x="T4" y="T5"/>
+                </a:cxn>
+                <a:cxn ang="0">
+                  <a:pos x="T6" y="T7"/>
+                </a:cxn>
+                <a:cxn ang="0">
+                  <a:pos x="T8" y="T9"/>
+                </a:cxn>
+                <a:cxn ang="0">
+                  <a:pos x="T10" y="T11"/>
+                </a:cxn>
+                <a:cxn ang="0">
+                  <a:pos x="T12" y="T13"/>
+                </a:cxn>
+              </a:cxnLst>
+              <a:rect l="0" t="0" r="r" b="b"/>
+              <a:pathLst>
+                <a:path w="274" h="468">
+                  <a:moveTo>
+                    <a:pt x="274" y="0"/>
+                  </a:moveTo>
+                  <a:lnTo>
+                    <a:pt x="274" y="310"/>
+                  </a:lnTo>
+                  <a:lnTo>
+                    <a:pt x="274" y="310"/>
+                  </a:lnTo>
+                  <a:lnTo>
+                    <a:pt x="0" y="468"/>
+                  </a:lnTo>
+                  <a:lnTo>
+                    <a:pt x="0" y="159"/>
+                  </a:lnTo>
+                  <a:lnTo>
+                    <a:pt x="274" y="0"/>
+                  </a:lnTo>
+                  <a:lnTo>
+                    <a:pt x="274" y="0"/>
+                  </a:lnTo>
+                  <a:close/>
+                </a:path>
+              </a:pathLst>
+            </a:custGeom>
+            <a:gradFill flip="none" rotWithShape="1">
+              <a:gsLst>
+                <a:gs pos="20000">
+                  <a:schemeClr val="bg2">
+                    <a:lumMod val="90000"/>
+                    <a:lumOff val="10000"/>
+                    <a:alpha val="20000"/>
+                  </a:schemeClr>
+                </a:gs>
+                <a:gs pos="100000">
+                  <a:schemeClr val="accent1">
+                    <a:lumMod val="60000"/>
+                    <a:lumOff val="40000"/>
+                    <a:alpha val="20000"/>
+                  </a:schemeClr>
+                </a:gs>
+              </a:gsLst>
+              <a:lin ang="18000000" scaled="0"/>
+              <a:tileRect/>
+            </a:gradFill>
+            <a:ln>
+              <a:noFill/>
+            </a:ln>
+            <a:effectLst>
+              <a:innerShdw blurRad="254000">
+                <a:schemeClr val="accent1">
+                  <a:lumMod val="60000"/>
+                  <a:lumOff val="40000"/>
+                  <a:alpha val="60000"/>
+                </a:schemeClr>
+              </a:innerShdw>
+            </a:effectLst>
+          </p:spPr>
+          <p:style>
+            <a:lnRef idx="2">
+              <a:schemeClr val="accent1">
+                <a:shade val="50000"/>
+              </a:schemeClr>
+            </a:lnRef>
+            <a:fillRef idx="1">
+              <a:schemeClr val="accent1"/>
+            </a:fillRef>
+            <a:effectRef idx="0">
+              <a:schemeClr val="accent1"/>
+            </a:effectRef>
+            <a:fontRef idx="minor">
+              <a:schemeClr val="lt1"/>
+            </a:fontRef>
+          </p:style>
+          <p:txBody>
+            <a:bodyPr rot="0" spcFirstLastPara="0" vertOverflow="overflow" horzOverflow="overflow" vert="horz" wrap="square" lIns="91440" tIns="45720" rIns="91440" bIns="45720" numCol="1" spcCol="0" rtlCol="0" fromWordArt="0" anchor="ctr" anchorCtr="0" forceAA="0" compatLnSpc="1">
+              <a:prstTxWarp prst="textNoShape">
+                <a:avLst/>
+              </a:prstTxWarp>
+              <a:noAutofit/>
+            </a:bodyPr>
+            <a:lstStyle/>
+            <a:p>
+              <a:pPr algn="ctr"/>
+              <a:endParaRPr lang="en-US"/>
+            </a:p>
+          </p:txBody>
+        </p:sp>
+      </p:grpSp>
       <p:sp>
         <p:nvSpPr>
-          <p:cNvPr id="2" name="제목 1">
-            <a:extLst>
-              <a:ext uri="{FF2B5EF4-FFF2-40B4-BE49-F238E27FC236}">
-                <a16:creationId xmlns:a16="http://schemas.microsoft.com/office/drawing/2014/main" id="{94FFC429-ACE2-518E-5235-E83B235FDDE5}"/>
+          <p:cNvPr id="2" name="Title 1">
+            <a:extLst>
+              <a:ext uri="{FF2B5EF4-FFF2-40B4-BE49-F238E27FC236}">
+                <a16:creationId xmlns:a16="http://schemas.microsoft.com/office/drawing/2014/main" id="{45DA2564-D3DB-48AD-83F0-6CC6B5743960}"/>
               </a:ext>
             </a:extLst>
           </p:cNvPr>
@@ -966,31 +2760,125 @@
         </p:nvSpPr>
         <p:spPr>
           <a:xfrm>
-            <a:off x="831850" y="1709738"/>
-            <a:ext cx="10515600" cy="2852737"/>
+            <a:off x="563563" y="474345"/>
+            <a:ext cx="11077574" cy="2954655"/>
           </a:xfrm>
         </p:spPr>
         <p:txBody>
-          <a:bodyPr anchor="b"/>
+          <a:bodyPr vert="horz" wrap="square" lIns="0" tIns="0" rIns="0" bIns="0" rtlCol="0" anchor="b" anchorCtr="0">
+            <a:normAutofit/>
+          </a:bodyPr>
           <a:lstStyle>
             <a:lvl1pPr>
-              <a:defRPr sz="6000"/>
+              <a:defRPr lang="en-US" sz="6400" dirty="0"/>
             </a:lvl1pPr>
           </a:lstStyle>
           <a:p>
+            <a:pPr lvl="0">
+              <a:lnSpc>
+                <a:spcPct val="100000"/>
+              </a:lnSpc>
+            </a:pPr>
             <a:r>
-              <a:rPr lang="ko-KR" altLang="en-US"/>
-              <a:t>마스터 제목 스타일 편집</a:t>
+              <a:rPr lang="en-US"/>
+              <a:t>Click to edit Master title style</a:t>
             </a:r>
+            <a:endParaRPr lang="en-US" dirty="0"/>
           </a:p>
         </p:txBody>
       </p:sp>
       <p:sp>
         <p:nvSpPr>
-          <p:cNvPr id="3" name="텍스트 개체 틀 2">
-            <a:extLst>
-              <a:ext uri="{FF2B5EF4-FFF2-40B4-BE49-F238E27FC236}">
-                <a16:creationId xmlns:a16="http://schemas.microsoft.com/office/drawing/2014/main" id="{E680E813-4555-F37E-4AFC-48A8CF46C5F2}"/>
+          <p:cNvPr id="4" name="Date Placeholder 3">
+            <a:extLst>
+              <a:ext uri="{FF2B5EF4-FFF2-40B4-BE49-F238E27FC236}">
+                <a16:creationId xmlns:a16="http://schemas.microsoft.com/office/drawing/2014/main" id="{56403DDF-462A-45CE-931B-010AB4F73C3F}"/>
+              </a:ext>
+            </a:extLst>
+          </p:cNvPr>
+          <p:cNvSpPr>
+            <a:spLocks noGrp="1"/>
+          </p:cNvSpPr>
+          <p:nvPr>
+            <p:ph type="dt" sz="half" idx="10"/>
+          </p:nvPr>
+        </p:nvSpPr>
+        <p:spPr/>
+        <p:txBody>
+          <a:bodyPr/>
+          <a:lstStyle/>
+          <a:p>
+            <a:fld id="{FE809929-0719-4517-94D6-FDF7F99E70F6}" type="datetime2">
+              <a:rPr lang="en-US" smtClean="0"/>
+              <a:t>Thursday, June 22, 2023</a:t>
+            </a:fld>
+            <a:endParaRPr lang="en-US"/>
+          </a:p>
+        </p:txBody>
+      </p:sp>
+      <p:sp>
+        <p:nvSpPr>
+          <p:cNvPr id="5" name="Footer Placeholder 4">
+            <a:extLst>
+              <a:ext uri="{FF2B5EF4-FFF2-40B4-BE49-F238E27FC236}">
+                <a16:creationId xmlns:a16="http://schemas.microsoft.com/office/drawing/2014/main" id="{39E10702-2ACF-4768-9E91-8CB87B89594D}"/>
+              </a:ext>
+            </a:extLst>
+          </p:cNvPr>
+          <p:cNvSpPr>
+            <a:spLocks noGrp="1"/>
+          </p:cNvSpPr>
+          <p:nvPr>
+            <p:ph type="ftr" sz="quarter" idx="11"/>
+          </p:nvPr>
+        </p:nvSpPr>
+        <p:spPr/>
+        <p:txBody>
+          <a:bodyPr/>
+          <a:lstStyle/>
+          <a:p>
+            <a:r>
+              <a:rPr lang="en-US"/>
+              <a:t>Sample Footer</a:t>
+            </a:r>
+          </a:p>
+        </p:txBody>
+      </p:sp>
+      <p:sp>
+        <p:nvSpPr>
+          <p:cNvPr id="6" name="Slide Number Placeholder 5">
+            <a:extLst>
+              <a:ext uri="{FF2B5EF4-FFF2-40B4-BE49-F238E27FC236}">
+                <a16:creationId xmlns:a16="http://schemas.microsoft.com/office/drawing/2014/main" id="{E8DFA722-391E-4FCF-8E15-0D7E2EC02B63}"/>
+              </a:ext>
+            </a:extLst>
+          </p:cNvPr>
+          <p:cNvSpPr>
+            <a:spLocks noGrp="1"/>
+          </p:cNvSpPr>
+          <p:nvPr>
+            <p:ph type="sldNum" sz="quarter" idx="12"/>
+          </p:nvPr>
+        </p:nvSpPr>
+        <p:spPr/>
+        <p:txBody>
+          <a:bodyPr/>
+          <a:lstStyle/>
+          <a:p>
+            <a:fld id="{DBA1B0FB-D917-4C8C-928F-313BD683BF39}" type="slidenum">
+              <a:rPr lang="en-US" smtClean="0"/>
+              <a:t>‹#›</a:t>
+            </a:fld>
+            <a:endParaRPr lang="en-US"/>
+          </a:p>
+        </p:txBody>
+      </p:sp>
+      <p:sp>
+        <p:nvSpPr>
+          <p:cNvPr id="3" name="Text Placeholder 2">
+            <a:extLst>
+              <a:ext uri="{FF2B5EF4-FFF2-40B4-BE49-F238E27FC236}">
+                <a16:creationId xmlns:a16="http://schemas.microsoft.com/office/drawing/2014/main" id="{76EEA752-36DA-440B-8747-0EB2914080EE}"/>
               </a:ext>
             </a:extLst>
           </p:cNvPr>
@@ -1003,19 +2891,27 @@
         </p:nvSpPr>
         <p:spPr>
           <a:xfrm>
-            <a:off x="831850" y="4589463"/>
-            <a:ext cx="10515600" cy="1500187"/>
+            <a:off x="566271" y="3629772"/>
+            <a:ext cx="11074866" cy="2678953"/>
           </a:xfrm>
         </p:spPr>
         <p:txBody>
-          <a:bodyPr/>
+          <a:bodyPr>
+            <a:normAutofit/>
+          </a:bodyPr>
           <a:lstStyle>
             <a:lvl1pPr marL="0" indent="0">
+              <a:lnSpc>
+                <a:spcPct val="110000"/>
+              </a:lnSpc>
+              <a:spcBef>
+                <a:spcPts val="0"/>
+              </a:spcBef>
               <a:buNone/>
               <a:defRPr sz="2400">
                 <a:solidFill>
                   <a:schemeClr val="tx1">
-                    <a:tint val="75000"/>
+                    <a:alpha val="80000"/>
                   </a:schemeClr>
                 </a:solidFill>
               </a:defRPr>
@@ -1104,99 +3000,312 @@
           <a:p>
             <a:pPr lvl="0"/>
             <a:r>
-              <a:rPr lang="ko-KR" altLang="en-US"/>
-              <a:t>마스터 텍스트 스타일을 편집하려면 클릭</a:t>
+              <a:rPr lang="en-US"/>
+              <a:t>Click to edit Master text styles</a:t>
             </a:r>
           </a:p>
         </p:txBody>
       </p:sp>
       <p:sp>
         <p:nvSpPr>
-          <p:cNvPr id="4" name="날짜 개체 틀 3">
-            <a:extLst>
-              <a:ext uri="{FF2B5EF4-FFF2-40B4-BE49-F238E27FC236}">
-                <a16:creationId xmlns:a16="http://schemas.microsoft.com/office/drawing/2014/main" id="{E1998F3A-B967-AE78-9533-1332C8BE8DA0}"/>
+          <p:cNvPr id="41" name="Freeform: Shape 40">
+            <a:extLst>
+              <a:ext uri="{FF2B5EF4-FFF2-40B4-BE49-F238E27FC236}">
+                <a16:creationId xmlns:a16="http://schemas.microsoft.com/office/drawing/2014/main" id="{0BCC02B0-8581-4752-B7BC-3CE1EF17B9F7}"/>
               </a:ext>
             </a:extLst>
           </p:cNvPr>
           <p:cNvSpPr>
-            <a:spLocks noGrp="1"/>
+            <a:spLocks noChangeAspect="1"/>
           </p:cNvSpPr>
-          <p:nvPr>
-            <p:ph type="dt" sz="half" idx="10"/>
-          </p:nvPr>
+          <p:nvPr/>
         </p:nvSpPr>
-        <p:spPr/>
+        <p:spPr>
+          <a:xfrm rot="18900000">
+            <a:off x="11209132" y="4448189"/>
+            <a:ext cx="999200" cy="1262947"/>
+          </a:xfrm>
+          <a:custGeom>
+            <a:avLst/>
+            <a:gdLst>
+              <a:gd name="connsiteX0" fmla="*/ 540000 w 999200"/>
+              <a:gd name="connsiteY0" fmla="*/ 0 h 1262947"/>
+              <a:gd name="connsiteX1" fmla="*/ 999200 w 999200"/>
+              <a:gd name="connsiteY1" fmla="*/ 815317 h 1262947"/>
+              <a:gd name="connsiteX2" fmla="*/ 552185 w 999200"/>
+              <a:gd name="connsiteY2" fmla="*/ 1262333 h 1262947"/>
+              <a:gd name="connsiteX3" fmla="*/ 540000 w 999200"/>
+              <a:gd name="connsiteY3" fmla="*/ 1262947 h 1262947"/>
+              <a:gd name="connsiteX4" fmla="*/ 0 w 999200"/>
+              <a:gd name="connsiteY4" fmla="*/ 992947 h 1262947"/>
+              <a:gd name="connsiteX5" fmla="*/ 10971 w 999200"/>
+              <a:gd name="connsiteY5" fmla="*/ 938533 h 1262947"/>
+              <a:gd name="connsiteX6" fmla="*/ 15626 w 999200"/>
+              <a:gd name="connsiteY6" fmla="*/ 931034 h 1262947"/>
+            </a:gdLst>
+            <a:ahLst/>
+            <a:cxnLst>
+              <a:cxn ang="0">
+                <a:pos x="connsiteX0" y="connsiteY0"/>
+              </a:cxn>
+              <a:cxn ang="0">
+                <a:pos x="connsiteX1" y="connsiteY1"/>
+              </a:cxn>
+              <a:cxn ang="0">
+                <a:pos x="connsiteX2" y="connsiteY2"/>
+              </a:cxn>
+              <a:cxn ang="0">
+                <a:pos x="connsiteX3" y="connsiteY3"/>
+              </a:cxn>
+              <a:cxn ang="0">
+                <a:pos x="connsiteX4" y="connsiteY4"/>
+              </a:cxn>
+              <a:cxn ang="0">
+                <a:pos x="connsiteX5" y="connsiteY5"/>
+              </a:cxn>
+              <a:cxn ang="0">
+                <a:pos x="connsiteX6" y="connsiteY6"/>
+              </a:cxn>
+            </a:cxnLst>
+            <a:rect l="l" t="t" r="r" b="b"/>
+            <a:pathLst>
+              <a:path w="999200" h="1262947">
+                <a:moveTo>
+                  <a:pt x="540000" y="0"/>
+                </a:moveTo>
+                <a:lnTo>
+                  <a:pt x="999200" y="815317"/>
+                </a:lnTo>
+                <a:lnTo>
+                  <a:pt x="552185" y="1262333"/>
+                </a:lnTo>
+                <a:lnTo>
+                  <a:pt x="540000" y="1262947"/>
+                </a:lnTo>
+                <a:cubicBezTo>
+                  <a:pt x="241766" y="1262947"/>
+                  <a:pt x="0" y="1142064"/>
+                  <a:pt x="0" y="992947"/>
+                </a:cubicBezTo>
+                <a:cubicBezTo>
+                  <a:pt x="0" y="974307"/>
+                  <a:pt x="3778" y="956109"/>
+                  <a:pt x="10971" y="938533"/>
+                </a:cubicBezTo>
+                <a:lnTo>
+                  <a:pt x="15626" y="931034"/>
+                </a:lnTo>
+                <a:close/>
+              </a:path>
+            </a:pathLst>
+          </a:custGeom>
+          <a:gradFill>
+            <a:gsLst>
+              <a:gs pos="60000">
+                <a:schemeClr val="bg2">
+                  <a:lumMod val="90000"/>
+                  <a:lumOff val="10000"/>
+                </a:schemeClr>
+              </a:gs>
+              <a:gs pos="30000">
+                <a:schemeClr val="bg2">
+                  <a:lumMod val="90000"/>
+                  <a:lumOff val="10000"/>
+                </a:schemeClr>
+              </a:gs>
+              <a:gs pos="40000">
+                <a:schemeClr val="bg2">
+                  <a:lumMod val="75000"/>
+                  <a:lumOff val="25000"/>
+                </a:schemeClr>
+              </a:gs>
+              <a:gs pos="100000">
+                <a:schemeClr val="bg2"/>
+              </a:gs>
+            </a:gsLst>
+            <a:lin ang="10200000" scaled="0"/>
+          </a:gradFill>
+          <a:ln>
+            <a:noFill/>
+          </a:ln>
+          <a:effectLst>
+            <a:innerShdw blurRad="254000" dist="101600" dir="4200000">
+              <a:schemeClr val="accent1">
+                <a:lumMod val="60000"/>
+                <a:lumOff val="40000"/>
+                <a:alpha val="40000"/>
+              </a:schemeClr>
+            </a:innerShdw>
+          </a:effectLst>
+        </p:spPr>
+        <p:style>
+          <a:lnRef idx="2">
+            <a:schemeClr val="accent1">
+              <a:shade val="50000"/>
+            </a:schemeClr>
+          </a:lnRef>
+          <a:fillRef idx="1">
+            <a:schemeClr val="accent1"/>
+          </a:fillRef>
+          <a:effectRef idx="0">
+            <a:schemeClr val="accent1"/>
+          </a:effectRef>
+          <a:fontRef idx="minor">
+            <a:schemeClr val="lt1"/>
+          </a:fontRef>
+        </p:style>
         <p:txBody>
-          <a:bodyPr/>
+          <a:bodyPr rot="0" spcFirstLastPara="0" vertOverflow="overflow" horzOverflow="overflow" vert="horz" wrap="square" lIns="91440" tIns="45720" rIns="91440" bIns="45720" numCol="1" spcCol="0" rtlCol="0" fromWordArt="0" anchor="ctr" anchorCtr="0" forceAA="0" compatLnSpc="1">
+            <a:prstTxWarp prst="textNoShape">
+              <a:avLst/>
+            </a:prstTxWarp>
+            <a:noAutofit/>
+          </a:bodyPr>
           <a:lstStyle/>
           <a:p>
-            <a:fld id="{13F532C3-E321-48AC-B9B2-1BFF984D6D7A}" type="datetimeFigureOut">
-              <a:rPr lang="ko-KR" altLang="en-US" smtClean="0"/>
-              <a:t>2023-06-21</a:t>
-            </a:fld>
-            <a:endParaRPr lang="ko-KR" altLang="en-US"/>
+            <a:pPr algn="ctr"/>
+            <a:endParaRPr lang="en-US"/>
           </a:p>
         </p:txBody>
       </p:sp>
       <p:sp>
         <p:nvSpPr>
-          <p:cNvPr id="5" name="바닥글 개체 틀 4">
-            <a:extLst>
-              <a:ext uri="{FF2B5EF4-FFF2-40B4-BE49-F238E27FC236}">
-                <a16:creationId xmlns:a16="http://schemas.microsoft.com/office/drawing/2014/main" id="{9FC6653B-5193-1C45-1FD3-564B71BBD368}"/>
-              </a:ext>
-            </a:extLst>
-          </p:cNvPr>
-          <p:cNvSpPr>
-            <a:spLocks noGrp="1"/>
-          </p:cNvSpPr>
-          <p:nvPr>
-            <p:ph type="ftr" sz="quarter" idx="11"/>
-          </p:nvPr>
+          <p:cNvPr id="43" name="Freeform: Shape 42">
+            <a:extLst>
+              <a:ext uri="{FF2B5EF4-FFF2-40B4-BE49-F238E27FC236}">
+                <a16:creationId xmlns:a16="http://schemas.microsoft.com/office/drawing/2014/main" id="{EA0FF4DB-8180-4D26-AEAE-7ECDB670F71D}"/>
+              </a:ext>
+            </a:extLst>
+          </p:cNvPr>
+          <p:cNvSpPr/>
+          <p:nvPr/>
         </p:nvSpPr>
-        <p:spPr/>
+        <p:spPr>
+          <a:xfrm rot="2700000">
+            <a:off x="11686937" y="4853516"/>
+            <a:ext cx="540000" cy="978284"/>
+          </a:xfrm>
+          <a:custGeom>
+            <a:avLst/>
+            <a:gdLst>
+              <a:gd name="connsiteX0" fmla="*/ 113288 w 540000"/>
+              <a:gd name="connsiteY0" fmla="*/ 0 h 978284"/>
+              <a:gd name="connsiteX1" fmla="*/ 539386 w 540000"/>
+              <a:gd name="connsiteY1" fmla="*/ 426099 h 978284"/>
+              <a:gd name="connsiteX2" fmla="*/ 540000 w 540000"/>
+              <a:gd name="connsiteY2" fmla="*/ 438284 h 978284"/>
+              <a:gd name="connsiteX3" fmla="*/ 270000 w 540000"/>
+              <a:gd name="connsiteY3" fmla="*/ 978284 h 978284"/>
+              <a:gd name="connsiteX4" fmla="*/ 0 w 540000"/>
+              <a:gd name="connsiteY4" fmla="*/ 438284 h 978284"/>
+              <a:gd name="connsiteX5" fmla="*/ 79081 w 540000"/>
+              <a:gd name="connsiteY5" fmla="*/ 56446 h 978284"/>
+            </a:gdLst>
+            <a:ahLst/>
+            <a:cxnLst>
+              <a:cxn ang="0">
+                <a:pos x="connsiteX0" y="connsiteY0"/>
+              </a:cxn>
+              <a:cxn ang="0">
+                <a:pos x="connsiteX1" y="connsiteY1"/>
+              </a:cxn>
+              <a:cxn ang="0">
+                <a:pos x="connsiteX2" y="connsiteY2"/>
+              </a:cxn>
+              <a:cxn ang="0">
+                <a:pos x="connsiteX3" y="connsiteY3"/>
+              </a:cxn>
+              <a:cxn ang="0">
+                <a:pos x="connsiteX4" y="connsiteY4"/>
+              </a:cxn>
+              <a:cxn ang="0">
+                <a:pos x="connsiteX5" y="connsiteY5"/>
+              </a:cxn>
+            </a:cxnLst>
+            <a:rect l="l" t="t" r="r" b="b"/>
+            <a:pathLst>
+              <a:path w="540000" h="978284">
+                <a:moveTo>
+                  <a:pt x="113288" y="0"/>
+                </a:moveTo>
+                <a:lnTo>
+                  <a:pt x="539386" y="426099"/>
+                </a:lnTo>
+                <a:lnTo>
+                  <a:pt x="540000" y="438284"/>
+                </a:lnTo>
+                <a:cubicBezTo>
+                  <a:pt x="540000" y="736518"/>
+                  <a:pt x="419117" y="978284"/>
+                  <a:pt x="270000" y="978284"/>
+                </a:cubicBezTo>
+                <a:cubicBezTo>
+                  <a:pt x="120883" y="978284"/>
+                  <a:pt x="0" y="736518"/>
+                  <a:pt x="0" y="438284"/>
+                </a:cubicBezTo>
+                <a:cubicBezTo>
+                  <a:pt x="0" y="289167"/>
+                  <a:pt x="30220" y="154167"/>
+                  <a:pt x="79081" y="56446"/>
+                </a:cubicBezTo>
+                <a:close/>
+              </a:path>
+            </a:pathLst>
+          </a:custGeom>
+          <a:solidFill>
+            <a:schemeClr val="bg2">
+              <a:lumMod val="90000"/>
+              <a:lumOff val="10000"/>
+            </a:schemeClr>
+          </a:solidFill>
+          <a:ln>
+            <a:noFill/>
+          </a:ln>
+          <a:effectLst>
+            <a:innerShdw blurRad="1270000" dist="2540000">
+              <a:schemeClr val="accent1">
+                <a:lumMod val="60000"/>
+                <a:lumOff val="40000"/>
+                <a:alpha val="0"/>
+              </a:schemeClr>
+            </a:innerShdw>
+          </a:effectLst>
+        </p:spPr>
+        <p:style>
+          <a:lnRef idx="2">
+            <a:schemeClr val="accent1">
+              <a:shade val="50000"/>
+            </a:schemeClr>
+          </a:lnRef>
+          <a:fillRef idx="1">
+            <a:schemeClr val="accent1"/>
+          </a:fillRef>
+          <a:effectRef idx="0">
+            <a:schemeClr val="accent1"/>
+          </a:effectRef>
+          <a:fontRef idx="minor">
+            <a:schemeClr val="lt1"/>
+          </a:fontRef>
+        </p:style>
         <p:txBody>
-          <a:bodyPr/>
+          <a:bodyPr rot="0" spcFirstLastPara="0" vertOverflow="overflow" horzOverflow="overflow" vert="horz" wrap="square" lIns="91440" tIns="45720" rIns="91440" bIns="45720" numCol="1" spcCol="0" rtlCol="0" fromWordArt="0" anchor="ctr" anchorCtr="0" forceAA="0" compatLnSpc="1">
+            <a:prstTxWarp prst="textNoShape">
+              <a:avLst/>
+            </a:prstTxWarp>
+            <a:noAutofit/>
+          </a:bodyPr>
           <a:lstStyle/>
           <a:p>
-            <a:endParaRPr lang="ko-KR" altLang="en-US"/>
-          </a:p>
-        </p:txBody>
-      </p:sp>
-      <p:sp>
-        <p:nvSpPr>
-          <p:cNvPr id="6" name="슬라이드 번호 개체 틀 5">
-            <a:extLst>
-              <a:ext uri="{FF2B5EF4-FFF2-40B4-BE49-F238E27FC236}">
-                <a16:creationId xmlns:a16="http://schemas.microsoft.com/office/drawing/2014/main" id="{1A6CB272-50DA-0F09-1F5C-2F52311FBDF7}"/>
-              </a:ext>
-            </a:extLst>
-          </p:cNvPr>
-          <p:cNvSpPr>
-            <a:spLocks noGrp="1"/>
-          </p:cNvSpPr>
-          <p:nvPr>
-            <p:ph type="sldNum" sz="quarter" idx="12"/>
-          </p:nvPr>
-        </p:nvSpPr>
-        <p:spPr/>
-        <p:txBody>
-          <a:bodyPr/>
-          <a:lstStyle/>
-          <a:p>
-            <a:fld id="{7B81F63B-0CCB-4C66-B328-A984CFCA8555}" type="slidenum">
-              <a:rPr lang="ko-KR" altLang="en-US" smtClean="0"/>
-              <a:t>‹#›</a:t>
-            </a:fld>
-            <a:endParaRPr lang="ko-KR" altLang="en-US"/>
+            <a:pPr algn="ctr"/>
+            <a:endParaRPr lang="en-US"/>
           </a:p>
         </p:txBody>
       </p:sp>
     </p:spTree>
     <p:extLst>
       <p:ext uri="{BB962C8B-B14F-4D97-AF65-F5344CB8AC3E}">
-        <p14:creationId xmlns:p14="http://schemas.microsoft.com/office/powerpoint/2010/main" val="476988561"/>
+        <p14:creationId xmlns:p14="http://schemas.microsoft.com/office/powerpoint/2010/main" val="1980250133"/>
       </p:ext>
     </p:extLst>
   </p:cSld>
@@ -1208,7 +3317,7 @@
 
 <file path=ppt/slideLayouts/slideLayout4.xml><?xml version="1.0" encoding="utf-8"?>
 <p:sldLayout xmlns:a="http://schemas.openxmlformats.org/drawingml/2006/main" xmlns:r="http://schemas.openxmlformats.org/officeDocument/2006/relationships" xmlns:p="http://schemas.openxmlformats.org/presentationml/2006/main" type="twoObj" preserve="1">
-  <p:cSld name="콘텐츠 2개">
+  <p:cSld name="Two Content">
     <p:spTree>
       <p:nvGrpSpPr>
         <p:cNvPr id="1" name=""/>
@@ -1225,10 +3334,416 @@
       </p:grpSpPr>
       <p:sp>
         <p:nvSpPr>
-          <p:cNvPr id="2" name="제목 1">
-            <a:extLst>
-              <a:ext uri="{FF2B5EF4-FFF2-40B4-BE49-F238E27FC236}">
-                <a16:creationId xmlns:a16="http://schemas.microsoft.com/office/drawing/2014/main" id="{0D300212-994B-5FFD-9C50-87211EFC99E6}"/>
+          <p:cNvPr id="22" name="Oval 21">
+            <a:extLst>
+              <a:ext uri="{FF2B5EF4-FFF2-40B4-BE49-F238E27FC236}">
+                <a16:creationId xmlns:a16="http://schemas.microsoft.com/office/drawing/2014/main" id="{94729CA3-91C4-4A89-9448-A2F0E409177A}"/>
+              </a:ext>
+            </a:extLst>
+          </p:cNvPr>
+          <p:cNvSpPr>
+            <a:spLocks noChangeAspect="1"/>
+          </p:cNvSpPr>
+          <p:nvPr/>
+        </p:nvSpPr>
+        <p:spPr>
+          <a:xfrm>
+            <a:off x="11069864" y="333375"/>
+            <a:ext cx="360000" cy="360000"/>
+          </a:xfrm>
+          <a:prstGeom prst="ellipse">
+            <a:avLst/>
+          </a:prstGeom>
+          <a:gradFill flip="none" rotWithShape="1">
+            <a:gsLst>
+              <a:gs pos="100000">
+                <a:schemeClr val="bg2">
+                  <a:lumMod val="50000"/>
+                  <a:lumOff val="50000"/>
+                </a:schemeClr>
+              </a:gs>
+              <a:gs pos="60000">
+                <a:schemeClr val="bg2"/>
+              </a:gs>
+            </a:gsLst>
+            <a:path path="circle">
+              <a:fillToRect l="100000" b="100000"/>
+            </a:path>
+            <a:tileRect t="-100000" r="-100000"/>
+          </a:gradFill>
+          <a:ln>
+            <a:noFill/>
+          </a:ln>
+          <a:effectLst>
+            <a:innerShdw blurRad="127000" dist="63500" dir="2700000">
+              <a:schemeClr val="accent1">
+                <a:lumMod val="60000"/>
+                <a:lumOff val="40000"/>
+                <a:alpha val="20000"/>
+              </a:schemeClr>
+            </a:innerShdw>
+            <a:softEdge rad="0"/>
+          </a:effectLst>
+        </p:spPr>
+        <p:style>
+          <a:lnRef idx="2">
+            <a:schemeClr val="accent1">
+              <a:shade val="50000"/>
+            </a:schemeClr>
+          </a:lnRef>
+          <a:fillRef idx="1">
+            <a:schemeClr val="accent1"/>
+          </a:fillRef>
+          <a:effectRef idx="0">
+            <a:schemeClr val="accent1"/>
+          </a:effectRef>
+          <a:fontRef idx="minor">
+            <a:schemeClr val="lt1"/>
+          </a:fontRef>
+        </p:style>
+        <p:txBody>
+          <a:bodyPr rot="0" spcFirstLastPara="0" vertOverflow="overflow" horzOverflow="overflow" vert="horz" wrap="square" lIns="91440" tIns="45720" rIns="91440" bIns="45720" numCol="1" spcCol="0" rtlCol="0" fromWordArt="0" anchor="ctr" anchorCtr="0" forceAA="0" compatLnSpc="1">
+            <a:prstTxWarp prst="textNoShape">
+              <a:avLst/>
+            </a:prstTxWarp>
+            <a:noAutofit/>
+          </a:bodyPr>
+          <a:lstStyle/>
+          <a:p>
+            <a:pPr algn="ctr"/>
+            <a:endParaRPr lang="en-US"/>
+          </a:p>
+        </p:txBody>
+      </p:sp>
+      <p:grpSp>
+        <p:nvGrpSpPr>
+          <p:cNvPr id="13" name="Group 12">
+            <a:extLst>
+              <a:ext uri="{FF2B5EF4-FFF2-40B4-BE49-F238E27FC236}">
+                <a16:creationId xmlns:a16="http://schemas.microsoft.com/office/drawing/2014/main" id="{168347B7-45FA-4A01-924D-DC385B720B3E}"/>
+              </a:ext>
+            </a:extLst>
+          </p:cNvPr>
+          <p:cNvGrpSpPr/>
+          <p:nvPr/>
+        </p:nvGrpSpPr>
+        <p:grpSpPr>
+          <a:xfrm>
+            <a:off x="331786" y="5528198"/>
+            <a:ext cx="631474" cy="667800"/>
+            <a:chOff x="2994153" y="1378666"/>
+            <a:chExt cx="631474" cy="667800"/>
+          </a:xfrm>
+        </p:grpSpPr>
+        <p:sp>
+          <p:nvSpPr>
+            <p:cNvPr id="20" name="Freeform: Shape 19">
+              <a:extLst>
+                <a:ext uri="{FF2B5EF4-FFF2-40B4-BE49-F238E27FC236}">
+                  <a16:creationId xmlns:a16="http://schemas.microsoft.com/office/drawing/2014/main" id="{31167DA1-25D1-4E60-A62E-42B6F56A96EC}"/>
+                </a:ext>
+              </a:extLst>
+            </p:cNvPr>
+            <p:cNvSpPr>
+              <a:spLocks noChangeAspect="1"/>
+            </p:cNvSpPr>
+            <p:nvPr/>
+          </p:nvSpPr>
+          <p:spPr>
+            <a:xfrm rot="2700000">
+              <a:off x="3039890" y="1332929"/>
+              <a:ext cx="540000" cy="631474"/>
+            </a:xfrm>
+            <a:custGeom>
+              <a:avLst/>
+              <a:gdLst>
+                <a:gd name="connsiteX0" fmla="*/ 540000 w 1080000"/>
+                <a:gd name="connsiteY0" fmla="*/ 0 h 1262947"/>
+                <a:gd name="connsiteX1" fmla="*/ 1080000 w 1080000"/>
+                <a:gd name="connsiteY1" fmla="*/ 931034 h 1262947"/>
+                <a:gd name="connsiteX2" fmla="*/ 1064374 w 1080000"/>
+                <a:gd name="connsiteY2" fmla="*/ 931034 h 1262947"/>
+                <a:gd name="connsiteX3" fmla="*/ 1069029 w 1080000"/>
+                <a:gd name="connsiteY3" fmla="*/ 938533 h 1262947"/>
+                <a:gd name="connsiteX4" fmla="*/ 1080000 w 1080000"/>
+                <a:gd name="connsiteY4" fmla="*/ 992947 h 1262947"/>
+                <a:gd name="connsiteX5" fmla="*/ 540000 w 1080000"/>
+                <a:gd name="connsiteY5" fmla="*/ 1262947 h 1262947"/>
+                <a:gd name="connsiteX6" fmla="*/ 0 w 1080000"/>
+                <a:gd name="connsiteY6" fmla="*/ 992947 h 1262947"/>
+                <a:gd name="connsiteX7" fmla="*/ 10971 w 1080000"/>
+                <a:gd name="connsiteY7" fmla="*/ 938533 h 1262947"/>
+                <a:gd name="connsiteX8" fmla="*/ 15626 w 1080000"/>
+                <a:gd name="connsiteY8" fmla="*/ 931034 h 1262947"/>
+                <a:gd name="connsiteX9" fmla="*/ 0 w 1080000"/>
+                <a:gd name="connsiteY9" fmla="*/ 931034 h 1262947"/>
+                <a:gd name="connsiteX0" fmla="*/ 540000 w 1080000"/>
+                <a:gd name="connsiteY0" fmla="*/ 0 h 1262947"/>
+                <a:gd name="connsiteX1" fmla="*/ 1080000 w 1080000"/>
+                <a:gd name="connsiteY1" fmla="*/ 931034 h 1262947"/>
+                <a:gd name="connsiteX2" fmla="*/ 1064374 w 1080000"/>
+                <a:gd name="connsiteY2" fmla="*/ 931034 h 1262947"/>
+                <a:gd name="connsiteX3" fmla="*/ 1069029 w 1080000"/>
+                <a:gd name="connsiteY3" fmla="*/ 938533 h 1262947"/>
+                <a:gd name="connsiteX4" fmla="*/ 1080000 w 1080000"/>
+                <a:gd name="connsiteY4" fmla="*/ 992947 h 1262947"/>
+                <a:gd name="connsiteX5" fmla="*/ 540000 w 1080000"/>
+                <a:gd name="connsiteY5" fmla="*/ 1262947 h 1262947"/>
+                <a:gd name="connsiteX6" fmla="*/ 0 w 1080000"/>
+                <a:gd name="connsiteY6" fmla="*/ 992947 h 1262947"/>
+                <a:gd name="connsiteX7" fmla="*/ 10971 w 1080000"/>
+                <a:gd name="connsiteY7" fmla="*/ 938533 h 1262947"/>
+                <a:gd name="connsiteX8" fmla="*/ 15626 w 1080000"/>
+                <a:gd name="connsiteY8" fmla="*/ 931034 h 1262947"/>
+                <a:gd name="connsiteX9" fmla="*/ 540000 w 1080000"/>
+                <a:gd name="connsiteY9" fmla="*/ 0 h 1262947"/>
+                <a:gd name="connsiteX0" fmla="*/ 540000 w 1080000"/>
+                <a:gd name="connsiteY0" fmla="*/ 0 h 1262947"/>
+                <a:gd name="connsiteX1" fmla="*/ 1064374 w 1080000"/>
+                <a:gd name="connsiteY1" fmla="*/ 931034 h 1262947"/>
+                <a:gd name="connsiteX2" fmla="*/ 1069029 w 1080000"/>
+                <a:gd name="connsiteY2" fmla="*/ 938533 h 1262947"/>
+                <a:gd name="connsiteX3" fmla="*/ 1080000 w 1080000"/>
+                <a:gd name="connsiteY3" fmla="*/ 992947 h 1262947"/>
+                <a:gd name="connsiteX4" fmla="*/ 540000 w 1080000"/>
+                <a:gd name="connsiteY4" fmla="*/ 1262947 h 1262947"/>
+                <a:gd name="connsiteX5" fmla="*/ 0 w 1080000"/>
+                <a:gd name="connsiteY5" fmla="*/ 992947 h 1262947"/>
+                <a:gd name="connsiteX6" fmla="*/ 10971 w 1080000"/>
+                <a:gd name="connsiteY6" fmla="*/ 938533 h 1262947"/>
+                <a:gd name="connsiteX7" fmla="*/ 15626 w 1080000"/>
+                <a:gd name="connsiteY7" fmla="*/ 931034 h 1262947"/>
+                <a:gd name="connsiteX8" fmla="*/ 540000 w 1080000"/>
+                <a:gd name="connsiteY8" fmla="*/ 0 h 1262947"/>
+              </a:gdLst>
+              <a:ahLst/>
+              <a:cxnLst>
+                <a:cxn ang="0">
+                  <a:pos x="connsiteX0" y="connsiteY0"/>
+                </a:cxn>
+                <a:cxn ang="0">
+                  <a:pos x="connsiteX1" y="connsiteY1"/>
+                </a:cxn>
+                <a:cxn ang="0">
+                  <a:pos x="connsiteX2" y="connsiteY2"/>
+                </a:cxn>
+                <a:cxn ang="0">
+                  <a:pos x="connsiteX3" y="connsiteY3"/>
+                </a:cxn>
+                <a:cxn ang="0">
+                  <a:pos x="connsiteX4" y="connsiteY4"/>
+                </a:cxn>
+                <a:cxn ang="0">
+                  <a:pos x="connsiteX5" y="connsiteY5"/>
+                </a:cxn>
+                <a:cxn ang="0">
+                  <a:pos x="connsiteX6" y="connsiteY6"/>
+                </a:cxn>
+                <a:cxn ang="0">
+                  <a:pos x="connsiteX7" y="connsiteY7"/>
+                </a:cxn>
+                <a:cxn ang="0">
+                  <a:pos x="connsiteX8" y="connsiteY8"/>
+                </a:cxn>
+              </a:cxnLst>
+              <a:rect l="l" t="t" r="r" b="b"/>
+              <a:pathLst>
+                <a:path w="1080000" h="1262947">
+                  <a:moveTo>
+                    <a:pt x="540000" y="0"/>
+                  </a:moveTo>
+                  <a:lnTo>
+                    <a:pt x="1064374" y="931034"/>
+                  </a:lnTo>
+                  <a:lnTo>
+                    <a:pt x="1069029" y="938533"/>
+                  </a:lnTo>
+                  <a:cubicBezTo>
+                    <a:pt x="1076223" y="956109"/>
+                    <a:pt x="1080000" y="974307"/>
+                    <a:pt x="1080000" y="992947"/>
+                  </a:cubicBezTo>
+                  <a:cubicBezTo>
+                    <a:pt x="1080000" y="1142064"/>
+                    <a:pt x="838234" y="1262947"/>
+                    <a:pt x="540000" y="1262947"/>
+                  </a:cubicBezTo>
+                  <a:cubicBezTo>
+                    <a:pt x="241766" y="1262947"/>
+                    <a:pt x="0" y="1142064"/>
+                    <a:pt x="0" y="992947"/>
+                  </a:cubicBezTo>
+                  <a:cubicBezTo>
+                    <a:pt x="0" y="974307"/>
+                    <a:pt x="3778" y="956109"/>
+                    <a:pt x="10971" y="938533"/>
+                  </a:cubicBezTo>
+                  <a:lnTo>
+                    <a:pt x="15626" y="931034"/>
+                  </a:lnTo>
+                  <a:lnTo>
+                    <a:pt x="540000" y="0"/>
+                  </a:lnTo>
+                  <a:close/>
+                </a:path>
+              </a:pathLst>
+            </a:custGeom>
+            <a:gradFill>
+              <a:gsLst>
+                <a:gs pos="60000">
+                  <a:schemeClr val="bg2">
+                    <a:lumMod val="90000"/>
+                    <a:lumOff val="10000"/>
+                  </a:schemeClr>
+                </a:gs>
+                <a:gs pos="30000">
+                  <a:schemeClr val="bg2">
+                    <a:lumMod val="90000"/>
+                    <a:lumOff val="10000"/>
+                  </a:schemeClr>
+                </a:gs>
+                <a:gs pos="40000">
+                  <a:schemeClr val="bg2">
+                    <a:lumMod val="75000"/>
+                    <a:lumOff val="25000"/>
+                  </a:schemeClr>
+                </a:gs>
+                <a:gs pos="100000">
+                  <a:schemeClr val="bg2"/>
+                </a:gs>
+              </a:gsLst>
+              <a:lin ang="600000" scaled="0"/>
+            </a:gradFill>
+            <a:ln>
+              <a:noFill/>
+            </a:ln>
+            <a:effectLst>
+              <a:innerShdw blurRad="254000" dist="101600" dir="2700000">
+                <a:schemeClr val="accent1">
+                  <a:lumMod val="60000"/>
+                  <a:lumOff val="40000"/>
+                  <a:alpha val="20000"/>
+                </a:schemeClr>
+              </a:innerShdw>
+            </a:effectLst>
+          </p:spPr>
+          <p:style>
+            <a:lnRef idx="2">
+              <a:schemeClr val="accent1">
+                <a:shade val="50000"/>
+              </a:schemeClr>
+            </a:lnRef>
+            <a:fillRef idx="1">
+              <a:schemeClr val="accent1"/>
+            </a:fillRef>
+            <a:effectRef idx="0">
+              <a:schemeClr val="accent1"/>
+            </a:effectRef>
+            <a:fontRef idx="minor">
+              <a:schemeClr val="lt1"/>
+            </a:fontRef>
+          </p:style>
+          <p:txBody>
+            <a:bodyPr rot="0" spcFirstLastPara="0" vertOverflow="overflow" horzOverflow="overflow" vert="horz" wrap="square" lIns="91440" tIns="45720" rIns="91440" bIns="45720" numCol="1" spcCol="0" rtlCol="0" fromWordArt="0" anchor="ctr" anchorCtr="0" forceAA="0" compatLnSpc="1">
+              <a:prstTxWarp prst="textNoShape">
+                <a:avLst/>
+              </a:prstTxWarp>
+              <a:noAutofit/>
+            </a:bodyPr>
+            <a:lstStyle/>
+            <a:p>
+              <a:pPr algn="ctr"/>
+              <a:endParaRPr lang="en-US"/>
+            </a:p>
+          </p:txBody>
+        </p:sp>
+        <p:sp>
+          <p:nvSpPr>
+            <p:cNvPr id="21" name="Oval 20">
+              <a:extLst>
+                <a:ext uri="{FF2B5EF4-FFF2-40B4-BE49-F238E27FC236}">
+                  <a16:creationId xmlns:a16="http://schemas.microsoft.com/office/drawing/2014/main" id="{6B7B7215-A661-477E-91D0-CDBE5564D2B9}"/>
+                </a:ext>
+              </a:extLst>
+            </p:cNvPr>
+            <p:cNvSpPr/>
+            <p:nvPr/>
+          </p:nvSpPr>
+          <p:spPr>
+            <a:xfrm rot="8100000">
+              <a:off x="3047090" y="1506466"/>
+              <a:ext cx="270000" cy="540000"/>
+            </a:xfrm>
+            <a:prstGeom prst="ellipse">
+              <a:avLst/>
+            </a:prstGeom>
+            <a:gradFill>
+              <a:gsLst>
+                <a:gs pos="100000">
+                  <a:schemeClr val="bg2">
+                    <a:lumMod val="90000"/>
+                    <a:lumOff val="10000"/>
+                  </a:schemeClr>
+                </a:gs>
+                <a:gs pos="50000">
+                  <a:schemeClr val="bg2">
+                    <a:lumMod val="95000"/>
+                    <a:lumOff val="5000"/>
+                  </a:schemeClr>
+                </a:gs>
+              </a:gsLst>
+              <a:lin ang="5400000" scaled="0"/>
+            </a:gradFill>
+            <a:ln>
+              <a:noFill/>
+            </a:ln>
+            <a:effectLst>
+              <a:innerShdw blurRad="1270000" dist="2540000">
+                <a:schemeClr val="accent1">
+                  <a:lumMod val="60000"/>
+                  <a:lumOff val="40000"/>
+                  <a:alpha val="0"/>
+                </a:schemeClr>
+              </a:innerShdw>
+            </a:effectLst>
+          </p:spPr>
+          <p:style>
+            <a:lnRef idx="2">
+              <a:schemeClr val="accent1">
+                <a:shade val="50000"/>
+              </a:schemeClr>
+            </a:lnRef>
+            <a:fillRef idx="1">
+              <a:schemeClr val="accent1"/>
+            </a:fillRef>
+            <a:effectRef idx="0">
+              <a:schemeClr val="accent1"/>
+            </a:effectRef>
+            <a:fontRef idx="minor">
+              <a:schemeClr val="lt1"/>
+            </a:fontRef>
+          </p:style>
+          <p:txBody>
+            <a:bodyPr rot="0" spcFirstLastPara="0" vertOverflow="overflow" horzOverflow="overflow" vert="horz" wrap="square" lIns="91440" tIns="45720" rIns="91440" bIns="45720" numCol="1" spcCol="0" rtlCol="0" fromWordArt="0" anchor="ctr" anchorCtr="0" forceAA="0" compatLnSpc="1">
+              <a:prstTxWarp prst="textNoShape">
+                <a:avLst/>
+              </a:prstTxWarp>
+              <a:noAutofit/>
+            </a:bodyPr>
+            <a:lstStyle/>
+            <a:p>
+              <a:pPr algn="ctr"/>
+              <a:endParaRPr lang="en-US"/>
+            </a:p>
+          </p:txBody>
+        </p:sp>
+      </p:grpSp>
+      <p:sp>
+        <p:nvSpPr>
+          <p:cNvPr id="2" name="Title 1">
+            <a:extLst>
+              <a:ext uri="{FF2B5EF4-FFF2-40B4-BE49-F238E27FC236}">
+                <a16:creationId xmlns:a16="http://schemas.microsoft.com/office/drawing/2014/main" id="{8978E540-142B-4A82-9C3F-E61BC190AEED}"/>
               </a:ext>
             </a:extLst>
           </p:cNvPr>
@@ -1239,24 +3754,37 @@
             <p:ph type="title"/>
           </p:nvPr>
         </p:nvSpPr>
-        <p:spPr/>
+        <p:spPr>
+          <a:xfrm>
+            <a:off x="550863" y="549275"/>
+            <a:ext cx="11090274" cy="1332000"/>
+          </a:xfrm>
+        </p:spPr>
         <p:txBody>
           <a:bodyPr/>
-          <a:lstStyle/>
+          <a:lstStyle>
+            <a:lvl1pPr>
+              <a:lnSpc>
+                <a:spcPct val="100000"/>
+              </a:lnSpc>
+              <a:defRPr/>
+            </a:lvl1pPr>
+          </a:lstStyle>
           <a:p>
             <a:r>
-              <a:rPr lang="ko-KR" altLang="en-US"/>
-              <a:t>마스터 제목 스타일 편집</a:t>
+              <a:rPr lang="en-US"/>
+              <a:t>Click to edit Master title style</a:t>
             </a:r>
+            <a:endParaRPr lang="en-US" dirty="0"/>
           </a:p>
         </p:txBody>
       </p:sp>
       <p:sp>
         <p:nvSpPr>
-          <p:cNvPr id="3" name="내용 개체 틀 2">
-            <a:extLst>
-              <a:ext uri="{FF2B5EF4-FFF2-40B4-BE49-F238E27FC236}">
-                <a16:creationId xmlns:a16="http://schemas.microsoft.com/office/drawing/2014/main" id="{F1001BF6-340B-4DF6-315A-F4E9E98AABF2}"/>
+          <p:cNvPr id="3" name="Content Placeholder 2">
+            <a:extLst>
+              <a:ext uri="{FF2B5EF4-FFF2-40B4-BE49-F238E27FC236}">
+                <a16:creationId xmlns:a16="http://schemas.microsoft.com/office/drawing/2014/main" id="{02C6BF36-D4F5-4363-B440-BDAE50BBD4B6}"/>
               </a:ext>
             </a:extLst>
           </p:cNvPr>
@@ -1269,8 +3797,8 @@
         </p:nvSpPr>
         <p:spPr>
           <a:xfrm>
-            <a:off x="838200" y="1825625"/>
-            <a:ext cx="5181600" cy="4351338"/>
+            <a:off x="550862" y="2097175"/>
+            <a:ext cx="5435600" cy="3995650"/>
           </a:xfrm>
         </p:spPr>
         <p:txBody>
@@ -1279,46 +3807,47 @@
           <a:p>
             <a:pPr lvl="0"/>
             <a:r>
-              <a:rPr lang="ko-KR" altLang="en-US"/>
-              <a:t>마스터 텍스트 스타일을 편집하려면 클릭</a:t>
+              <a:rPr lang="en-US"/>
+              <a:t>Click to edit Master text styles</a:t>
             </a:r>
           </a:p>
           <a:p>
             <a:pPr lvl="1"/>
             <a:r>
-              <a:rPr lang="ko-KR" altLang="en-US"/>
-              <a:t>두 번째 수준</a:t>
+              <a:rPr lang="en-US"/>
+              <a:t>Second level</a:t>
             </a:r>
           </a:p>
           <a:p>
             <a:pPr lvl="2"/>
             <a:r>
-              <a:rPr lang="ko-KR" altLang="en-US"/>
-              <a:t>세 번째 수준</a:t>
+              <a:rPr lang="en-US"/>
+              <a:t>Third level</a:t>
             </a:r>
           </a:p>
           <a:p>
             <a:pPr lvl="3"/>
             <a:r>
-              <a:rPr lang="ko-KR" altLang="en-US"/>
-              <a:t>네 번째 수준</a:t>
+              <a:rPr lang="en-US"/>
+              <a:t>Fourth level</a:t>
             </a:r>
           </a:p>
           <a:p>
             <a:pPr lvl="4"/>
             <a:r>
-              <a:rPr lang="ko-KR" altLang="en-US"/>
-              <a:t>다섯 번째 수준</a:t>
+              <a:rPr lang="en-US"/>
+              <a:t>Fifth level</a:t>
             </a:r>
+            <a:endParaRPr lang="en-US" dirty="0"/>
           </a:p>
         </p:txBody>
       </p:sp>
       <p:sp>
         <p:nvSpPr>
-          <p:cNvPr id="4" name="내용 개체 틀 3">
-            <a:extLst>
-              <a:ext uri="{FF2B5EF4-FFF2-40B4-BE49-F238E27FC236}">
-                <a16:creationId xmlns:a16="http://schemas.microsoft.com/office/drawing/2014/main" id="{C6D3DEC0-1DA2-8F94-1D71-8B34DDBDD72E}"/>
+          <p:cNvPr id="4" name="Content Placeholder 3">
+            <a:extLst>
+              <a:ext uri="{FF2B5EF4-FFF2-40B4-BE49-F238E27FC236}">
+                <a16:creationId xmlns:a16="http://schemas.microsoft.com/office/drawing/2014/main" id="{F8362910-87AA-4E67-992D-8D4822FD89FE}"/>
               </a:ext>
             </a:extLst>
           </p:cNvPr>
@@ -1331,8 +3860,8 @@
         </p:nvSpPr>
         <p:spPr>
           <a:xfrm>
-            <a:off x="6172200" y="1825625"/>
-            <a:ext cx="5181600" cy="4351338"/>
+            <a:off x="6205538" y="2097175"/>
+            <a:ext cx="5435600" cy="3995650"/>
           </a:xfrm>
         </p:spPr>
         <p:txBody>
@@ -1341,46 +3870,47 @@
           <a:p>
             <a:pPr lvl="0"/>
             <a:r>
-              <a:rPr lang="ko-KR" altLang="en-US"/>
-              <a:t>마스터 텍스트 스타일을 편집하려면 클릭</a:t>
+              <a:rPr lang="en-US"/>
+              <a:t>Click to edit Master text styles</a:t>
             </a:r>
           </a:p>
           <a:p>
             <a:pPr lvl="1"/>
             <a:r>
-              <a:rPr lang="ko-KR" altLang="en-US"/>
-              <a:t>두 번째 수준</a:t>
+              <a:rPr lang="en-US"/>
+              <a:t>Second level</a:t>
             </a:r>
           </a:p>
           <a:p>
             <a:pPr lvl="2"/>
             <a:r>
-              <a:rPr lang="ko-KR" altLang="en-US"/>
-              <a:t>세 번째 수준</a:t>
+              <a:rPr lang="en-US"/>
+              <a:t>Third level</a:t>
             </a:r>
           </a:p>
           <a:p>
             <a:pPr lvl="3"/>
             <a:r>
-              <a:rPr lang="ko-KR" altLang="en-US"/>
-              <a:t>네 번째 수준</a:t>
+              <a:rPr lang="en-US"/>
+              <a:t>Fourth level</a:t>
             </a:r>
           </a:p>
           <a:p>
             <a:pPr lvl="4"/>
             <a:r>
-              <a:rPr lang="ko-KR" altLang="en-US"/>
-              <a:t>다섯 번째 수준</a:t>
+              <a:rPr lang="en-US"/>
+              <a:t>Fifth level</a:t>
             </a:r>
+            <a:endParaRPr lang="en-US" dirty="0"/>
           </a:p>
         </p:txBody>
       </p:sp>
       <p:sp>
         <p:nvSpPr>
-          <p:cNvPr id="5" name="날짜 개체 틀 4">
-            <a:extLst>
-              <a:ext uri="{FF2B5EF4-FFF2-40B4-BE49-F238E27FC236}">
-                <a16:creationId xmlns:a16="http://schemas.microsoft.com/office/drawing/2014/main" id="{944EAAB0-50EC-85DD-512E-84D5E1E1D437}"/>
+          <p:cNvPr id="5" name="Date Placeholder 4">
+            <a:extLst>
+              <a:ext uri="{FF2B5EF4-FFF2-40B4-BE49-F238E27FC236}">
+                <a16:creationId xmlns:a16="http://schemas.microsoft.com/office/drawing/2014/main" id="{BB99A8AF-0998-4613-B1D8-C14ECBFFDF67}"/>
               </a:ext>
             </a:extLst>
           </p:cNvPr>
@@ -1396,20 +3926,20 @@
           <a:bodyPr/>
           <a:lstStyle/>
           <a:p>
-            <a:fld id="{13F532C3-E321-48AC-B9B2-1BFF984D6D7A}" type="datetimeFigureOut">
-              <a:rPr lang="ko-KR" altLang="en-US" smtClean="0"/>
-              <a:t>2023-06-21</a:t>
+            <a:fld id="{20E95673-5512-4AAA-9AEB-E00C61EC65D5}" type="datetime2">
+              <a:rPr lang="en-US" smtClean="0"/>
+              <a:t>Thursday, June 22, 2023</a:t>
             </a:fld>
-            <a:endParaRPr lang="ko-KR" altLang="en-US"/>
+            <a:endParaRPr lang="en-US"/>
           </a:p>
         </p:txBody>
       </p:sp>
       <p:sp>
         <p:nvSpPr>
-          <p:cNvPr id="6" name="바닥글 개체 틀 5">
-            <a:extLst>
-              <a:ext uri="{FF2B5EF4-FFF2-40B4-BE49-F238E27FC236}">
-                <a16:creationId xmlns:a16="http://schemas.microsoft.com/office/drawing/2014/main" id="{C7614EEE-FCE8-1E03-E893-4484A32C95C4}"/>
+          <p:cNvPr id="6" name="Footer Placeholder 5">
+            <a:extLst>
+              <a:ext uri="{FF2B5EF4-FFF2-40B4-BE49-F238E27FC236}">
+                <a16:creationId xmlns:a16="http://schemas.microsoft.com/office/drawing/2014/main" id="{66E44EAA-B8A9-4428-A9DF-1174DA940990}"/>
               </a:ext>
             </a:extLst>
           </p:cNvPr>
@@ -1425,16 +3955,19 @@
           <a:bodyPr/>
           <a:lstStyle/>
           <a:p>
-            <a:endParaRPr lang="ko-KR" altLang="en-US"/>
+            <a:r>
+              <a:rPr lang="en-US"/>
+              <a:t>Sample Footer</a:t>
+            </a:r>
           </a:p>
         </p:txBody>
       </p:sp>
       <p:sp>
         <p:nvSpPr>
-          <p:cNvPr id="7" name="슬라이드 번호 개체 틀 6">
-            <a:extLst>
-              <a:ext uri="{FF2B5EF4-FFF2-40B4-BE49-F238E27FC236}">
-                <a16:creationId xmlns:a16="http://schemas.microsoft.com/office/drawing/2014/main" id="{E487CA7F-B640-323E-1213-6C67C5C4D75B}"/>
+          <p:cNvPr id="7" name="Slide Number Placeholder 6">
+            <a:extLst>
+              <a:ext uri="{FF2B5EF4-FFF2-40B4-BE49-F238E27FC236}">
+                <a16:creationId xmlns:a16="http://schemas.microsoft.com/office/drawing/2014/main" id="{19E5C381-C899-4BF9-B584-2D78074D1CB2}"/>
               </a:ext>
             </a:extLst>
           </p:cNvPr>
@@ -1450,18 +3983,18 @@
           <a:bodyPr/>
           <a:lstStyle/>
           <a:p>
-            <a:fld id="{7B81F63B-0CCB-4C66-B328-A984CFCA8555}" type="slidenum">
-              <a:rPr lang="ko-KR" altLang="en-US" smtClean="0"/>
+            <a:fld id="{DBA1B0FB-D917-4C8C-928F-313BD683BF39}" type="slidenum">
+              <a:rPr lang="en-US" smtClean="0"/>
               <a:t>‹#›</a:t>
             </a:fld>
-            <a:endParaRPr lang="ko-KR" altLang="en-US"/>
+            <a:endParaRPr lang="en-US"/>
           </a:p>
         </p:txBody>
       </p:sp>
     </p:spTree>
     <p:extLst>
       <p:ext uri="{BB962C8B-B14F-4D97-AF65-F5344CB8AC3E}">
-        <p14:creationId xmlns:p14="http://schemas.microsoft.com/office/powerpoint/2010/main" val="2294870734"/>
+        <p14:creationId xmlns:p14="http://schemas.microsoft.com/office/powerpoint/2010/main" val="4077955851"/>
       </p:ext>
     </p:extLst>
   </p:cSld>
@@ -1473,7 +4006,7 @@
 
 <file path=ppt/slideLayouts/slideLayout5.xml><?xml version="1.0" encoding="utf-8"?>
 <p:sldLayout xmlns:a="http://schemas.openxmlformats.org/drawingml/2006/main" xmlns:r="http://schemas.openxmlformats.org/officeDocument/2006/relationships" xmlns:p="http://schemas.openxmlformats.org/presentationml/2006/main" type="twoTxTwoObj" preserve="1">
-  <p:cSld name="비교">
+  <p:cSld name="Comparison">
     <p:spTree>
       <p:nvGrpSpPr>
         <p:cNvPr id="1" name=""/>
@@ -1490,10 +4023,147 @@
       </p:grpSpPr>
       <p:sp>
         <p:nvSpPr>
-          <p:cNvPr id="2" name="제목 1">
-            <a:extLst>
-              <a:ext uri="{FF2B5EF4-FFF2-40B4-BE49-F238E27FC236}">
-                <a16:creationId xmlns:a16="http://schemas.microsoft.com/office/drawing/2014/main" id="{18FC97E0-4872-98A5-3EB5-B4B937643FD7}"/>
+          <p:cNvPr id="12" name="Oval 11">
+            <a:extLst>
+              <a:ext uri="{FF2B5EF4-FFF2-40B4-BE49-F238E27FC236}">
+                <a16:creationId xmlns:a16="http://schemas.microsoft.com/office/drawing/2014/main" id="{FD65A50E-2F73-4426-8586-9731AFA2D2E0}"/>
+              </a:ext>
+            </a:extLst>
+          </p:cNvPr>
+          <p:cNvSpPr>
+            <a:spLocks noChangeAspect="1"/>
+          </p:cNvSpPr>
+          <p:nvPr/>
+        </p:nvSpPr>
+        <p:spPr>
+          <a:xfrm>
+            <a:off x="11091612" y="5893466"/>
+            <a:ext cx="360000" cy="360000"/>
+          </a:xfrm>
+          <a:prstGeom prst="ellipse">
+            <a:avLst/>
+          </a:prstGeom>
+          <a:gradFill flip="none" rotWithShape="1">
+            <a:gsLst>
+              <a:gs pos="100000">
+                <a:schemeClr val="bg2">
+                  <a:lumMod val="50000"/>
+                  <a:lumOff val="50000"/>
+                </a:schemeClr>
+              </a:gs>
+              <a:gs pos="60000">
+                <a:schemeClr val="bg2"/>
+              </a:gs>
+            </a:gsLst>
+            <a:path path="circle">
+              <a:fillToRect l="100000" b="100000"/>
+            </a:path>
+            <a:tileRect t="-100000" r="-100000"/>
+          </a:gradFill>
+          <a:ln>
+            <a:noFill/>
+          </a:ln>
+          <a:effectLst>
+            <a:innerShdw blurRad="127000" dist="63500" dir="2700000">
+              <a:schemeClr val="accent1">
+                <a:lumMod val="60000"/>
+                <a:lumOff val="40000"/>
+                <a:alpha val="20000"/>
+              </a:schemeClr>
+            </a:innerShdw>
+            <a:softEdge rad="0"/>
+          </a:effectLst>
+        </p:spPr>
+        <p:style>
+          <a:lnRef idx="2">
+            <a:schemeClr val="accent1">
+              <a:shade val="50000"/>
+            </a:schemeClr>
+          </a:lnRef>
+          <a:fillRef idx="1">
+            <a:schemeClr val="accent1"/>
+          </a:fillRef>
+          <a:effectRef idx="0">
+            <a:schemeClr val="accent1"/>
+          </a:effectRef>
+          <a:fontRef idx="minor">
+            <a:schemeClr val="lt1"/>
+          </a:fontRef>
+        </p:style>
+        <p:txBody>
+          <a:bodyPr rot="0" spcFirstLastPara="0" vertOverflow="overflow" horzOverflow="overflow" vert="horz" wrap="square" lIns="91440" tIns="45720" rIns="91440" bIns="45720" numCol="1" spcCol="0" rtlCol="0" fromWordArt="0" anchor="ctr" anchorCtr="0" forceAA="0" compatLnSpc="1">
+            <a:prstTxWarp prst="textNoShape">
+              <a:avLst/>
+            </a:prstTxWarp>
+            <a:noAutofit/>
+          </a:bodyPr>
+          <a:lstStyle/>
+          <a:p>
+            <a:pPr algn="ctr"/>
+            <a:endParaRPr lang="en-US"/>
+          </a:p>
+        </p:txBody>
+      </p:sp>
+      <p:sp>
+        <p:nvSpPr>
+          <p:cNvPr id="11" name="Rectangle 10">
+            <a:extLst>
+              <a:ext uri="{FF2B5EF4-FFF2-40B4-BE49-F238E27FC236}">
+                <a16:creationId xmlns:a16="http://schemas.microsoft.com/office/drawing/2014/main" id="{EB89C080-4102-49AE-BDA9-59A4A67E2486}"/>
+              </a:ext>
+            </a:extLst>
+          </p:cNvPr>
+          <p:cNvSpPr/>
+          <p:nvPr/>
+        </p:nvSpPr>
+        <p:spPr>
+          <a:xfrm>
+            <a:off x="11451612" y="5827878"/>
+            <a:ext cx="379049" cy="360000"/>
+          </a:xfrm>
+          <a:prstGeom prst="rect">
+            <a:avLst/>
+          </a:prstGeom>
+          <a:solidFill>
+            <a:schemeClr val="bg2">
+              <a:alpha val="80000"/>
+            </a:schemeClr>
+          </a:solidFill>
+          <a:ln>
+            <a:noFill/>
+          </a:ln>
+        </p:spPr>
+        <p:style>
+          <a:lnRef idx="2">
+            <a:schemeClr val="accent1">
+              <a:shade val="50000"/>
+            </a:schemeClr>
+          </a:lnRef>
+          <a:fillRef idx="1">
+            <a:schemeClr val="accent1"/>
+          </a:fillRef>
+          <a:effectRef idx="0">
+            <a:schemeClr val="accent1"/>
+          </a:effectRef>
+          <a:fontRef idx="minor">
+            <a:schemeClr val="lt1"/>
+          </a:fontRef>
+        </p:style>
+        <p:txBody>
+          <a:bodyPr rtlCol="0" anchor="ctr"/>
+          <a:lstStyle/>
+          <a:p>
+            <a:pPr algn="ctr"/>
+            <a:endParaRPr lang="en-US"/>
+          </a:p>
+        </p:txBody>
+      </p:sp>
+      <p:sp>
+        <p:nvSpPr>
+          <p:cNvPr id="2" name="Title 1">
+            <a:extLst>
+              <a:ext uri="{FF2B5EF4-FFF2-40B4-BE49-F238E27FC236}">
+                <a16:creationId xmlns:a16="http://schemas.microsoft.com/office/drawing/2014/main" id="{DDE62014-F04C-495A-964E-6B888D49CDE9}"/>
               </a:ext>
             </a:extLst>
           </p:cNvPr>
@@ -1506,27 +4176,39 @@
         </p:nvSpPr>
         <p:spPr>
           <a:xfrm>
-            <a:off x="839788" y="365125"/>
-            <a:ext cx="10515600" cy="1325563"/>
+            <a:off x="550862" y="549275"/>
+            <a:ext cx="11097551" cy="1332000"/>
           </a:xfrm>
         </p:spPr>
         <p:txBody>
-          <a:bodyPr/>
-          <a:lstStyle/>
-          <a:p>
+          <a:bodyPr vert="horz" wrap="square" lIns="0" tIns="0" rIns="0" bIns="0" rtlCol="0" anchor="t" anchorCtr="0">
+            <a:normAutofit/>
+          </a:bodyPr>
+          <a:lstStyle>
+            <a:lvl1pPr>
+              <a:defRPr lang="en-US" sz="3200" dirty="0"/>
+            </a:lvl1pPr>
+          </a:lstStyle>
+          <a:p>
+            <a:pPr lvl="0">
+              <a:lnSpc>
+                <a:spcPct val="100000"/>
+              </a:lnSpc>
+            </a:pPr>
             <a:r>
-              <a:rPr lang="ko-KR" altLang="en-US"/>
-              <a:t>마스터 제목 스타일 편집</a:t>
+              <a:rPr lang="en-US"/>
+              <a:t>Click to edit Master title style</a:t>
             </a:r>
+            <a:endParaRPr lang="en-US" dirty="0"/>
           </a:p>
         </p:txBody>
       </p:sp>
       <p:sp>
         <p:nvSpPr>
-          <p:cNvPr id="3" name="텍스트 개체 틀 2">
-            <a:extLst>
-              <a:ext uri="{FF2B5EF4-FFF2-40B4-BE49-F238E27FC236}">
-                <a16:creationId xmlns:a16="http://schemas.microsoft.com/office/drawing/2014/main" id="{D1F430B4-DE27-9352-615F-597F6D845E15}"/>
+          <p:cNvPr id="3" name="Text Placeholder 2">
+            <a:extLst>
+              <a:ext uri="{FF2B5EF4-FFF2-40B4-BE49-F238E27FC236}">
+                <a16:creationId xmlns:a16="http://schemas.microsoft.com/office/drawing/2014/main" id="{555DF027-E633-44EE-ACA0-C205930AA93E}"/>
               </a:ext>
             </a:extLst>
           </p:cNvPr>
@@ -1539,16 +4221,23 @@
         </p:nvSpPr>
         <p:spPr>
           <a:xfrm>
-            <a:off x="839788" y="1681163"/>
-            <a:ext cx="5157787" cy="823912"/>
+            <a:off x="550864" y="1881275"/>
+            <a:ext cx="5437186" cy="535354"/>
           </a:xfrm>
         </p:spPr>
         <p:txBody>
-          <a:bodyPr anchor="b"/>
+          <a:bodyPr anchor="b">
+            <a:normAutofit/>
+          </a:bodyPr>
           <a:lstStyle>
             <a:lvl1pPr marL="0" indent="0">
               <a:buNone/>
-              <a:defRPr sz="2400" b="1"/>
+              <a:defRPr sz="1400" b="0" cap="all" spc="200" baseline="0">
+                <a:solidFill>
+                  <a:schemeClr val="tx1"/>
+                </a:solidFill>
+                <a:latin typeface="+mn-lt"/>
+              </a:defRPr>
             </a:lvl1pPr>
             <a:lvl2pPr marL="457200" indent="0">
               <a:buNone/>
@@ -1586,18 +4275,18 @@
           <a:p>
             <a:pPr lvl="0"/>
             <a:r>
-              <a:rPr lang="ko-KR" altLang="en-US"/>
-              <a:t>마스터 텍스트 스타일을 편집하려면 클릭</a:t>
+              <a:rPr lang="en-US"/>
+              <a:t>Click to edit Master text styles</a:t>
             </a:r>
           </a:p>
         </p:txBody>
       </p:sp>
       <p:sp>
         <p:nvSpPr>
-          <p:cNvPr id="4" name="내용 개체 틀 3">
-            <a:extLst>
-              <a:ext uri="{FF2B5EF4-FFF2-40B4-BE49-F238E27FC236}">
-                <a16:creationId xmlns:a16="http://schemas.microsoft.com/office/drawing/2014/main" id="{E043B975-DB94-B566-F9EF-A4AF39BF191C}"/>
+          <p:cNvPr id="4" name="Content Placeholder 3">
+            <a:extLst>
+              <a:ext uri="{FF2B5EF4-FFF2-40B4-BE49-F238E27FC236}">
+                <a16:creationId xmlns:a16="http://schemas.microsoft.com/office/drawing/2014/main" id="{9BA4F363-FEEF-4CD2-A18E-17AE8D485171}"/>
               </a:ext>
             </a:extLst>
           </p:cNvPr>
@@ -1610,8 +4299,8 @@
         </p:nvSpPr>
         <p:spPr>
           <a:xfrm>
-            <a:off x="839788" y="2505075"/>
-            <a:ext cx="5157787" cy="3684588"/>
+            <a:off x="550863" y="2577270"/>
+            <a:ext cx="5429114" cy="3515555"/>
           </a:xfrm>
         </p:spPr>
         <p:txBody>
@@ -1620,46 +4309,47 @@
           <a:p>
             <a:pPr lvl="0"/>
             <a:r>
-              <a:rPr lang="ko-KR" altLang="en-US"/>
-              <a:t>마스터 텍스트 스타일을 편집하려면 클릭</a:t>
+              <a:rPr lang="en-US"/>
+              <a:t>Click to edit Master text styles</a:t>
             </a:r>
           </a:p>
           <a:p>
             <a:pPr lvl="1"/>
             <a:r>
-              <a:rPr lang="ko-KR" altLang="en-US"/>
-              <a:t>두 번째 수준</a:t>
+              <a:rPr lang="en-US"/>
+              <a:t>Second level</a:t>
             </a:r>
           </a:p>
           <a:p>
             <a:pPr lvl="2"/>
             <a:r>
-              <a:rPr lang="ko-KR" altLang="en-US"/>
-              <a:t>세 번째 수준</a:t>
+              <a:rPr lang="en-US"/>
+              <a:t>Third level</a:t>
             </a:r>
           </a:p>
           <a:p>
             <a:pPr lvl="3"/>
             <a:r>
-              <a:rPr lang="ko-KR" altLang="en-US"/>
-              <a:t>네 번째 수준</a:t>
+              <a:rPr lang="en-US"/>
+              <a:t>Fourth level</a:t>
             </a:r>
           </a:p>
           <a:p>
             <a:pPr lvl="4"/>
             <a:r>
-              <a:rPr lang="ko-KR" altLang="en-US"/>
-              <a:t>다섯 번째 수준</a:t>
+              <a:rPr lang="en-US"/>
+              <a:t>Fifth level</a:t>
             </a:r>
+            <a:endParaRPr lang="en-US" dirty="0"/>
           </a:p>
         </p:txBody>
       </p:sp>
       <p:sp>
         <p:nvSpPr>
-          <p:cNvPr id="5" name="텍스트 개체 틀 4">
-            <a:extLst>
-              <a:ext uri="{FF2B5EF4-FFF2-40B4-BE49-F238E27FC236}">
-                <a16:creationId xmlns:a16="http://schemas.microsoft.com/office/drawing/2014/main" id="{76A13D3E-0B72-377B-9A38-5A29281E98B2}"/>
+          <p:cNvPr id="5" name="Text Placeholder 4">
+            <a:extLst>
+              <a:ext uri="{FF2B5EF4-FFF2-40B4-BE49-F238E27FC236}">
+                <a16:creationId xmlns:a16="http://schemas.microsoft.com/office/drawing/2014/main" id="{34E50F8C-4D64-40FD-AE8C-6A1F3C2A84ED}"/>
               </a:ext>
             </a:extLst>
           </p:cNvPr>
@@ -1672,65 +4362,40 @@
         </p:nvSpPr>
         <p:spPr>
           <a:xfrm>
-            <a:off x="6172200" y="1681163"/>
-            <a:ext cx="5183188" cy="823912"/>
+            <a:off x="6212024" y="1881275"/>
+            <a:ext cx="5436392" cy="535354"/>
           </a:xfrm>
         </p:spPr>
         <p:txBody>
-          <a:bodyPr anchor="b"/>
+          <a:bodyPr vert="horz" wrap="square" lIns="0" tIns="0" rIns="0" bIns="0" rtlCol="0" anchor="b">
+            <a:normAutofit/>
+          </a:bodyPr>
           <a:lstStyle>
-            <a:lvl1pPr marL="0" indent="0">
+            <a:lvl1pPr>
+              <a:defRPr lang="en-US" sz="1400" b="0" cap="all" spc="200" baseline="0" dirty="0">
+                <a:solidFill>
+                  <a:schemeClr val="tx1"/>
+                </a:solidFill>
+              </a:defRPr>
+            </a:lvl1pPr>
+          </a:lstStyle>
+          <a:p>
+            <a:pPr marL="0" lvl="0" indent="0">
               <a:buNone/>
-              <a:defRPr sz="2400" b="1"/>
-            </a:lvl1pPr>
-            <a:lvl2pPr marL="457200" indent="0">
-              <a:buNone/>
-              <a:defRPr sz="2000" b="1"/>
-            </a:lvl2pPr>
-            <a:lvl3pPr marL="914400" indent="0">
-              <a:buNone/>
-              <a:defRPr sz="1800" b="1"/>
-            </a:lvl3pPr>
-            <a:lvl4pPr marL="1371600" indent="0">
-              <a:buNone/>
-              <a:defRPr sz="1600" b="1"/>
-            </a:lvl4pPr>
-            <a:lvl5pPr marL="1828800" indent="0">
-              <a:buNone/>
-              <a:defRPr sz="1600" b="1"/>
-            </a:lvl5pPr>
-            <a:lvl6pPr marL="2286000" indent="0">
-              <a:buNone/>
-              <a:defRPr sz="1600" b="1"/>
-            </a:lvl6pPr>
-            <a:lvl7pPr marL="2743200" indent="0">
-              <a:buNone/>
-              <a:defRPr sz="1600" b="1"/>
-            </a:lvl7pPr>
-            <a:lvl8pPr marL="3200400" indent="0">
-              <a:buNone/>
-              <a:defRPr sz="1600" b="1"/>
-            </a:lvl8pPr>
-            <a:lvl9pPr marL="3657600" indent="0">
-              <a:buNone/>
-              <a:defRPr sz="1600" b="1"/>
-            </a:lvl9pPr>
-          </a:lstStyle>
-          <a:p>
-            <a:pPr lvl="0"/>
+            </a:pPr>
             <a:r>
-              <a:rPr lang="ko-KR" altLang="en-US"/>
-              <a:t>마스터 텍스트 스타일을 편집하려면 클릭</a:t>
+              <a:rPr lang="en-US"/>
+              <a:t>Click to edit Master text styles</a:t>
             </a:r>
           </a:p>
         </p:txBody>
       </p:sp>
       <p:sp>
         <p:nvSpPr>
-          <p:cNvPr id="6" name="내용 개체 틀 5">
-            <a:extLst>
-              <a:ext uri="{FF2B5EF4-FFF2-40B4-BE49-F238E27FC236}">
-                <a16:creationId xmlns:a16="http://schemas.microsoft.com/office/drawing/2014/main" id="{1387C7AB-1C1B-9CC1-B10E-06AACB31FA2F}"/>
+          <p:cNvPr id="6" name="Content Placeholder 5">
+            <a:extLst>
+              <a:ext uri="{FF2B5EF4-FFF2-40B4-BE49-F238E27FC236}">
+                <a16:creationId xmlns:a16="http://schemas.microsoft.com/office/drawing/2014/main" id="{A7AC943E-DB2B-40E0-907F-8EA1404791DE}"/>
               </a:ext>
             </a:extLst>
           </p:cNvPr>
@@ -1743,8 +4408,8 @@
         </p:nvSpPr>
         <p:spPr>
           <a:xfrm>
-            <a:off x="6172200" y="2505075"/>
-            <a:ext cx="5183188" cy="3684588"/>
+            <a:off x="6212023" y="2577270"/>
+            <a:ext cx="5436391" cy="3515555"/>
           </a:xfrm>
         </p:spPr>
         <p:txBody>
@@ -1753,46 +4418,46 @@
           <a:p>
             <a:pPr lvl="0"/>
             <a:r>
-              <a:rPr lang="ko-KR" altLang="en-US"/>
-              <a:t>마스터 텍스트 스타일을 편집하려면 클릭</a:t>
+              <a:rPr lang="en-US"/>
+              <a:t>Click to edit Master text styles</a:t>
             </a:r>
           </a:p>
           <a:p>
             <a:pPr lvl="1"/>
             <a:r>
-              <a:rPr lang="ko-KR" altLang="en-US"/>
-              <a:t>두 번째 수준</a:t>
+              <a:rPr lang="en-US"/>
+              <a:t>Second level</a:t>
             </a:r>
           </a:p>
           <a:p>
             <a:pPr lvl="2"/>
             <a:r>
-              <a:rPr lang="ko-KR" altLang="en-US"/>
-              <a:t>세 번째 수준</a:t>
+              <a:rPr lang="en-US"/>
+              <a:t>Third level</a:t>
             </a:r>
           </a:p>
           <a:p>
             <a:pPr lvl="3"/>
             <a:r>
-              <a:rPr lang="ko-KR" altLang="en-US"/>
-              <a:t>네 번째 수준</a:t>
+              <a:rPr lang="en-US"/>
+              <a:t>Fourth level</a:t>
             </a:r>
           </a:p>
           <a:p>
             <a:pPr lvl="4"/>
             <a:r>
-              <a:rPr lang="ko-KR" altLang="en-US"/>
-              <a:t>다섯 번째 수준</a:t>
+              <a:rPr lang="en-US"/>
+              <a:t>Fifth level</a:t>
             </a:r>
           </a:p>
         </p:txBody>
       </p:sp>
       <p:sp>
         <p:nvSpPr>
-          <p:cNvPr id="7" name="날짜 개체 틀 6">
-            <a:extLst>
-              <a:ext uri="{FF2B5EF4-FFF2-40B4-BE49-F238E27FC236}">
-                <a16:creationId xmlns:a16="http://schemas.microsoft.com/office/drawing/2014/main" id="{3A100EA2-C825-1FCC-F2C6-4F7550E899F4}"/>
+          <p:cNvPr id="7" name="Date Placeholder 6">
+            <a:extLst>
+              <a:ext uri="{FF2B5EF4-FFF2-40B4-BE49-F238E27FC236}">
+                <a16:creationId xmlns:a16="http://schemas.microsoft.com/office/drawing/2014/main" id="{DDCDCD5B-3F26-4AFA-8BD4-E5D8DD2AF494}"/>
               </a:ext>
             </a:extLst>
           </p:cNvPr>
@@ -1808,20 +4473,20 @@
           <a:bodyPr/>
           <a:lstStyle/>
           <a:p>
-            <a:fld id="{13F532C3-E321-48AC-B9B2-1BFF984D6D7A}" type="datetimeFigureOut">
-              <a:rPr lang="ko-KR" altLang="en-US" smtClean="0"/>
-              <a:t>2023-06-21</a:t>
+            <a:fld id="{C13138FA-2E87-4873-8BBA-13E447C9A99A}" type="datetime2">
+              <a:rPr lang="en-US" smtClean="0"/>
+              <a:t>Thursday, June 22, 2023</a:t>
             </a:fld>
-            <a:endParaRPr lang="ko-KR" altLang="en-US"/>
+            <a:endParaRPr lang="en-US"/>
           </a:p>
         </p:txBody>
       </p:sp>
       <p:sp>
         <p:nvSpPr>
-          <p:cNvPr id="8" name="바닥글 개체 틀 7">
-            <a:extLst>
-              <a:ext uri="{FF2B5EF4-FFF2-40B4-BE49-F238E27FC236}">
-                <a16:creationId xmlns:a16="http://schemas.microsoft.com/office/drawing/2014/main" id="{2389B2E8-959A-D76D-5F42-B116D6F5E9AE}"/>
+          <p:cNvPr id="8" name="Footer Placeholder 7">
+            <a:extLst>
+              <a:ext uri="{FF2B5EF4-FFF2-40B4-BE49-F238E27FC236}">
+                <a16:creationId xmlns:a16="http://schemas.microsoft.com/office/drawing/2014/main" id="{3D10D1EE-83A0-4FB5-9B25-8A73DE891A87}"/>
               </a:ext>
             </a:extLst>
           </p:cNvPr>
@@ -1837,16 +4502,19 @@
           <a:bodyPr/>
           <a:lstStyle/>
           <a:p>
-            <a:endParaRPr lang="ko-KR" altLang="en-US"/>
+            <a:r>
+              <a:rPr lang="en-US"/>
+              <a:t>Sample Footer</a:t>
+            </a:r>
           </a:p>
         </p:txBody>
       </p:sp>
       <p:sp>
         <p:nvSpPr>
-          <p:cNvPr id="9" name="슬라이드 번호 개체 틀 8">
-            <a:extLst>
-              <a:ext uri="{FF2B5EF4-FFF2-40B4-BE49-F238E27FC236}">
-                <a16:creationId xmlns:a16="http://schemas.microsoft.com/office/drawing/2014/main" id="{FFF716E2-3C99-FC90-1125-2031F7CDFF68}"/>
+          <p:cNvPr id="9" name="Slide Number Placeholder 8">
+            <a:extLst>
+              <a:ext uri="{FF2B5EF4-FFF2-40B4-BE49-F238E27FC236}">
+                <a16:creationId xmlns:a16="http://schemas.microsoft.com/office/drawing/2014/main" id="{03031C35-2E5B-491D-85ED-DB42A4FE1623}"/>
               </a:ext>
             </a:extLst>
           </p:cNvPr>
@@ -1862,18 +4530,18 @@
           <a:bodyPr/>
           <a:lstStyle/>
           <a:p>
-            <a:fld id="{7B81F63B-0CCB-4C66-B328-A984CFCA8555}" type="slidenum">
-              <a:rPr lang="ko-KR" altLang="en-US" smtClean="0"/>
+            <a:fld id="{DBA1B0FB-D917-4C8C-928F-313BD683BF39}" type="slidenum">
+              <a:rPr lang="en-US" smtClean="0"/>
               <a:t>‹#›</a:t>
             </a:fld>
-            <a:endParaRPr lang="ko-KR" altLang="en-US"/>
+            <a:endParaRPr lang="en-US"/>
           </a:p>
         </p:txBody>
       </p:sp>
     </p:spTree>
     <p:extLst>
       <p:ext uri="{BB962C8B-B14F-4D97-AF65-F5344CB8AC3E}">
-        <p14:creationId xmlns:p14="http://schemas.microsoft.com/office/powerpoint/2010/main" val="1911050669"/>
+        <p14:creationId xmlns:p14="http://schemas.microsoft.com/office/powerpoint/2010/main" val="1355002383"/>
       </p:ext>
     </p:extLst>
   </p:cSld>
@@ -1885,7 +4553,7 @@
 
 <file path=ppt/slideLayouts/slideLayout6.xml><?xml version="1.0" encoding="utf-8"?>
 <p:sldLayout xmlns:a="http://schemas.openxmlformats.org/drawingml/2006/main" xmlns:r="http://schemas.openxmlformats.org/officeDocument/2006/relationships" xmlns:p="http://schemas.openxmlformats.org/presentationml/2006/main" type="titleOnly" preserve="1">
-  <p:cSld name="제목만">
+  <p:cSld name="Title Only">
     <p:spTree>
       <p:nvGrpSpPr>
         <p:cNvPr id="1" name=""/>
@@ -1902,10 +4570,10 @@
       </p:grpSpPr>
       <p:sp>
         <p:nvSpPr>
-          <p:cNvPr id="2" name="제목 1">
-            <a:extLst>
-              <a:ext uri="{FF2B5EF4-FFF2-40B4-BE49-F238E27FC236}">
-                <a16:creationId xmlns:a16="http://schemas.microsoft.com/office/drawing/2014/main" id="{4D746F12-82B1-D781-7E5B-2D8A639C1F5D}"/>
+          <p:cNvPr id="2" name="Title 1">
+            <a:extLst>
+              <a:ext uri="{FF2B5EF4-FFF2-40B4-BE49-F238E27FC236}">
+                <a16:creationId xmlns:a16="http://schemas.microsoft.com/office/drawing/2014/main" id="{6B22053C-0E9C-4159-B7C9-6AB74343918D}"/>
               </a:ext>
             </a:extLst>
           </p:cNvPr>
@@ -1916,24 +4584,41 @@
             <p:ph type="title"/>
           </p:nvPr>
         </p:nvSpPr>
-        <p:spPr/>
+        <p:spPr>
+          <a:xfrm>
+            <a:off x="3359149" y="550799"/>
+            <a:ext cx="8283313" cy="5542025"/>
+          </a:xfrm>
+        </p:spPr>
         <p:txBody>
-          <a:bodyPr/>
-          <a:lstStyle/>
-          <a:p>
+          <a:bodyPr vert="horz" wrap="square" lIns="0" tIns="0" rIns="0" bIns="0" rtlCol="0" anchor="ctr" anchorCtr="0">
+            <a:normAutofit/>
+          </a:bodyPr>
+          <a:lstStyle>
+            <a:lvl1pPr>
+              <a:defRPr lang="en-US" dirty="0"/>
+            </a:lvl1pPr>
+          </a:lstStyle>
+          <a:p>
+            <a:pPr lvl="0">
+              <a:lnSpc>
+                <a:spcPct val="100000"/>
+              </a:lnSpc>
+            </a:pPr>
             <a:r>
-              <a:rPr lang="ko-KR" altLang="en-US"/>
-              <a:t>마스터 제목 스타일 편집</a:t>
+              <a:rPr lang="en-US"/>
+              <a:t>Click to edit Master title style</a:t>
             </a:r>
+            <a:endParaRPr lang="en-US" dirty="0"/>
           </a:p>
         </p:txBody>
       </p:sp>
       <p:sp>
         <p:nvSpPr>
-          <p:cNvPr id="3" name="날짜 개체 틀 2">
-            <a:extLst>
-              <a:ext uri="{FF2B5EF4-FFF2-40B4-BE49-F238E27FC236}">
-                <a16:creationId xmlns:a16="http://schemas.microsoft.com/office/drawing/2014/main" id="{2967DC7B-0A58-9E04-DFB7-5B007EACDEFD}"/>
+          <p:cNvPr id="3" name="Date Placeholder 2">
+            <a:extLst>
+              <a:ext uri="{FF2B5EF4-FFF2-40B4-BE49-F238E27FC236}">
+                <a16:creationId xmlns:a16="http://schemas.microsoft.com/office/drawing/2014/main" id="{D4F51F65-E111-4656-83BE-CFCDE2DD6CD6}"/>
               </a:ext>
             </a:extLst>
           </p:cNvPr>
@@ -1949,20 +4634,20 @@
           <a:bodyPr/>
           <a:lstStyle/>
           <a:p>
-            <a:fld id="{13F532C3-E321-48AC-B9B2-1BFF984D6D7A}" type="datetimeFigureOut">
-              <a:rPr lang="ko-KR" altLang="en-US" smtClean="0"/>
-              <a:t>2023-06-21</a:t>
+            <a:fld id="{D75BB40A-97BD-4BFB-B639-0BFF95FDE8B7}" type="datetime2">
+              <a:rPr lang="en-US" smtClean="0"/>
+              <a:t>Thursday, June 22, 2023</a:t>
             </a:fld>
-            <a:endParaRPr lang="ko-KR" altLang="en-US"/>
+            <a:endParaRPr lang="en-US"/>
           </a:p>
         </p:txBody>
       </p:sp>
       <p:sp>
         <p:nvSpPr>
-          <p:cNvPr id="4" name="바닥글 개체 틀 3">
-            <a:extLst>
-              <a:ext uri="{FF2B5EF4-FFF2-40B4-BE49-F238E27FC236}">
-                <a16:creationId xmlns:a16="http://schemas.microsoft.com/office/drawing/2014/main" id="{79C21CD6-59DF-C514-8377-82F111813EAB}"/>
+          <p:cNvPr id="4" name="Footer Placeholder 3">
+            <a:extLst>
+              <a:ext uri="{FF2B5EF4-FFF2-40B4-BE49-F238E27FC236}">
+                <a16:creationId xmlns:a16="http://schemas.microsoft.com/office/drawing/2014/main" id="{F9FF82CB-2D17-4918-821E-485475CF243B}"/>
               </a:ext>
             </a:extLst>
           </p:cNvPr>
@@ -1978,16 +4663,19 @@
           <a:bodyPr/>
           <a:lstStyle/>
           <a:p>
-            <a:endParaRPr lang="ko-KR" altLang="en-US"/>
+            <a:r>
+              <a:rPr lang="en-US"/>
+              <a:t>Sample Footer</a:t>
+            </a:r>
           </a:p>
         </p:txBody>
       </p:sp>
       <p:sp>
         <p:nvSpPr>
-          <p:cNvPr id="5" name="슬라이드 번호 개체 틀 4">
-            <a:extLst>
-              <a:ext uri="{FF2B5EF4-FFF2-40B4-BE49-F238E27FC236}">
-                <a16:creationId xmlns:a16="http://schemas.microsoft.com/office/drawing/2014/main" id="{B5D1B185-FF49-3FB6-D616-1401B7C38953}"/>
+          <p:cNvPr id="5" name="Slide Number Placeholder 4">
+            <a:extLst>
+              <a:ext uri="{FF2B5EF4-FFF2-40B4-BE49-F238E27FC236}">
+                <a16:creationId xmlns:a16="http://schemas.microsoft.com/office/drawing/2014/main" id="{7B66589D-A056-4817-AE15-39D87FE13169}"/>
               </a:ext>
             </a:extLst>
           </p:cNvPr>
@@ -2003,18 +4691,937 @@
           <a:bodyPr/>
           <a:lstStyle/>
           <a:p>
-            <a:fld id="{7B81F63B-0CCB-4C66-B328-A984CFCA8555}" type="slidenum">
-              <a:rPr lang="ko-KR" altLang="en-US" smtClean="0"/>
+            <a:fld id="{DBA1B0FB-D917-4C8C-928F-313BD683BF39}" type="slidenum">
+              <a:rPr lang="en-US" smtClean="0"/>
               <a:t>‹#›</a:t>
             </a:fld>
-            <a:endParaRPr lang="ko-KR" altLang="en-US"/>
+            <a:endParaRPr lang="en-US"/>
           </a:p>
         </p:txBody>
       </p:sp>
+      <p:sp>
+        <p:nvSpPr>
+          <p:cNvPr id="39" name="Freeform: Shape 38">
+            <a:extLst>
+              <a:ext uri="{FF2B5EF4-FFF2-40B4-BE49-F238E27FC236}">
+                <a16:creationId xmlns:a16="http://schemas.microsoft.com/office/drawing/2014/main" id="{E489F067-39E1-4757-BC11-6169A343F2E1}"/>
+              </a:ext>
+            </a:extLst>
+          </p:cNvPr>
+          <p:cNvSpPr>
+            <a:spLocks noChangeAspect="1"/>
+          </p:cNvSpPr>
+          <p:nvPr/>
+        </p:nvSpPr>
+        <p:spPr>
+          <a:xfrm rot="18900000" flipV="1">
+            <a:off x="-410727" y="3958416"/>
+            <a:ext cx="3536330" cy="1853969"/>
+          </a:xfrm>
+          <a:custGeom>
+            <a:avLst/>
+            <a:gdLst>
+              <a:gd name="connsiteX0" fmla="*/ 3536330 w 3536330"/>
+              <a:gd name="connsiteY0" fmla="*/ 1853969 h 1853969"/>
+              <a:gd name="connsiteX1" fmla="*/ 1682362 w 3536330"/>
+              <a:gd name="connsiteY1" fmla="*/ 0 h 1853969"/>
+              <a:gd name="connsiteX2" fmla="*/ 52157 w 3536330"/>
+              <a:gd name="connsiteY2" fmla="*/ 970257 h 1853969"/>
+              <a:gd name="connsiteX3" fmla="*/ 0 w 3536330"/>
+              <a:gd name="connsiteY3" fmla="*/ 1078528 h 1853969"/>
+              <a:gd name="connsiteX4" fmla="*/ 757215 w 3536330"/>
+              <a:gd name="connsiteY4" fmla="*/ 1835743 h 1853969"/>
+              <a:gd name="connsiteX5" fmla="*/ 774211 w 3536330"/>
+              <a:gd name="connsiteY5" fmla="*/ 1667149 h 1853969"/>
+              <a:gd name="connsiteX6" fmla="*/ 1682362 w 3536330"/>
+              <a:gd name="connsiteY6" fmla="*/ 926985 h 1853969"/>
+              <a:gd name="connsiteX7" fmla="*/ 2609345 w 3536330"/>
+              <a:gd name="connsiteY7" fmla="*/ 1853969 h 1853969"/>
+            </a:gdLst>
+            <a:ahLst/>
+            <a:cxnLst>
+              <a:cxn ang="0">
+                <a:pos x="connsiteX0" y="connsiteY0"/>
+              </a:cxn>
+              <a:cxn ang="0">
+                <a:pos x="connsiteX1" y="connsiteY1"/>
+              </a:cxn>
+              <a:cxn ang="0">
+                <a:pos x="connsiteX2" y="connsiteY2"/>
+              </a:cxn>
+              <a:cxn ang="0">
+                <a:pos x="connsiteX3" y="connsiteY3"/>
+              </a:cxn>
+              <a:cxn ang="0">
+                <a:pos x="connsiteX4" y="connsiteY4"/>
+              </a:cxn>
+              <a:cxn ang="0">
+                <a:pos x="connsiteX5" y="connsiteY5"/>
+              </a:cxn>
+              <a:cxn ang="0">
+                <a:pos x="connsiteX6" y="connsiteY6"/>
+              </a:cxn>
+              <a:cxn ang="0">
+                <a:pos x="connsiteX7" y="connsiteY7"/>
+              </a:cxn>
+            </a:cxnLst>
+            <a:rect l="l" t="t" r="r" b="b"/>
+            <a:pathLst>
+              <a:path w="3536330" h="1853969">
+                <a:moveTo>
+                  <a:pt x="3536330" y="1853969"/>
+                </a:moveTo>
+                <a:cubicBezTo>
+                  <a:pt x="3536330" y="830051"/>
+                  <a:pt x="2706280" y="0"/>
+                  <a:pt x="1682362" y="0"/>
+                </a:cubicBezTo>
+                <a:cubicBezTo>
+                  <a:pt x="978418" y="0"/>
+                  <a:pt x="366107" y="392328"/>
+                  <a:pt x="52157" y="970257"/>
+                </a:cubicBezTo>
+                <a:lnTo>
+                  <a:pt x="0" y="1078528"/>
+                </a:lnTo>
+                <a:lnTo>
+                  <a:pt x="757215" y="1835743"/>
+                </a:lnTo>
+                <a:lnTo>
+                  <a:pt x="774211" y="1667149"/>
+                </a:lnTo>
+                <a:cubicBezTo>
+                  <a:pt x="860649" y="1244739"/>
+                  <a:pt x="1234397" y="926985"/>
+                  <a:pt x="1682362" y="926985"/>
+                </a:cubicBezTo>
+                <a:cubicBezTo>
+                  <a:pt x="2194320" y="926985"/>
+                  <a:pt x="2609345" y="1342010"/>
+                  <a:pt x="2609345" y="1853969"/>
+                </a:cubicBezTo>
+                <a:close/>
+              </a:path>
+            </a:pathLst>
+          </a:custGeom>
+          <a:gradFill flip="none" rotWithShape="1">
+            <a:gsLst>
+              <a:gs pos="97000">
+                <a:schemeClr val="bg2"/>
+              </a:gs>
+              <a:gs pos="31000">
+                <a:schemeClr val="bg2">
+                  <a:lumMod val="90000"/>
+                  <a:lumOff val="10000"/>
+                </a:schemeClr>
+              </a:gs>
+            </a:gsLst>
+            <a:lin ang="15000000" scaled="0"/>
+            <a:tileRect/>
+          </a:gradFill>
+          <a:ln>
+            <a:noFill/>
+          </a:ln>
+          <a:effectLst>
+            <a:innerShdw blurRad="355600" dist="101600" dir="16200000">
+              <a:schemeClr val="accent1">
+                <a:lumMod val="60000"/>
+                <a:lumOff val="40000"/>
+                <a:alpha val="80000"/>
+              </a:schemeClr>
+            </a:innerShdw>
+          </a:effectLst>
+        </p:spPr>
+        <p:style>
+          <a:lnRef idx="2">
+            <a:schemeClr val="accent1">
+              <a:shade val="50000"/>
+            </a:schemeClr>
+          </a:lnRef>
+          <a:fillRef idx="1">
+            <a:schemeClr val="accent1"/>
+          </a:fillRef>
+          <a:effectRef idx="0">
+            <a:schemeClr val="accent1"/>
+          </a:effectRef>
+          <a:fontRef idx="minor">
+            <a:schemeClr val="lt1"/>
+          </a:fontRef>
+        </p:style>
+        <p:txBody>
+          <a:bodyPr wrap="square" rtlCol="0" anchor="ctr">
+            <a:noAutofit/>
+          </a:bodyPr>
+          <a:lstStyle/>
+          <a:p>
+            <a:pPr algn="ctr"/>
+            <a:endParaRPr lang="en-US" dirty="0"/>
+          </a:p>
+        </p:txBody>
+      </p:sp>
+      <p:sp>
+        <p:nvSpPr>
+          <p:cNvPr id="33" name="Freeform: Shape 32">
+            <a:extLst>
+              <a:ext uri="{FF2B5EF4-FFF2-40B4-BE49-F238E27FC236}">
+                <a16:creationId xmlns:a16="http://schemas.microsoft.com/office/drawing/2014/main" id="{DD231011-607F-42F1-B2D9-2BA8E91CC6AF}"/>
+              </a:ext>
+            </a:extLst>
+          </p:cNvPr>
+          <p:cNvSpPr>
+            <a:spLocks noChangeAspect="1"/>
+          </p:cNvSpPr>
+          <p:nvPr/>
+        </p:nvSpPr>
+        <p:spPr>
+          <a:xfrm rot="18900000" flipV="1">
+            <a:off x="-481151" y="3649708"/>
+            <a:ext cx="3478701" cy="2164843"/>
+          </a:xfrm>
+          <a:custGeom>
+            <a:avLst/>
+            <a:gdLst>
+              <a:gd name="connsiteX0" fmla="*/ 3478701 w 3478701"/>
+              <a:gd name="connsiteY0" fmla="*/ 2164843 h 2164843"/>
+              <a:gd name="connsiteX1" fmla="*/ 1624733 w 3478701"/>
+              <a:gd name="connsiteY1" fmla="*/ 0 h 2164843"/>
+              <a:gd name="connsiteX2" fmla="*/ 87393 w 3478701"/>
+              <a:gd name="connsiteY2" fmla="*/ 954459 h 2164843"/>
+              <a:gd name="connsiteX3" fmla="*/ 0 w 3478701"/>
+              <a:gd name="connsiteY3" fmla="*/ 1122434 h 2164843"/>
+              <a:gd name="connsiteX4" fmla="*/ 736015 w 3478701"/>
+              <a:gd name="connsiteY4" fmla="*/ 1858449 h 2164843"/>
+              <a:gd name="connsiteX5" fmla="*/ 739424 w 3478701"/>
+              <a:gd name="connsiteY5" fmla="*/ 1842964 h 2164843"/>
+              <a:gd name="connsiteX6" fmla="*/ 1624733 w 3478701"/>
+              <a:gd name="connsiteY6" fmla="*/ 1082422 h 2164843"/>
+              <a:gd name="connsiteX7" fmla="*/ 2551716 w 3478701"/>
+              <a:gd name="connsiteY7" fmla="*/ 2164843 h 2164843"/>
+            </a:gdLst>
+            <a:ahLst/>
+            <a:cxnLst>
+              <a:cxn ang="0">
+                <a:pos x="connsiteX0" y="connsiteY0"/>
+              </a:cxn>
+              <a:cxn ang="0">
+                <a:pos x="connsiteX1" y="connsiteY1"/>
+              </a:cxn>
+              <a:cxn ang="0">
+                <a:pos x="connsiteX2" y="connsiteY2"/>
+              </a:cxn>
+              <a:cxn ang="0">
+                <a:pos x="connsiteX3" y="connsiteY3"/>
+              </a:cxn>
+              <a:cxn ang="0">
+                <a:pos x="connsiteX4" y="connsiteY4"/>
+              </a:cxn>
+              <a:cxn ang="0">
+                <a:pos x="connsiteX5" y="connsiteY5"/>
+              </a:cxn>
+              <a:cxn ang="0">
+                <a:pos x="connsiteX6" y="connsiteY6"/>
+              </a:cxn>
+              <a:cxn ang="0">
+                <a:pos x="connsiteX7" y="connsiteY7"/>
+              </a:cxn>
+            </a:cxnLst>
+            <a:rect l="l" t="t" r="r" b="b"/>
+            <a:pathLst>
+              <a:path w="3478701" h="2164843">
+                <a:moveTo>
+                  <a:pt x="3478701" y="2164843"/>
+                </a:moveTo>
+                <a:cubicBezTo>
+                  <a:pt x="3478701" y="969234"/>
+                  <a:pt x="2648651" y="0"/>
+                  <a:pt x="1624733" y="0"/>
+                </a:cubicBezTo>
+                <a:cubicBezTo>
+                  <a:pt x="984784" y="0"/>
+                  <a:pt x="420564" y="378607"/>
+                  <a:pt x="87393" y="954459"/>
+                </a:cubicBezTo>
+                <a:lnTo>
+                  <a:pt x="0" y="1122434"/>
+                </a:lnTo>
+                <a:lnTo>
+                  <a:pt x="736015" y="1858449"/>
+                </a:lnTo>
+                <a:lnTo>
+                  <a:pt x="739424" y="1842964"/>
+                </a:lnTo>
+                <a:cubicBezTo>
+                  <a:pt x="856791" y="1402344"/>
+                  <a:pt x="1208766" y="1082422"/>
+                  <a:pt x="1624733" y="1082422"/>
+                </a:cubicBezTo>
+                <a:cubicBezTo>
+                  <a:pt x="2136692" y="1082422"/>
+                  <a:pt x="2551716" y="1567038"/>
+                  <a:pt x="2551716" y="2164843"/>
+                </a:cubicBezTo>
+                <a:close/>
+              </a:path>
+            </a:pathLst>
+          </a:custGeom>
+          <a:solidFill>
+            <a:schemeClr val="bg2">
+              <a:lumMod val="50000"/>
+              <a:lumOff val="50000"/>
+              <a:alpha val="40000"/>
+            </a:schemeClr>
+          </a:solidFill>
+          <a:ln>
+            <a:noFill/>
+          </a:ln>
+          <a:effectLst>
+            <a:softEdge rad="381000"/>
+          </a:effectLst>
+        </p:spPr>
+        <p:style>
+          <a:lnRef idx="2">
+            <a:schemeClr val="accent1">
+              <a:shade val="50000"/>
+            </a:schemeClr>
+          </a:lnRef>
+          <a:fillRef idx="1">
+            <a:schemeClr val="accent1"/>
+          </a:fillRef>
+          <a:effectRef idx="0">
+            <a:schemeClr val="accent1"/>
+          </a:effectRef>
+          <a:fontRef idx="minor">
+            <a:schemeClr val="lt1"/>
+          </a:fontRef>
+        </p:style>
+        <p:txBody>
+          <a:bodyPr wrap="square" rtlCol="0" anchor="ctr">
+            <a:noAutofit/>
+          </a:bodyPr>
+          <a:lstStyle/>
+          <a:p>
+            <a:pPr algn="ctr"/>
+            <a:endParaRPr lang="en-US" dirty="0"/>
+          </a:p>
+        </p:txBody>
+      </p:sp>
+      <p:sp>
+        <p:nvSpPr>
+          <p:cNvPr id="24" name="Oval 23">
+            <a:extLst>
+              <a:ext uri="{FF2B5EF4-FFF2-40B4-BE49-F238E27FC236}">
+                <a16:creationId xmlns:a16="http://schemas.microsoft.com/office/drawing/2014/main" id="{EC472EFA-56B5-4A41-8D4B-E9F37727F34D}"/>
+              </a:ext>
+            </a:extLst>
+          </p:cNvPr>
+          <p:cNvSpPr/>
+          <p:nvPr/>
+        </p:nvSpPr>
+        <p:spPr>
+          <a:xfrm rot="13500000" flipV="1">
+            <a:off x="1512277" y="2840042"/>
+            <a:ext cx="214196" cy="933178"/>
+          </a:xfrm>
+          <a:prstGeom prst="ellipse">
+            <a:avLst/>
+          </a:prstGeom>
+          <a:solidFill>
+            <a:schemeClr val="bg2">
+              <a:lumMod val="90000"/>
+              <a:lumOff val="10000"/>
+            </a:schemeClr>
+          </a:solidFill>
+          <a:ln>
+            <a:noFill/>
+          </a:ln>
+          <a:effectLst>
+            <a:innerShdw blurRad="1270000" dist="2540000">
+              <a:schemeClr val="accent1">
+                <a:lumMod val="60000"/>
+                <a:lumOff val="40000"/>
+                <a:alpha val="0"/>
+              </a:schemeClr>
+            </a:innerShdw>
+          </a:effectLst>
+        </p:spPr>
+        <p:style>
+          <a:lnRef idx="2">
+            <a:schemeClr val="accent1">
+              <a:shade val="50000"/>
+            </a:schemeClr>
+          </a:lnRef>
+          <a:fillRef idx="1">
+            <a:schemeClr val="accent1"/>
+          </a:fillRef>
+          <a:effectRef idx="0">
+            <a:schemeClr val="accent1"/>
+          </a:effectRef>
+          <a:fontRef idx="minor">
+            <a:schemeClr val="lt1"/>
+          </a:fontRef>
+        </p:style>
+        <p:txBody>
+          <a:bodyPr rot="0" spcFirstLastPara="0" vertOverflow="overflow" horzOverflow="overflow" vert="horz" wrap="square" lIns="91440" tIns="45720" rIns="91440" bIns="45720" numCol="1" spcCol="0" rtlCol="0" fromWordArt="0" anchor="ctr" anchorCtr="0" forceAA="0" compatLnSpc="1">
+            <a:prstTxWarp prst="textNoShape">
+              <a:avLst/>
+            </a:prstTxWarp>
+            <a:noAutofit/>
+          </a:bodyPr>
+          <a:lstStyle/>
+          <a:p>
+            <a:pPr algn="ctr"/>
+            <a:endParaRPr lang="en-US"/>
+          </a:p>
+        </p:txBody>
+      </p:sp>
+      <p:sp>
+        <p:nvSpPr>
+          <p:cNvPr id="42" name="Oval 41">
+            <a:extLst>
+              <a:ext uri="{FF2B5EF4-FFF2-40B4-BE49-F238E27FC236}">
+                <a16:creationId xmlns:a16="http://schemas.microsoft.com/office/drawing/2014/main" id="{33781B6C-21AD-489D-A3CB-522BB2AC543F}"/>
+              </a:ext>
+            </a:extLst>
+          </p:cNvPr>
+          <p:cNvSpPr>
+            <a:spLocks noChangeAspect="1"/>
+          </p:cNvSpPr>
+          <p:nvPr/>
+        </p:nvSpPr>
+        <p:spPr>
+          <a:xfrm>
+            <a:off x="1780661" y="385236"/>
+            <a:ext cx="1080000" cy="1080000"/>
+          </a:xfrm>
+          <a:prstGeom prst="ellipse">
+            <a:avLst/>
+          </a:prstGeom>
+          <a:gradFill flip="none" rotWithShape="1">
+            <a:gsLst>
+              <a:gs pos="100000">
+                <a:schemeClr val="bg2">
+                  <a:lumMod val="50000"/>
+                  <a:lumOff val="50000"/>
+                </a:schemeClr>
+              </a:gs>
+              <a:gs pos="60000">
+                <a:schemeClr val="bg2">
+                  <a:lumMod val="100000"/>
+                </a:schemeClr>
+              </a:gs>
+            </a:gsLst>
+            <a:path path="circle">
+              <a:fillToRect l="100000" b="100000"/>
+            </a:path>
+            <a:tileRect t="-100000" r="-100000"/>
+          </a:gradFill>
+          <a:ln>
+            <a:noFill/>
+          </a:ln>
+          <a:effectLst>
+            <a:innerShdw blurRad="254000" dist="127000" dir="2700000">
+              <a:schemeClr val="accent1">
+                <a:lumMod val="60000"/>
+                <a:lumOff val="40000"/>
+                <a:alpha val="40000"/>
+              </a:schemeClr>
+            </a:innerShdw>
+            <a:softEdge rad="0"/>
+          </a:effectLst>
+        </p:spPr>
+        <p:style>
+          <a:lnRef idx="2">
+            <a:schemeClr val="accent1">
+              <a:shade val="50000"/>
+            </a:schemeClr>
+          </a:lnRef>
+          <a:fillRef idx="1">
+            <a:schemeClr val="accent1"/>
+          </a:fillRef>
+          <a:effectRef idx="0">
+            <a:schemeClr val="accent1"/>
+          </a:effectRef>
+          <a:fontRef idx="minor">
+            <a:schemeClr val="lt1"/>
+          </a:fontRef>
+        </p:style>
+        <p:txBody>
+          <a:bodyPr rot="0" spcFirstLastPara="0" vertOverflow="overflow" horzOverflow="overflow" vert="horz" wrap="square" lIns="91440" tIns="45720" rIns="91440" bIns="45720" numCol="1" spcCol="0" rtlCol="0" fromWordArt="0" anchor="ctr" anchorCtr="0" forceAA="0" compatLnSpc="1">
+            <a:prstTxWarp prst="textNoShape">
+              <a:avLst/>
+            </a:prstTxWarp>
+            <a:noAutofit/>
+          </a:bodyPr>
+          <a:lstStyle/>
+          <a:p>
+            <a:pPr algn="ctr"/>
+            <a:endParaRPr lang="en-US"/>
+          </a:p>
+        </p:txBody>
+      </p:sp>
+      <p:grpSp>
+        <p:nvGrpSpPr>
+          <p:cNvPr id="51" name="Group 50">
+            <a:extLst>
+              <a:ext uri="{FF2B5EF4-FFF2-40B4-BE49-F238E27FC236}">
+                <a16:creationId xmlns:a16="http://schemas.microsoft.com/office/drawing/2014/main" id="{01AD5B80-530E-44CD-8D4A-2796FB214CBF}"/>
+              </a:ext>
+            </a:extLst>
+          </p:cNvPr>
+          <p:cNvGrpSpPr/>
+          <p:nvPr/>
+        </p:nvGrpSpPr>
+        <p:grpSpPr>
+          <a:xfrm>
+            <a:off x="623181" y="1514007"/>
+            <a:ext cx="734257" cy="760506"/>
+            <a:chOff x="5243759" y="1363788"/>
+            <a:chExt cx="734257" cy="760506"/>
+          </a:xfrm>
+        </p:grpSpPr>
+        <p:sp>
+          <p:nvSpPr>
+            <p:cNvPr id="52" name="Freeform 5">
+              <a:extLst>
+                <a:ext uri="{FF2B5EF4-FFF2-40B4-BE49-F238E27FC236}">
+                  <a16:creationId xmlns:a16="http://schemas.microsoft.com/office/drawing/2014/main" id="{2F746AA8-9050-4515-9B17-BC8503685299}"/>
+                </a:ext>
+              </a:extLst>
+            </p:cNvPr>
+            <p:cNvSpPr>
+              <a:spLocks/>
+            </p:cNvSpPr>
+            <p:nvPr/>
+          </p:nvSpPr>
+          <p:spPr bwMode="auto">
+            <a:xfrm rot="1800000">
+              <a:off x="5356930" y="1363788"/>
+              <a:ext cx="621086" cy="364601"/>
+            </a:xfrm>
+            <a:custGeom>
+              <a:avLst/>
+              <a:gdLst>
+                <a:gd name="T0" fmla="*/ 266 w 540"/>
+                <a:gd name="T1" fmla="*/ 0 h 317"/>
+                <a:gd name="T2" fmla="*/ 0 w 540"/>
+                <a:gd name="T3" fmla="*/ 158 h 317"/>
+                <a:gd name="T4" fmla="*/ 266 w 540"/>
+                <a:gd name="T5" fmla="*/ 317 h 317"/>
+                <a:gd name="T6" fmla="*/ 540 w 540"/>
+                <a:gd name="T7" fmla="*/ 158 h 317"/>
+                <a:gd name="T8" fmla="*/ 266 w 540"/>
+                <a:gd name="T9" fmla="*/ 0 h 317"/>
+              </a:gdLst>
+              <a:ahLst/>
+              <a:cxnLst>
+                <a:cxn ang="0">
+                  <a:pos x="T0" y="T1"/>
+                </a:cxn>
+                <a:cxn ang="0">
+                  <a:pos x="T2" y="T3"/>
+                </a:cxn>
+                <a:cxn ang="0">
+                  <a:pos x="T4" y="T5"/>
+                </a:cxn>
+                <a:cxn ang="0">
+                  <a:pos x="T6" y="T7"/>
+                </a:cxn>
+                <a:cxn ang="0">
+                  <a:pos x="T8" y="T9"/>
+                </a:cxn>
+              </a:cxnLst>
+              <a:rect l="0" t="0" r="r" b="b"/>
+              <a:pathLst>
+                <a:path w="540" h="317">
+                  <a:moveTo>
+                    <a:pt x="266" y="0"/>
+                  </a:moveTo>
+                  <a:lnTo>
+                    <a:pt x="0" y="158"/>
+                  </a:lnTo>
+                  <a:lnTo>
+                    <a:pt x="266" y="317"/>
+                  </a:lnTo>
+                  <a:lnTo>
+                    <a:pt x="540" y="158"/>
+                  </a:lnTo>
+                  <a:lnTo>
+                    <a:pt x="266" y="0"/>
+                  </a:lnTo>
+                  <a:close/>
+                </a:path>
+              </a:pathLst>
+            </a:custGeom>
+            <a:gradFill flip="none" rotWithShape="1">
+              <a:gsLst>
+                <a:gs pos="20000">
+                  <a:schemeClr val="bg2">
+                    <a:lumMod val="90000"/>
+                    <a:lumOff val="10000"/>
+                    <a:alpha val="20000"/>
+                  </a:schemeClr>
+                </a:gs>
+                <a:gs pos="100000">
+                  <a:schemeClr val="accent1">
+                    <a:lumMod val="60000"/>
+                    <a:lumOff val="40000"/>
+                    <a:alpha val="20000"/>
+                  </a:schemeClr>
+                </a:gs>
+              </a:gsLst>
+              <a:lin ang="0" scaled="0"/>
+              <a:tileRect/>
+            </a:gradFill>
+            <a:ln>
+              <a:noFill/>
+            </a:ln>
+            <a:effectLst>
+              <a:innerShdw blurRad="254000">
+                <a:schemeClr val="bg2">
+                  <a:lumMod val="90000"/>
+                  <a:lumOff val="10000"/>
+                </a:schemeClr>
+              </a:innerShdw>
+            </a:effectLst>
+          </p:spPr>
+          <p:style>
+            <a:lnRef idx="2">
+              <a:schemeClr val="accent1">
+                <a:shade val="50000"/>
+              </a:schemeClr>
+            </a:lnRef>
+            <a:fillRef idx="1">
+              <a:schemeClr val="accent1"/>
+            </a:fillRef>
+            <a:effectRef idx="0">
+              <a:schemeClr val="accent1"/>
+            </a:effectRef>
+            <a:fontRef idx="minor">
+              <a:schemeClr val="lt1"/>
+            </a:fontRef>
+          </p:style>
+          <p:txBody>
+            <a:bodyPr rot="0" spcFirstLastPara="0" vertOverflow="overflow" horzOverflow="overflow" vert="horz" wrap="square" lIns="91440" tIns="45720" rIns="91440" bIns="45720" numCol="1" spcCol="0" rtlCol="0" fromWordArt="0" anchor="ctr" anchorCtr="0" forceAA="0" compatLnSpc="1">
+              <a:prstTxWarp prst="textNoShape">
+                <a:avLst/>
+              </a:prstTxWarp>
+              <a:noAutofit/>
+            </a:bodyPr>
+            <a:lstStyle/>
+            <a:p>
+              <a:pPr algn="ctr"/>
+              <a:endParaRPr lang="en-US"/>
+            </a:p>
+          </p:txBody>
+        </p:sp>
+        <p:sp>
+          <p:nvSpPr>
+            <p:cNvPr id="53" name="Freeform 6">
+              <a:extLst>
+                <a:ext uri="{FF2B5EF4-FFF2-40B4-BE49-F238E27FC236}">
+                  <a16:creationId xmlns:a16="http://schemas.microsoft.com/office/drawing/2014/main" id="{23EC1AC3-1698-46D5-80B7-F22F15E1A5E4}"/>
+                </a:ext>
+              </a:extLst>
+            </p:cNvPr>
+            <p:cNvSpPr>
+              <a:spLocks/>
+            </p:cNvSpPr>
+            <p:nvPr/>
+          </p:nvSpPr>
+          <p:spPr bwMode="auto">
+            <a:xfrm rot="1800000">
+              <a:off x="5243759" y="1430747"/>
+              <a:ext cx="305942" cy="538275"/>
+            </a:xfrm>
+            <a:custGeom>
+              <a:avLst/>
+              <a:gdLst>
+                <a:gd name="T0" fmla="*/ 266 w 266"/>
+                <a:gd name="T1" fmla="*/ 468 h 468"/>
+                <a:gd name="T2" fmla="*/ 0 w 266"/>
+                <a:gd name="T3" fmla="*/ 310 h 468"/>
+                <a:gd name="T4" fmla="*/ 0 w 266"/>
+                <a:gd name="T5" fmla="*/ 310 h 468"/>
+                <a:gd name="T6" fmla="*/ 0 w 266"/>
+                <a:gd name="T7" fmla="*/ 0 h 468"/>
+                <a:gd name="T8" fmla="*/ 0 w 266"/>
+                <a:gd name="T9" fmla="*/ 0 h 468"/>
+                <a:gd name="T10" fmla="*/ 266 w 266"/>
+                <a:gd name="T11" fmla="*/ 159 h 468"/>
+                <a:gd name="T12" fmla="*/ 266 w 266"/>
+                <a:gd name="T13" fmla="*/ 468 h 468"/>
+              </a:gdLst>
+              <a:ahLst/>
+              <a:cxnLst>
+                <a:cxn ang="0">
+                  <a:pos x="T0" y="T1"/>
+                </a:cxn>
+                <a:cxn ang="0">
+                  <a:pos x="T2" y="T3"/>
+                </a:cxn>
+                <a:cxn ang="0">
+                  <a:pos x="T4" y="T5"/>
+                </a:cxn>
+                <a:cxn ang="0">
+                  <a:pos x="T6" y="T7"/>
+                </a:cxn>
+                <a:cxn ang="0">
+                  <a:pos x="T8" y="T9"/>
+                </a:cxn>
+                <a:cxn ang="0">
+                  <a:pos x="T10" y="T11"/>
+                </a:cxn>
+                <a:cxn ang="0">
+                  <a:pos x="T12" y="T13"/>
+                </a:cxn>
+              </a:cxnLst>
+              <a:rect l="0" t="0" r="r" b="b"/>
+              <a:pathLst>
+                <a:path w="266" h="468">
+                  <a:moveTo>
+                    <a:pt x="266" y="468"/>
+                  </a:moveTo>
+                  <a:lnTo>
+                    <a:pt x="0" y="310"/>
+                  </a:lnTo>
+                  <a:lnTo>
+                    <a:pt x="0" y="310"/>
+                  </a:lnTo>
+                  <a:lnTo>
+                    <a:pt x="0" y="0"/>
+                  </a:lnTo>
+                  <a:lnTo>
+                    <a:pt x="0" y="0"/>
+                  </a:lnTo>
+                  <a:lnTo>
+                    <a:pt x="266" y="159"/>
+                  </a:lnTo>
+                  <a:lnTo>
+                    <a:pt x="266" y="468"/>
+                  </a:lnTo>
+                  <a:close/>
+                </a:path>
+              </a:pathLst>
+            </a:custGeom>
+            <a:gradFill flip="none" rotWithShape="1">
+              <a:gsLst>
+                <a:gs pos="20000">
+                  <a:schemeClr val="bg2">
+                    <a:lumMod val="90000"/>
+                    <a:lumOff val="10000"/>
+                    <a:alpha val="20000"/>
+                  </a:schemeClr>
+                </a:gs>
+                <a:gs pos="100000">
+                  <a:schemeClr val="accent1">
+                    <a:lumMod val="60000"/>
+                    <a:lumOff val="40000"/>
+                    <a:alpha val="20000"/>
+                  </a:schemeClr>
+                </a:gs>
+              </a:gsLst>
+              <a:lin ang="19800000" scaled="0"/>
+              <a:tileRect/>
+            </a:gradFill>
+            <a:ln>
+              <a:noFill/>
+            </a:ln>
+            <a:effectLst>
+              <a:innerShdw blurRad="254000">
+                <a:schemeClr val="bg2">
+                  <a:lumMod val="90000"/>
+                  <a:lumOff val="10000"/>
+                </a:schemeClr>
+              </a:innerShdw>
+            </a:effectLst>
+          </p:spPr>
+          <p:style>
+            <a:lnRef idx="2">
+              <a:schemeClr val="accent1">
+                <a:shade val="50000"/>
+              </a:schemeClr>
+            </a:lnRef>
+            <a:fillRef idx="1">
+              <a:schemeClr val="accent1"/>
+            </a:fillRef>
+            <a:effectRef idx="0">
+              <a:schemeClr val="accent1"/>
+            </a:effectRef>
+            <a:fontRef idx="minor">
+              <a:schemeClr val="lt1"/>
+            </a:fontRef>
+          </p:style>
+          <p:txBody>
+            <a:bodyPr rot="0" spcFirstLastPara="0" vertOverflow="overflow" horzOverflow="overflow" vert="horz" wrap="square" lIns="91440" tIns="45720" rIns="91440" bIns="45720" numCol="1" spcCol="0" rtlCol="0" fromWordArt="0" anchor="ctr" anchorCtr="0" forceAA="0" compatLnSpc="1">
+              <a:prstTxWarp prst="textNoShape">
+                <a:avLst/>
+              </a:prstTxWarp>
+              <a:noAutofit/>
+            </a:bodyPr>
+            <a:lstStyle/>
+            <a:p>
+              <a:pPr algn="ctr"/>
+              <a:endParaRPr lang="en-US"/>
+            </a:p>
+          </p:txBody>
+        </p:sp>
+        <p:sp>
+          <p:nvSpPr>
+            <p:cNvPr id="54" name="Freeform 8">
+              <a:extLst>
+                <a:ext uri="{FF2B5EF4-FFF2-40B4-BE49-F238E27FC236}">
+                  <a16:creationId xmlns:a16="http://schemas.microsoft.com/office/drawing/2014/main" id="{73766156-553C-46EB-93FA-4F37CC0FF5CF}"/>
+                </a:ext>
+              </a:extLst>
+            </p:cNvPr>
+            <p:cNvSpPr>
+              <a:spLocks/>
+            </p:cNvSpPr>
+            <p:nvPr/>
+          </p:nvSpPr>
+          <p:spPr bwMode="auto">
+            <a:xfrm rot="1800000">
+              <a:off x="5508097" y="1586019"/>
+              <a:ext cx="315144" cy="538275"/>
+            </a:xfrm>
+            <a:custGeom>
+              <a:avLst/>
+              <a:gdLst>
+                <a:gd name="T0" fmla="*/ 274 w 274"/>
+                <a:gd name="T1" fmla="*/ 0 h 468"/>
+                <a:gd name="T2" fmla="*/ 274 w 274"/>
+                <a:gd name="T3" fmla="*/ 310 h 468"/>
+                <a:gd name="T4" fmla="*/ 274 w 274"/>
+                <a:gd name="T5" fmla="*/ 310 h 468"/>
+                <a:gd name="T6" fmla="*/ 0 w 274"/>
+                <a:gd name="T7" fmla="*/ 468 h 468"/>
+                <a:gd name="T8" fmla="*/ 0 w 274"/>
+                <a:gd name="T9" fmla="*/ 159 h 468"/>
+                <a:gd name="T10" fmla="*/ 274 w 274"/>
+                <a:gd name="T11" fmla="*/ 0 h 468"/>
+                <a:gd name="T12" fmla="*/ 274 w 274"/>
+                <a:gd name="T13" fmla="*/ 0 h 468"/>
+              </a:gdLst>
+              <a:ahLst/>
+              <a:cxnLst>
+                <a:cxn ang="0">
+                  <a:pos x="T0" y="T1"/>
+                </a:cxn>
+                <a:cxn ang="0">
+                  <a:pos x="T2" y="T3"/>
+                </a:cxn>
+                <a:cxn ang="0">
+                  <a:pos x="T4" y="T5"/>
+                </a:cxn>
+                <a:cxn ang="0">
+                  <a:pos x="T6" y="T7"/>
+                </a:cxn>
+                <a:cxn ang="0">
+                  <a:pos x="T8" y="T9"/>
+                </a:cxn>
+                <a:cxn ang="0">
+                  <a:pos x="T10" y="T11"/>
+                </a:cxn>
+                <a:cxn ang="0">
+                  <a:pos x="T12" y="T13"/>
+                </a:cxn>
+              </a:cxnLst>
+              <a:rect l="0" t="0" r="r" b="b"/>
+              <a:pathLst>
+                <a:path w="274" h="468">
+                  <a:moveTo>
+                    <a:pt x="274" y="0"/>
+                  </a:moveTo>
+                  <a:lnTo>
+                    <a:pt x="274" y="310"/>
+                  </a:lnTo>
+                  <a:lnTo>
+                    <a:pt x="274" y="310"/>
+                  </a:lnTo>
+                  <a:lnTo>
+                    <a:pt x="0" y="468"/>
+                  </a:lnTo>
+                  <a:lnTo>
+                    <a:pt x="0" y="159"/>
+                  </a:lnTo>
+                  <a:lnTo>
+                    <a:pt x="274" y="0"/>
+                  </a:lnTo>
+                  <a:lnTo>
+                    <a:pt x="274" y="0"/>
+                  </a:lnTo>
+                  <a:close/>
+                </a:path>
+              </a:pathLst>
+            </a:custGeom>
+            <a:gradFill flip="none" rotWithShape="1">
+              <a:gsLst>
+                <a:gs pos="20000">
+                  <a:schemeClr val="bg2">
+                    <a:lumMod val="90000"/>
+                    <a:lumOff val="10000"/>
+                    <a:alpha val="20000"/>
+                  </a:schemeClr>
+                </a:gs>
+                <a:gs pos="100000">
+                  <a:schemeClr val="accent1">
+                    <a:lumMod val="60000"/>
+                    <a:lumOff val="40000"/>
+                    <a:alpha val="20000"/>
+                  </a:schemeClr>
+                </a:gs>
+              </a:gsLst>
+              <a:lin ang="18000000" scaled="0"/>
+              <a:tileRect/>
+            </a:gradFill>
+            <a:ln>
+              <a:noFill/>
+            </a:ln>
+            <a:effectLst>
+              <a:innerShdw blurRad="254000">
+                <a:schemeClr val="accent1">
+                  <a:lumMod val="60000"/>
+                  <a:lumOff val="40000"/>
+                  <a:alpha val="60000"/>
+                </a:schemeClr>
+              </a:innerShdw>
+            </a:effectLst>
+          </p:spPr>
+          <p:style>
+            <a:lnRef idx="2">
+              <a:schemeClr val="accent1">
+                <a:shade val="50000"/>
+              </a:schemeClr>
+            </a:lnRef>
+            <a:fillRef idx="1">
+              <a:schemeClr val="accent1"/>
+            </a:fillRef>
+            <a:effectRef idx="0">
+              <a:schemeClr val="accent1"/>
+            </a:effectRef>
+            <a:fontRef idx="minor">
+              <a:schemeClr val="lt1"/>
+            </a:fontRef>
+          </p:style>
+          <p:txBody>
+            <a:bodyPr rot="0" spcFirstLastPara="0" vertOverflow="overflow" horzOverflow="overflow" vert="horz" wrap="square" lIns="91440" tIns="45720" rIns="91440" bIns="45720" numCol="1" spcCol="0" rtlCol="0" fromWordArt="0" anchor="ctr" anchorCtr="0" forceAA="0" compatLnSpc="1">
+              <a:prstTxWarp prst="textNoShape">
+                <a:avLst/>
+              </a:prstTxWarp>
+              <a:noAutofit/>
+            </a:bodyPr>
+            <a:lstStyle/>
+            <a:p>
+              <a:pPr algn="ctr"/>
+              <a:endParaRPr lang="en-US"/>
+            </a:p>
+          </p:txBody>
+        </p:sp>
+      </p:grpSp>
     </p:spTree>
     <p:extLst>
       <p:ext uri="{BB962C8B-B14F-4D97-AF65-F5344CB8AC3E}">
-        <p14:creationId xmlns:p14="http://schemas.microsoft.com/office/powerpoint/2010/main" val="443930660"/>
+        <p14:creationId xmlns:p14="http://schemas.microsoft.com/office/powerpoint/2010/main" val="3879670997"/>
       </p:ext>
     </p:extLst>
   </p:cSld>
@@ -2026,7 +5633,7 @@
 
 <file path=ppt/slideLayouts/slideLayout7.xml><?xml version="1.0" encoding="utf-8"?>
 <p:sldLayout xmlns:a="http://schemas.openxmlformats.org/drawingml/2006/main" xmlns:r="http://schemas.openxmlformats.org/officeDocument/2006/relationships" xmlns:p="http://schemas.openxmlformats.org/presentationml/2006/main" type="blank" preserve="1">
-  <p:cSld name="빈 화면">
+  <p:cSld name="Blank">
     <p:spTree>
       <p:nvGrpSpPr>
         <p:cNvPr id="1" name=""/>
@@ -2043,10 +5650,10 @@
       </p:grpSpPr>
       <p:sp>
         <p:nvSpPr>
-          <p:cNvPr id="2" name="날짜 개체 틀 1">
-            <a:extLst>
-              <a:ext uri="{FF2B5EF4-FFF2-40B4-BE49-F238E27FC236}">
-                <a16:creationId xmlns:a16="http://schemas.microsoft.com/office/drawing/2014/main" id="{19550A33-B8A2-440B-C8D3-FCF1EF6F7826}"/>
+          <p:cNvPr id="2" name="Date Placeholder 1">
+            <a:extLst>
+              <a:ext uri="{FF2B5EF4-FFF2-40B4-BE49-F238E27FC236}">
+                <a16:creationId xmlns:a16="http://schemas.microsoft.com/office/drawing/2014/main" id="{AB81B449-7B97-41DC-B23F-65EDCBD316A6}"/>
               </a:ext>
             </a:extLst>
           </p:cNvPr>
@@ -2062,20 +5669,20 @@
           <a:bodyPr/>
           <a:lstStyle/>
           <a:p>
-            <a:fld id="{13F532C3-E321-48AC-B9B2-1BFF984D6D7A}" type="datetimeFigureOut">
-              <a:rPr lang="ko-KR" altLang="en-US" smtClean="0"/>
-              <a:t>2023-06-21</a:t>
+            <a:fld id="{9EE9E0E3-ECF6-4CFE-8698-AEFEBCECC3C0}" type="datetime2">
+              <a:rPr lang="en-US" smtClean="0"/>
+              <a:t>Thursday, June 22, 2023</a:t>
             </a:fld>
-            <a:endParaRPr lang="ko-KR" altLang="en-US"/>
+            <a:endParaRPr lang="en-US"/>
           </a:p>
         </p:txBody>
       </p:sp>
       <p:sp>
         <p:nvSpPr>
-          <p:cNvPr id="3" name="바닥글 개체 틀 2">
-            <a:extLst>
-              <a:ext uri="{FF2B5EF4-FFF2-40B4-BE49-F238E27FC236}">
-                <a16:creationId xmlns:a16="http://schemas.microsoft.com/office/drawing/2014/main" id="{905ED927-0D1F-EBFA-18C6-6B5CEEAA48ED}"/>
+          <p:cNvPr id="3" name="Footer Placeholder 2">
+            <a:extLst>
+              <a:ext uri="{FF2B5EF4-FFF2-40B4-BE49-F238E27FC236}">
+                <a16:creationId xmlns:a16="http://schemas.microsoft.com/office/drawing/2014/main" id="{7C6B46D5-337B-4906-8412-4EEA3884FA7E}"/>
               </a:ext>
             </a:extLst>
           </p:cNvPr>
@@ -2091,16 +5698,19 @@
           <a:bodyPr/>
           <a:lstStyle/>
           <a:p>
-            <a:endParaRPr lang="ko-KR" altLang="en-US"/>
+            <a:r>
+              <a:rPr lang="en-US"/>
+              <a:t>Sample Footer</a:t>
+            </a:r>
           </a:p>
         </p:txBody>
       </p:sp>
       <p:sp>
         <p:nvSpPr>
-          <p:cNvPr id="4" name="슬라이드 번호 개체 틀 3">
-            <a:extLst>
-              <a:ext uri="{FF2B5EF4-FFF2-40B4-BE49-F238E27FC236}">
-                <a16:creationId xmlns:a16="http://schemas.microsoft.com/office/drawing/2014/main" id="{386B32CE-83CA-62E9-2B4E-67AD79C886BC}"/>
+          <p:cNvPr id="4" name="Slide Number Placeholder 3">
+            <a:extLst>
+              <a:ext uri="{FF2B5EF4-FFF2-40B4-BE49-F238E27FC236}">
+                <a16:creationId xmlns:a16="http://schemas.microsoft.com/office/drawing/2014/main" id="{E436F230-C9A7-407A-B923-873839C8D8A0}"/>
               </a:ext>
             </a:extLst>
           </p:cNvPr>
@@ -2116,18 +5726,18 @@
           <a:bodyPr/>
           <a:lstStyle/>
           <a:p>
-            <a:fld id="{7B81F63B-0CCB-4C66-B328-A984CFCA8555}" type="slidenum">
-              <a:rPr lang="ko-KR" altLang="en-US" smtClean="0"/>
+            <a:fld id="{DBA1B0FB-D917-4C8C-928F-313BD683BF39}" type="slidenum">
+              <a:rPr lang="en-US" smtClean="0"/>
               <a:t>‹#›</a:t>
             </a:fld>
-            <a:endParaRPr lang="ko-KR" altLang="en-US"/>
+            <a:endParaRPr lang="en-US"/>
           </a:p>
         </p:txBody>
       </p:sp>
     </p:spTree>
     <p:extLst>
       <p:ext uri="{BB962C8B-B14F-4D97-AF65-F5344CB8AC3E}">
-        <p14:creationId xmlns:p14="http://schemas.microsoft.com/office/powerpoint/2010/main" val="294957064"/>
+        <p14:creationId xmlns:p14="http://schemas.microsoft.com/office/powerpoint/2010/main" val="679128885"/>
       </p:ext>
     </p:extLst>
   </p:cSld>
@@ -2139,7 +5749,7 @@
 
 <file path=ppt/slideLayouts/slideLayout8.xml><?xml version="1.0" encoding="utf-8"?>
 <p:sldLayout xmlns:a="http://schemas.openxmlformats.org/drawingml/2006/main" xmlns:r="http://schemas.openxmlformats.org/officeDocument/2006/relationships" xmlns:p="http://schemas.openxmlformats.org/presentationml/2006/main" type="objTx" preserve="1">
-  <p:cSld name="캡션 있는 콘텐츠">
+  <p:cSld name="Content with Caption">
     <p:spTree>
       <p:nvGrpSpPr>
         <p:cNvPr id="1" name=""/>
@@ -2154,12 +5764,335 @@
           <a:chExt cx="0" cy="0"/>
         </a:xfrm>
       </p:grpSpPr>
+      <p:grpSp>
+        <p:nvGrpSpPr>
+          <p:cNvPr id="8" name="Group 7">
+            <a:extLst>
+              <a:ext uri="{FF2B5EF4-FFF2-40B4-BE49-F238E27FC236}">
+                <a16:creationId xmlns:a16="http://schemas.microsoft.com/office/drawing/2014/main" id="{778B0BE9-88B0-4883-9BA9-CD594C400EC1}"/>
+              </a:ext>
+            </a:extLst>
+          </p:cNvPr>
+          <p:cNvGrpSpPr/>
+          <p:nvPr/>
+        </p:nvGrpSpPr>
+        <p:grpSpPr>
+          <a:xfrm>
+            <a:off x="4949631" y="5111861"/>
+            <a:ext cx="1262947" cy="1335600"/>
+            <a:chOff x="2678417" y="2427951"/>
+            <a:chExt cx="1262947" cy="1335600"/>
+          </a:xfrm>
+        </p:grpSpPr>
+        <p:sp>
+          <p:nvSpPr>
+            <p:cNvPr id="11" name="Freeform: Shape 10">
+              <a:extLst>
+                <a:ext uri="{FF2B5EF4-FFF2-40B4-BE49-F238E27FC236}">
+                  <a16:creationId xmlns:a16="http://schemas.microsoft.com/office/drawing/2014/main" id="{C59DCBF3-7AFA-4CD1-A918-BC6DDE674E6C}"/>
+                </a:ext>
+              </a:extLst>
+            </p:cNvPr>
+            <p:cNvSpPr>
+              <a:spLocks noChangeAspect="1"/>
+            </p:cNvSpPr>
+            <p:nvPr/>
+          </p:nvSpPr>
+          <p:spPr>
+            <a:xfrm rot="2700000">
+              <a:off x="2769891" y="2336477"/>
+              <a:ext cx="1080000" cy="1262947"/>
+            </a:xfrm>
+            <a:custGeom>
+              <a:avLst/>
+              <a:gdLst>
+                <a:gd name="connsiteX0" fmla="*/ 540000 w 1080000"/>
+                <a:gd name="connsiteY0" fmla="*/ 0 h 1262947"/>
+                <a:gd name="connsiteX1" fmla="*/ 1080000 w 1080000"/>
+                <a:gd name="connsiteY1" fmla="*/ 931034 h 1262947"/>
+                <a:gd name="connsiteX2" fmla="*/ 1064374 w 1080000"/>
+                <a:gd name="connsiteY2" fmla="*/ 931034 h 1262947"/>
+                <a:gd name="connsiteX3" fmla="*/ 1069029 w 1080000"/>
+                <a:gd name="connsiteY3" fmla="*/ 938533 h 1262947"/>
+                <a:gd name="connsiteX4" fmla="*/ 1080000 w 1080000"/>
+                <a:gd name="connsiteY4" fmla="*/ 992947 h 1262947"/>
+                <a:gd name="connsiteX5" fmla="*/ 540000 w 1080000"/>
+                <a:gd name="connsiteY5" fmla="*/ 1262947 h 1262947"/>
+                <a:gd name="connsiteX6" fmla="*/ 0 w 1080000"/>
+                <a:gd name="connsiteY6" fmla="*/ 992947 h 1262947"/>
+                <a:gd name="connsiteX7" fmla="*/ 10971 w 1080000"/>
+                <a:gd name="connsiteY7" fmla="*/ 938533 h 1262947"/>
+                <a:gd name="connsiteX8" fmla="*/ 15626 w 1080000"/>
+                <a:gd name="connsiteY8" fmla="*/ 931034 h 1262947"/>
+                <a:gd name="connsiteX9" fmla="*/ 0 w 1080000"/>
+                <a:gd name="connsiteY9" fmla="*/ 931034 h 1262947"/>
+                <a:gd name="connsiteX0" fmla="*/ 540000 w 1080000"/>
+                <a:gd name="connsiteY0" fmla="*/ 0 h 1262947"/>
+                <a:gd name="connsiteX1" fmla="*/ 1080000 w 1080000"/>
+                <a:gd name="connsiteY1" fmla="*/ 931034 h 1262947"/>
+                <a:gd name="connsiteX2" fmla="*/ 1064374 w 1080000"/>
+                <a:gd name="connsiteY2" fmla="*/ 931034 h 1262947"/>
+                <a:gd name="connsiteX3" fmla="*/ 1069029 w 1080000"/>
+                <a:gd name="connsiteY3" fmla="*/ 938533 h 1262947"/>
+                <a:gd name="connsiteX4" fmla="*/ 1080000 w 1080000"/>
+                <a:gd name="connsiteY4" fmla="*/ 992947 h 1262947"/>
+                <a:gd name="connsiteX5" fmla="*/ 540000 w 1080000"/>
+                <a:gd name="connsiteY5" fmla="*/ 1262947 h 1262947"/>
+                <a:gd name="connsiteX6" fmla="*/ 0 w 1080000"/>
+                <a:gd name="connsiteY6" fmla="*/ 992947 h 1262947"/>
+                <a:gd name="connsiteX7" fmla="*/ 10971 w 1080000"/>
+                <a:gd name="connsiteY7" fmla="*/ 938533 h 1262947"/>
+                <a:gd name="connsiteX8" fmla="*/ 15626 w 1080000"/>
+                <a:gd name="connsiteY8" fmla="*/ 931034 h 1262947"/>
+                <a:gd name="connsiteX9" fmla="*/ 540000 w 1080000"/>
+                <a:gd name="connsiteY9" fmla="*/ 0 h 1262947"/>
+                <a:gd name="connsiteX0" fmla="*/ 540000 w 1080000"/>
+                <a:gd name="connsiteY0" fmla="*/ 0 h 1262947"/>
+                <a:gd name="connsiteX1" fmla="*/ 1064374 w 1080000"/>
+                <a:gd name="connsiteY1" fmla="*/ 931034 h 1262947"/>
+                <a:gd name="connsiteX2" fmla="*/ 1069029 w 1080000"/>
+                <a:gd name="connsiteY2" fmla="*/ 938533 h 1262947"/>
+                <a:gd name="connsiteX3" fmla="*/ 1080000 w 1080000"/>
+                <a:gd name="connsiteY3" fmla="*/ 992947 h 1262947"/>
+                <a:gd name="connsiteX4" fmla="*/ 540000 w 1080000"/>
+                <a:gd name="connsiteY4" fmla="*/ 1262947 h 1262947"/>
+                <a:gd name="connsiteX5" fmla="*/ 0 w 1080000"/>
+                <a:gd name="connsiteY5" fmla="*/ 992947 h 1262947"/>
+                <a:gd name="connsiteX6" fmla="*/ 10971 w 1080000"/>
+                <a:gd name="connsiteY6" fmla="*/ 938533 h 1262947"/>
+                <a:gd name="connsiteX7" fmla="*/ 15626 w 1080000"/>
+                <a:gd name="connsiteY7" fmla="*/ 931034 h 1262947"/>
+                <a:gd name="connsiteX8" fmla="*/ 540000 w 1080000"/>
+                <a:gd name="connsiteY8" fmla="*/ 0 h 1262947"/>
+              </a:gdLst>
+              <a:ahLst/>
+              <a:cxnLst>
+                <a:cxn ang="0">
+                  <a:pos x="connsiteX0" y="connsiteY0"/>
+                </a:cxn>
+                <a:cxn ang="0">
+                  <a:pos x="connsiteX1" y="connsiteY1"/>
+                </a:cxn>
+                <a:cxn ang="0">
+                  <a:pos x="connsiteX2" y="connsiteY2"/>
+                </a:cxn>
+                <a:cxn ang="0">
+                  <a:pos x="connsiteX3" y="connsiteY3"/>
+                </a:cxn>
+                <a:cxn ang="0">
+                  <a:pos x="connsiteX4" y="connsiteY4"/>
+                </a:cxn>
+                <a:cxn ang="0">
+                  <a:pos x="connsiteX5" y="connsiteY5"/>
+                </a:cxn>
+                <a:cxn ang="0">
+                  <a:pos x="connsiteX6" y="connsiteY6"/>
+                </a:cxn>
+                <a:cxn ang="0">
+                  <a:pos x="connsiteX7" y="connsiteY7"/>
+                </a:cxn>
+                <a:cxn ang="0">
+                  <a:pos x="connsiteX8" y="connsiteY8"/>
+                </a:cxn>
+              </a:cxnLst>
+              <a:rect l="l" t="t" r="r" b="b"/>
+              <a:pathLst>
+                <a:path w="1080000" h="1262947">
+                  <a:moveTo>
+                    <a:pt x="540000" y="0"/>
+                  </a:moveTo>
+                  <a:lnTo>
+                    <a:pt x="1064374" y="931034"/>
+                  </a:lnTo>
+                  <a:lnTo>
+                    <a:pt x="1069029" y="938533"/>
+                  </a:lnTo>
+                  <a:cubicBezTo>
+                    <a:pt x="1076223" y="956109"/>
+                    <a:pt x="1080000" y="974307"/>
+                    <a:pt x="1080000" y="992947"/>
+                  </a:cubicBezTo>
+                  <a:cubicBezTo>
+                    <a:pt x="1080000" y="1142064"/>
+                    <a:pt x="838234" y="1262947"/>
+                    <a:pt x="540000" y="1262947"/>
+                  </a:cubicBezTo>
+                  <a:cubicBezTo>
+                    <a:pt x="241766" y="1262947"/>
+                    <a:pt x="0" y="1142064"/>
+                    <a:pt x="0" y="992947"/>
+                  </a:cubicBezTo>
+                  <a:cubicBezTo>
+                    <a:pt x="0" y="974307"/>
+                    <a:pt x="3778" y="956109"/>
+                    <a:pt x="10971" y="938533"/>
+                  </a:cubicBezTo>
+                  <a:lnTo>
+                    <a:pt x="15626" y="931034"/>
+                  </a:lnTo>
+                  <a:lnTo>
+                    <a:pt x="540000" y="0"/>
+                  </a:lnTo>
+                  <a:close/>
+                </a:path>
+              </a:pathLst>
+            </a:custGeom>
+            <a:gradFill>
+              <a:gsLst>
+                <a:gs pos="60000">
+                  <a:schemeClr val="bg2">
+                    <a:lumMod val="90000"/>
+                    <a:lumOff val="10000"/>
+                  </a:schemeClr>
+                </a:gs>
+                <a:gs pos="30000">
+                  <a:schemeClr val="bg2">
+                    <a:lumMod val="90000"/>
+                    <a:lumOff val="10000"/>
+                  </a:schemeClr>
+                </a:gs>
+                <a:gs pos="40000">
+                  <a:schemeClr val="bg2">
+                    <a:lumMod val="75000"/>
+                    <a:lumOff val="25000"/>
+                  </a:schemeClr>
+                </a:gs>
+                <a:gs pos="100000">
+                  <a:schemeClr val="bg2"/>
+                </a:gs>
+              </a:gsLst>
+              <a:lin ang="600000" scaled="0"/>
+            </a:gradFill>
+            <a:ln>
+              <a:noFill/>
+            </a:ln>
+            <a:effectLst>
+              <a:innerShdw blurRad="254000" dist="101600" dir="2700000">
+                <a:schemeClr val="accent1">
+                  <a:lumMod val="60000"/>
+                  <a:lumOff val="40000"/>
+                  <a:alpha val="40000"/>
+                </a:schemeClr>
+              </a:innerShdw>
+            </a:effectLst>
+          </p:spPr>
+          <p:style>
+            <a:lnRef idx="2">
+              <a:schemeClr val="accent1">
+                <a:shade val="50000"/>
+              </a:schemeClr>
+            </a:lnRef>
+            <a:fillRef idx="1">
+              <a:schemeClr val="accent1"/>
+            </a:fillRef>
+            <a:effectRef idx="0">
+              <a:schemeClr val="accent1"/>
+            </a:effectRef>
+            <a:fontRef idx="minor">
+              <a:schemeClr val="lt1"/>
+            </a:fontRef>
+          </p:style>
+          <p:txBody>
+            <a:bodyPr rot="0" spcFirstLastPara="0" vertOverflow="overflow" horzOverflow="overflow" vert="horz" wrap="square" lIns="91440" tIns="45720" rIns="91440" bIns="45720" numCol="1" spcCol="0" rtlCol="0" fromWordArt="0" anchor="ctr" anchorCtr="0" forceAA="0" compatLnSpc="1">
+              <a:prstTxWarp prst="textNoShape">
+                <a:avLst/>
+              </a:prstTxWarp>
+              <a:noAutofit/>
+            </a:bodyPr>
+            <a:lstStyle/>
+            <a:p>
+              <a:pPr algn="ctr"/>
+              <a:endParaRPr lang="en-US"/>
+            </a:p>
+          </p:txBody>
+        </p:sp>
+        <p:sp>
+          <p:nvSpPr>
+            <p:cNvPr id="12" name="Oval 11">
+              <a:extLst>
+                <a:ext uri="{FF2B5EF4-FFF2-40B4-BE49-F238E27FC236}">
+                  <a16:creationId xmlns:a16="http://schemas.microsoft.com/office/drawing/2014/main" id="{06964A02-96E1-4654-9187-DDDE7409F75B}"/>
+                </a:ext>
+              </a:extLst>
+            </p:cNvPr>
+            <p:cNvSpPr/>
+            <p:nvPr/>
+          </p:nvSpPr>
+          <p:spPr>
+            <a:xfrm rot="8100000">
+              <a:off x="2784291" y="2683551"/>
+              <a:ext cx="540000" cy="1080000"/>
+            </a:xfrm>
+            <a:prstGeom prst="ellipse">
+              <a:avLst/>
+            </a:prstGeom>
+            <a:gradFill>
+              <a:gsLst>
+                <a:gs pos="100000">
+                  <a:schemeClr val="bg2">
+                    <a:lumMod val="90000"/>
+                    <a:lumOff val="10000"/>
+                  </a:schemeClr>
+                </a:gs>
+                <a:gs pos="50000">
+                  <a:schemeClr val="bg2">
+                    <a:lumMod val="95000"/>
+                    <a:lumOff val="5000"/>
+                  </a:schemeClr>
+                </a:gs>
+              </a:gsLst>
+              <a:lin ang="5400000" scaled="0"/>
+            </a:gradFill>
+            <a:ln>
+              <a:noFill/>
+            </a:ln>
+            <a:effectLst>
+              <a:innerShdw blurRad="1270000" dist="2540000">
+                <a:schemeClr val="accent1">
+                  <a:lumMod val="60000"/>
+                  <a:lumOff val="40000"/>
+                  <a:alpha val="0"/>
+                </a:schemeClr>
+              </a:innerShdw>
+            </a:effectLst>
+          </p:spPr>
+          <p:style>
+            <a:lnRef idx="2">
+              <a:schemeClr val="accent1">
+                <a:shade val="50000"/>
+              </a:schemeClr>
+            </a:lnRef>
+            <a:fillRef idx="1">
+              <a:schemeClr val="accent1"/>
+            </a:fillRef>
+            <a:effectRef idx="0">
+              <a:schemeClr val="accent1"/>
+            </a:effectRef>
+            <a:fontRef idx="minor">
+              <a:schemeClr val="lt1"/>
+            </a:fontRef>
+          </p:style>
+          <p:txBody>
+            <a:bodyPr rot="0" spcFirstLastPara="0" vertOverflow="overflow" horzOverflow="overflow" vert="horz" wrap="square" lIns="91440" tIns="45720" rIns="91440" bIns="45720" numCol="1" spcCol="0" rtlCol="0" fromWordArt="0" anchor="ctr" anchorCtr="0" forceAA="0" compatLnSpc="1">
+              <a:prstTxWarp prst="textNoShape">
+                <a:avLst/>
+              </a:prstTxWarp>
+              <a:noAutofit/>
+            </a:bodyPr>
+            <a:lstStyle/>
+            <a:p>
+              <a:pPr algn="ctr"/>
+              <a:endParaRPr lang="en-US"/>
+            </a:p>
+          </p:txBody>
+        </p:sp>
+      </p:grpSp>
       <p:sp>
         <p:nvSpPr>
-          <p:cNvPr id="2" name="제목 1">
-            <a:extLst>
-              <a:ext uri="{FF2B5EF4-FFF2-40B4-BE49-F238E27FC236}">
-                <a16:creationId xmlns:a16="http://schemas.microsoft.com/office/drawing/2014/main" id="{21ECD9A2-9271-768E-D6B6-245B1C60698F}"/>
+          <p:cNvPr id="2" name="Title 1">
+            <a:extLst>
+              <a:ext uri="{FF2B5EF4-FFF2-40B4-BE49-F238E27FC236}">
+                <a16:creationId xmlns:a16="http://schemas.microsoft.com/office/drawing/2014/main" id="{BF3FF76C-A012-4CDA-8AE7-E9413955716A}"/>
               </a:ext>
             </a:extLst>
           </p:cNvPr>
@@ -2172,31 +6105,37 @@
         </p:nvSpPr>
         <p:spPr>
           <a:xfrm>
-            <a:off x="839788" y="457200"/>
-            <a:ext cx="3932237" cy="1600200"/>
+            <a:off x="550863" y="549275"/>
+            <a:ext cx="11090275" cy="984885"/>
           </a:xfrm>
         </p:spPr>
         <p:txBody>
-          <a:bodyPr anchor="b"/>
+          <a:bodyPr anchor="t">
+            <a:normAutofit/>
+          </a:bodyPr>
           <a:lstStyle>
             <a:lvl1pPr>
+              <a:lnSpc>
+                <a:spcPct val="100000"/>
+              </a:lnSpc>
               <a:defRPr sz="3200"/>
             </a:lvl1pPr>
           </a:lstStyle>
           <a:p>
             <a:r>
-              <a:rPr lang="ko-KR" altLang="en-US"/>
-              <a:t>마스터 제목 스타일 편집</a:t>
+              <a:rPr lang="en-US"/>
+              <a:t>Click to edit Master title style</a:t>
             </a:r>
+            <a:endParaRPr lang="en-US" dirty="0"/>
           </a:p>
         </p:txBody>
       </p:sp>
       <p:sp>
         <p:nvSpPr>
-          <p:cNvPr id="3" name="내용 개체 틀 2">
-            <a:extLst>
-              <a:ext uri="{FF2B5EF4-FFF2-40B4-BE49-F238E27FC236}">
-                <a16:creationId xmlns:a16="http://schemas.microsoft.com/office/drawing/2014/main" id="{A59A7993-6659-FAF6-E26E-5D8030A49878}"/>
+          <p:cNvPr id="3" name="Content Placeholder 2">
+            <a:extLst>
+              <a:ext uri="{FF2B5EF4-FFF2-40B4-BE49-F238E27FC236}">
+                <a16:creationId xmlns:a16="http://schemas.microsoft.com/office/drawing/2014/main" id="{611A4C80-DC38-4641-924F-90D6078CF592}"/>
               </a:ext>
             </a:extLst>
           </p:cNvPr>
@@ -2209,27 +6148,29 @@
         </p:nvSpPr>
         <p:spPr>
           <a:xfrm>
-            <a:off x="5183188" y="987425"/>
-            <a:ext cx="6172200" cy="4873625"/>
+            <a:off x="4295775" y="1750060"/>
+            <a:ext cx="7345362" cy="4342765"/>
           </a:xfrm>
         </p:spPr>
         <p:txBody>
-          <a:bodyPr/>
+          <a:bodyPr>
+            <a:normAutofit/>
+          </a:bodyPr>
           <a:lstStyle>
             <a:lvl1pPr>
-              <a:defRPr sz="3200"/>
+              <a:defRPr sz="1600"/>
             </a:lvl1pPr>
             <a:lvl2pPr>
-              <a:defRPr sz="2800"/>
+              <a:defRPr sz="1600"/>
             </a:lvl2pPr>
             <a:lvl3pPr>
-              <a:defRPr sz="2400"/>
+              <a:defRPr sz="1600"/>
             </a:lvl3pPr>
             <a:lvl4pPr>
-              <a:defRPr sz="2000"/>
+              <a:defRPr sz="1600"/>
             </a:lvl4pPr>
             <a:lvl5pPr>
-              <a:defRPr sz="2000"/>
+              <a:defRPr sz="1600"/>
             </a:lvl5pPr>
             <a:lvl6pPr>
               <a:defRPr sz="2000"/>
@@ -2247,46 +6188,47 @@
           <a:p>
             <a:pPr lvl="0"/>
             <a:r>
-              <a:rPr lang="ko-KR" altLang="en-US"/>
-              <a:t>마스터 텍스트 스타일을 편집하려면 클릭</a:t>
+              <a:rPr lang="en-US"/>
+              <a:t>Click to edit Master text styles</a:t>
             </a:r>
           </a:p>
           <a:p>
             <a:pPr lvl="1"/>
             <a:r>
-              <a:rPr lang="ko-KR" altLang="en-US"/>
-              <a:t>두 번째 수준</a:t>
+              <a:rPr lang="en-US"/>
+              <a:t>Second level</a:t>
             </a:r>
           </a:p>
           <a:p>
             <a:pPr lvl="2"/>
             <a:r>
-              <a:rPr lang="ko-KR" altLang="en-US"/>
-              <a:t>세 번째 수준</a:t>
+              <a:rPr lang="en-US"/>
+              <a:t>Third level</a:t>
             </a:r>
           </a:p>
           <a:p>
             <a:pPr lvl="3"/>
             <a:r>
-              <a:rPr lang="ko-KR" altLang="en-US"/>
-              <a:t>네 번째 수준</a:t>
+              <a:rPr lang="en-US"/>
+              <a:t>Fourth level</a:t>
             </a:r>
           </a:p>
           <a:p>
             <a:pPr lvl="4"/>
             <a:r>
-              <a:rPr lang="ko-KR" altLang="en-US"/>
-              <a:t>다섯 번째 수준</a:t>
+              <a:rPr lang="en-US"/>
+              <a:t>Fifth level</a:t>
             </a:r>
+            <a:endParaRPr lang="en-US" dirty="0"/>
           </a:p>
         </p:txBody>
       </p:sp>
       <p:sp>
         <p:nvSpPr>
-          <p:cNvPr id="4" name="텍스트 개체 틀 3">
-            <a:extLst>
-              <a:ext uri="{FF2B5EF4-FFF2-40B4-BE49-F238E27FC236}">
-                <a16:creationId xmlns:a16="http://schemas.microsoft.com/office/drawing/2014/main" id="{6AC2DBAA-3A59-98F9-F764-4F8D4A4947CC}"/>
+          <p:cNvPr id="4" name="Text Placeholder 3">
+            <a:extLst>
+              <a:ext uri="{FF2B5EF4-FFF2-40B4-BE49-F238E27FC236}">
+                <a16:creationId xmlns:a16="http://schemas.microsoft.com/office/drawing/2014/main" id="{82C42771-D3A7-4072-85DC-B7C5E530E8AA}"/>
               </a:ext>
             </a:extLst>
           </p:cNvPr>
@@ -2299,8 +6241,8 @@
         </p:nvSpPr>
         <p:spPr>
           <a:xfrm>
-            <a:off x="839788" y="2057400"/>
-            <a:ext cx="3932237" cy="3811588"/>
+            <a:off x="550863" y="1750060"/>
+            <a:ext cx="3565525" cy="4342765"/>
           </a:xfrm>
         </p:spPr>
         <p:txBody>
@@ -2346,18 +6288,18 @@
           <a:p>
             <a:pPr lvl="0"/>
             <a:r>
-              <a:rPr lang="ko-KR" altLang="en-US"/>
-              <a:t>마스터 텍스트 스타일을 편집하려면 클릭</a:t>
+              <a:rPr lang="en-US"/>
+              <a:t>Click to edit Master text styles</a:t>
             </a:r>
           </a:p>
         </p:txBody>
       </p:sp>
       <p:sp>
         <p:nvSpPr>
-          <p:cNvPr id="5" name="날짜 개체 틀 4">
-            <a:extLst>
-              <a:ext uri="{FF2B5EF4-FFF2-40B4-BE49-F238E27FC236}">
-                <a16:creationId xmlns:a16="http://schemas.microsoft.com/office/drawing/2014/main" id="{184A1724-62EA-93AE-3517-C9AFF286E66C}"/>
+          <p:cNvPr id="5" name="Date Placeholder 4">
+            <a:extLst>
+              <a:ext uri="{FF2B5EF4-FFF2-40B4-BE49-F238E27FC236}">
+                <a16:creationId xmlns:a16="http://schemas.microsoft.com/office/drawing/2014/main" id="{EBD47AB1-6EB5-4E2C-B4A7-42DC643E9FF9}"/>
               </a:ext>
             </a:extLst>
           </p:cNvPr>
@@ -2373,20 +6315,20 @@
           <a:bodyPr/>
           <a:lstStyle/>
           <a:p>
-            <a:fld id="{13F532C3-E321-48AC-B9B2-1BFF984D6D7A}" type="datetimeFigureOut">
-              <a:rPr lang="ko-KR" altLang="en-US" smtClean="0"/>
-              <a:t>2023-06-21</a:t>
+            <a:fld id="{251462FC-960E-4740-921F-B36862979F21}" type="datetime2">
+              <a:rPr lang="en-US" smtClean="0"/>
+              <a:t>Thursday, June 22, 2023</a:t>
             </a:fld>
-            <a:endParaRPr lang="ko-KR" altLang="en-US"/>
+            <a:endParaRPr lang="en-US"/>
           </a:p>
         </p:txBody>
       </p:sp>
       <p:sp>
         <p:nvSpPr>
-          <p:cNvPr id="6" name="바닥글 개체 틀 5">
-            <a:extLst>
-              <a:ext uri="{FF2B5EF4-FFF2-40B4-BE49-F238E27FC236}">
-                <a16:creationId xmlns:a16="http://schemas.microsoft.com/office/drawing/2014/main" id="{34D19AD0-1D79-3415-E488-CBA0766B6038}"/>
+          <p:cNvPr id="6" name="Footer Placeholder 5">
+            <a:extLst>
+              <a:ext uri="{FF2B5EF4-FFF2-40B4-BE49-F238E27FC236}">
+                <a16:creationId xmlns:a16="http://schemas.microsoft.com/office/drawing/2014/main" id="{5BA9D15F-B6ED-46E1-9840-0B625880EE4B}"/>
               </a:ext>
             </a:extLst>
           </p:cNvPr>
@@ -2402,16 +6344,19 @@
           <a:bodyPr/>
           <a:lstStyle/>
           <a:p>
-            <a:endParaRPr lang="ko-KR" altLang="en-US"/>
+            <a:r>
+              <a:rPr lang="en-US"/>
+              <a:t>Sample Footer</a:t>
+            </a:r>
           </a:p>
         </p:txBody>
       </p:sp>
       <p:sp>
         <p:nvSpPr>
-          <p:cNvPr id="7" name="슬라이드 번호 개체 틀 6">
-            <a:extLst>
-              <a:ext uri="{FF2B5EF4-FFF2-40B4-BE49-F238E27FC236}">
-                <a16:creationId xmlns:a16="http://schemas.microsoft.com/office/drawing/2014/main" id="{54354149-54CF-BC50-44B9-A6396E55D578}"/>
+          <p:cNvPr id="7" name="Slide Number Placeholder 6">
+            <a:extLst>
+              <a:ext uri="{FF2B5EF4-FFF2-40B4-BE49-F238E27FC236}">
+                <a16:creationId xmlns:a16="http://schemas.microsoft.com/office/drawing/2014/main" id="{CDAEB023-7A5E-4087-B75E-A38A80EE5D01}"/>
               </a:ext>
             </a:extLst>
           </p:cNvPr>
@@ -2427,18 +6372,18 @@
           <a:bodyPr/>
           <a:lstStyle/>
           <a:p>
-            <a:fld id="{7B81F63B-0CCB-4C66-B328-A984CFCA8555}" type="slidenum">
-              <a:rPr lang="ko-KR" altLang="en-US" smtClean="0"/>
+            <a:fld id="{DBA1B0FB-D917-4C8C-928F-313BD683BF39}" type="slidenum">
+              <a:rPr lang="en-US" smtClean="0"/>
               <a:t>‹#›</a:t>
             </a:fld>
-            <a:endParaRPr lang="ko-KR" altLang="en-US"/>
+            <a:endParaRPr lang="en-US"/>
           </a:p>
         </p:txBody>
       </p:sp>
     </p:spTree>
     <p:extLst>
       <p:ext uri="{BB962C8B-B14F-4D97-AF65-F5344CB8AC3E}">
-        <p14:creationId xmlns:p14="http://schemas.microsoft.com/office/powerpoint/2010/main" val="3649626535"/>
+        <p14:creationId xmlns:p14="http://schemas.microsoft.com/office/powerpoint/2010/main" val="1445407354"/>
       </p:ext>
     </p:extLst>
   </p:cSld>
@@ -2450,7 +6395,7 @@
 
 <file path=ppt/slideLayouts/slideLayout9.xml><?xml version="1.0" encoding="utf-8"?>
 <p:sldLayout xmlns:a="http://schemas.openxmlformats.org/drawingml/2006/main" xmlns:r="http://schemas.openxmlformats.org/officeDocument/2006/relationships" xmlns:p="http://schemas.openxmlformats.org/presentationml/2006/main" type="picTx" preserve="1">
-  <p:cSld name="캡션 있는 그림">
+  <p:cSld name="Picture with Caption">
     <p:spTree>
       <p:nvGrpSpPr>
         <p:cNvPr id="1" name=""/>
@@ -2465,12 +6410,471 @@
           <a:chExt cx="0" cy="0"/>
         </a:xfrm>
       </p:grpSpPr>
+      <p:grpSp>
+        <p:nvGrpSpPr>
+          <p:cNvPr id="17" name="Group 16">
+            <a:extLst>
+              <a:ext uri="{FF2B5EF4-FFF2-40B4-BE49-F238E27FC236}">
+                <a16:creationId xmlns:a16="http://schemas.microsoft.com/office/drawing/2014/main" id="{F98F1FBA-F8BB-42CF-8B3E-D19AAFEE96C1}"/>
+              </a:ext>
+            </a:extLst>
+          </p:cNvPr>
+          <p:cNvGrpSpPr/>
+          <p:nvPr/>
+        </p:nvGrpSpPr>
+        <p:grpSpPr>
+          <a:xfrm>
+            <a:off x="334964" y="5115518"/>
+            <a:ext cx="734257" cy="760506"/>
+            <a:chOff x="5243759" y="1363788"/>
+            <a:chExt cx="734257" cy="760506"/>
+          </a:xfrm>
+        </p:grpSpPr>
+        <p:sp>
+          <p:nvSpPr>
+            <p:cNvPr id="18" name="Freeform 5">
+              <a:extLst>
+                <a:ext uri="{FF2B5EF4-FFF2-40B4-BE49-F238E27FC236}">
+                  <a16:creationId xmlns:a16="http://schemas.microsoft.com/office/drawing/2014/main" id="{60EE09DD-C3DB-4266-BCC3-A765CFFBF379}"/>
+                </a:ext>
+              </a:extLst>
+            </p:cNvPr>
+            <p:cNvSpPr>
+              <a:spLocks/>
+            </p:cNvSpPr>
+            <p:nvPr/>
+          </p:nvSpPr>
+          <p:spPr bwMode="auto">
+            <a:xfrm rot="1800000">
+              <a:off x="5356930" y="1363788"/>
+              <a:ext cx="621086" cy="364601"/>
+            </a:xfrm>
+            <a:custGeom>
+              <a:avLst/>
+              <a:gdLst>
+                <a:gd name="T0" fmla="*/ 266 w 540"/>
+                <a:gd name="T1" fmla="*/ 0 h 317"/>
+                <a:gd name="T2" fmla="*/ 0 w 540"/>
+                <a:gd name="T3" fmla="*/ 158 h 317"/>
+                <a:gd name="T4" fmla="*/ 266 w 540"/>
+                <a:gd name="T5" fmla="*/ 317 h 317"/>
+                <a:gd name="T6" fmla="*/ 540 w 540"/>
+                <a:gd name="T7" fmla="*/ 158 h 317"/>
+                <a:gd name="T8" fmla="*/ 266 w 540"/>
+                <a:gd name="T9" fmla="*/ 0 h 317"/>
+              </a:gdLst>
+              <a:ahLst/>
+              <a:cxnLst>
+                <a:cxn ang="0">
+                  <a:pos x="T0" y="T1"/>
+                </a:cxn>
+                <a:cxn ang="0">
+                  <a:pos x="T2" y="T3"/>
+                </a:cxn>
+                <a:cxn ang="0">
+                  <a:pos x="T4" y="T5"/>
+                </a:cxn>
+                <a:cxn ang="0">
+                  <a:pos x="T6" y="T7"/>
+                </a:cxn>
+                <a:cxn ang="0">
+                  <a:pos x="T8" y="T9"/>
+                </a:cxn>
+              </a:cxnLst>
+              <a:rect l="0" t="0" r="r" b="b"/>
+              <a:pathLst>
+                <a:path w="540" h="317">
+                  <a:moveTo>
+                    <a:pt x="266" y="0"/>
+                  </a:moveTo>
+                  <a:lnTo>
+                    <a:pt x="0" y="158"/>
+                  </a:lnTo>
+                  <a:lnTo>
+                    <a:pt x="266" y="317"/>
+                  </a:lnTo>
+                  <a:lnTo>
+                    <a:pt x="540" y="158"/>
+                  </a:lnTo>
+                  <a:lnTo>
+                    <a:pt x="266" y="0"/>
+                  </a:lnTo>
+                  <a:close/>
+                </a:path>
+              </a:pathLst>
+            </a:custGeom>
+            <a:gradFill flip="none" rotWithShape="1">
+              <a:gsLst>
+                <a:gs pos="20000">
+                  <a:schemeClr val="bg2">
+                    <a:lumMod val="90000"/>
+                    <a:lumOff val="10000"/>
+                    <a:alpha val="20000"/>
+                  </a:schemeClr>
+                </a:gs>
+                <a:gs pos="100000">
+                  <a:schemeClr val="accent1">
+                    <a:lumMod val="60000"/>
+                    <a:lumOff val="40000"/>
+                    <a:alpha val="20000"/>
+                  </a:schemeClr>
+                </a:gs>
+              </a:gsLst>
+              <a:lin ang="0" scaled="0"/>
+              <a:tileRect/>
+            </a:gradFill>
+            <a:ln>
+              <a:noFill/>
+            </a:ln>
+            <a:effectLst>
+              <a:innerShdw blurRad="254000">
+                <a:schemeClr val="bg2">
+                  <a:lumMod val="90000"/>
+                  <a:lumOff val="10000"/>
+                </a:schemeClr>
+              </a:innerShdw>
+            </a:effectLst>
+          </p:spPr>
+          <p:style>
+            <a:lnRef idx="2">
+              <a:schemeClr val="accent1">
+                <a:shade val="50000"/>
+              </a:schemeClr>
+            </a:lnRef>
+            <a:fillRef idx="1">
+              <a:schemeClr val="accent1"/>
+            </a:fillRef>
+            <a:effectRef idx="0">
+              <a:schemeClr val="accent1"/>
+            </a:effectRef>
+            <a:fontRef idx="minor">
+              <a:schemeClr val="lt1"/>
+            </a:fontRef>
+          </p:style>
+          <p:txBody>
+            <a:bodyPr rot="0" spcFirstLastPara="0" vertOverflow="overflow" horzOverflow="overflow" vert="horz" wrap="square" lIns="91440" tIns="45720" rIns="91440" bIns="45720" numCol="1" spcCol="0" rtlCol="0" fromWordArt="0" anchor="ctr" anchorCtr="0" forceAA="0" compatLnSpc="1">
+              <a:prstTxWarp prst="textNoShape">
+                <a:avLst/>
+              </a:prstTxWarp>
+              <a:noAutofit/>
+            </a:bodyPr>
+            <a:lstStyle/>
+            <a:p>
+              <a:pPr algn="ctr"/>
+              <a:endParaRPr lang="en-US"/>
+            </a:p>
+          </p:txBody>
+        </p:sp>
+        <p:sp>
+          <p:nvSpPr>
+            <p:cNvPr id="19" name="Freeform 6">
+              <a:extLst>
+                <a:ext uri="{FF2B5EF4-FFF2-40B4-BE49-F238E27FC236}">
+                  <a16:creationId xmlns:a16="http://schemas.microsoft.com/office/drawing/2014/main" id="{5F301FE0-96DC-4EFB-BBEE-AED762C337C9}"/>
+                </a:ext>
+              </a:extLst>
+            </p:cNvPr>
+            <p:cNvSpPr>
+              <a:spLocks/>
+            </p:cNvSpPr>
+            <p:nvPr/>
+          </p:nvSpPr>
+          <p:spPr bwMode="auto">
+            <a:xfrm rot="1800000">
+              <a:off x="5243759" y="1430747"/>
+              <a:ext cx="305942" cy="538275"/>
+            </a:xfrm>
+            <a:custGeom>
+              <a:avLst/>
+              <a:gdLst>
+                <a:gd name="T0" fmla="*/ 266 w 266"/>
+                <a:gd name="T1" fmla="*/ 468 h 468"/>
+                <a:gd name="T2" fmla="*/ 0 w 266"/>
+                <a:gd name="T3" fmla="*/ 310 h 468"/>
+                <a:gd name="T4" fmla="*/ 0 w 266"/>
+                <a:gd name="T5" fmla="*/ 310 h 468"/>
+                <a:gd name="T6" fmla="*/ 0 w 266"/>
+                <a:gd name="T7" fmla="*/ 0 h 468"/>
+                <a:gd name="T8" fmla="*/ 0 w 266"/>
+                <a:gd name="T9" fmla="*/ 0 h 468"/>
+                <a:gd name="T10" fmla="*/ 266 w 266"/>
+                <a:gd name="T11" fmla="*/ 159 h 468"/>
+                <a:gd name="T12" fmla="*/ 266 w 266"/>
+                <a:gd name="T13" fmla="*/ 468 h 468"/>
+              </a:gdLst>
+              <a:ahLst/>
+              <a:cxnLst>
+                <a:cxn ang="0">
+                  <a:pos x="T0" y="T1"/>
+                </a:cxn>
+                <a:cxn ang="0">
+                  <a:pos x="T2" y="T3"/>
+                </a:cxn>
+                <a:cxn ang="0">
+                  <a:pos x="T4" y="T5"/>
+                </a:cxn>
+                <a:cxn ang="0">
+                  <a:pos x="T6" y="T7"/>
+                </a:cxn>
+                <a:cxn ang="0">
+                  <a:pos x="T8" y="T9"/>
+                </a:cxn>
+                <a:cxn ang="0">
+                  <a:pos x="T10" y="T11"/>
+                </a:cxn>
+                <a:cxn ang="0">
+                  <a:pos x="T12" y="T13"/>
+                </a:cxn>
+              </a:cxnLst>
+              <a:rect l="0" t="0" r="r" b="b"/>
+              <a:pathLst>
+                <a:path w="266" h="468">
+                  <a:moveTo>
+                    <a:pt x="266" y="468"/>
+                  </a:moveTo>
+                  <a:lnTo>
+                    <a:pt x="0" y="310"/>
+                  </a:lnTo>
+                  <a:lnTo>
+                    <a:pt x="0" y="310"/>
+                  </a:lnTo>
+                  <a:lnTo>
+                    <a:pt x="0" y="0"/>
+                  </a:lnTo>
+                  <a:lnTo>
+                    <a:pt x="0" y="0"/>
+                  </a:lnTo>
+                  <a:lnTo>
+                    <a:pt x="266" y="159"/>
+                  </a:lnTo>
+                  <a:lnTo>
+                    <a:pt x="266" y="468"/>
+                  </a:lnTo>
+                  <a:close/>
+                </a:path>
+              </a:pathLst>
+            </a:custGeom>
+            <a:gradFill flip="none" rotWithShape="1">
+              <a:gsLst>
+                <a:gs pos="20000">
+                  <a:schemeClr val="bg2">
+                    <a:lumMod val="90000"/>
+                    <a:lumOff val="10000"/>
+                    <a:alpha val="20000"/>
+                  </a:schemeClr>
+                </a:gs>
+                <a:gs pos="100000">
+                  <a:schemeClr val="accent1">
+                    <a:lumMod val="60000"/>
+                    <a:lumOff val="40000"/>
+                    <a:alpha val="20000"/>
+                  </a:schemeClr>
+                </a:gs>
+              </a:gsLst>
+              <a:lin ang="19800000" scaled="0"/>
+              <a:tileRect/>
+            </a:gradFill>
+            <a:ln>
+              <a:noFill/>
+            </a:ln>
+            <a:effectLst>
+              <a:innerShdw blurRad="254000">
+                <a:schemeClr val="bg2">
+                  <a:lumMod val="90000"/>
+                  <a:lumOff val="10000"/>
+                </a:schemeClr>
+              </a:innerShdw>
+            </a:effectLst>
+          </p:spPr>
+          <p:style>
+            <a:lnRef idx="2">
+              <a:schemeClr val="accent1">
+                <a:shade val="50000"/>
+              </a:schemeClr>
+            </a:lnRef>
+            <a:fillRef idx="1">
+              <a:schemeClr val="accent1"/>
+            </a:fillRef>
+            <a:effectRef idx="0">
+              <a:schemeClr val="accent1"/>
+            </a:effectRef>
+            <a:fontRef idx="minor">
+              <a:schemeClr val="lt1"/>
+            </a:fontRef>
+          </p:style>
+          <p:txBody>
+            <a:bodyPr rot="0" spcFirstLastPara="0" vertOverflow="overflow" horzOverflow="overflow" vert="horz" wrap="square" lIns="91440" tIns="45720" rIns="91440" bIns="45720" numCol="1" spcCol="0" rtlCol="0" fromWordArt="0" anchor="ctr" anchorCtr="0" forceAA="0" compatLnSpc="1">
+              <a:prstTxWarp prst="textNoShape">
+                <a:avLst/>
+              </a:prstTxWarp>
+              <a:noAutofit/>
+            </a:bodyPr>
+            <a:lstStyle/>
+            <a:p>
+              <a:pPr algn="ctr"/>
+              <a:endParaRPr lang="en-US"/>
+            </a:p>
+          </p:txBody>
+        </p:sp>
+        <p:sp>
+          <p:nvSpPr>
+            <p:cNvPr id="20" name="Freeform 8">
+              <a:extLst>
+                <a:ext uri="{FF2B5EF4-FFF2-40B4-BE49-F238E27FC236}">
+                  <a16:creationId xmlns:a16="http://schemas.microsoft.com/office/drawing/2014/main" id="{3BEAD276-8850-4C0C-9777-8537000D522A}"/>
+                </a:ext>
+              </a:extLst>
+            </p:cNvPr>
+            <p:cNvSpPr>
+              <a:spLocks/>
+            </p:cNvSpPr>
+            <p:nvPr/>
+          </p:nvSpPr>
+          <p:spPr bwMode="auto">
+            <a:xfrm rot="1800000">
+              <a:off x="5508097" y="1586019"/>
+              <a:ext cx="315144" cy="538275"/>
+            </a:xfrm>
+            <a:custGeom>
+              <a:avLst/>
+              <a:gdLst>
+                <a:gd name="T0" fmla="*/ 274 w 274"/>
+                <a:gd name="T1" fmla="*/ 0 h 468"/>
+                <a:gd name="T2" fmla="*/ 274 w 274"/>
+                <a:gd name="T3" fmla="*/ 310 h 468"/>
+                <a:gd name="T4" fmla="*/ 274 w 274"/>
+                <a:gd name="T5" fmla="*/ 310 h 468"/>
+                <a:gd name="T6" fmla="*/ 0 w 274"/>
+                <a:gd name="T7" fmla="*/ 468 h 468"/>
+                <a:gd name="T8" fmla="*/ 0 w 274"/>
+                <a:gd name="T9" fmla="*/ 159 h 468"/>
+                <a:gd name="T10" fmla="*/ 274 w 274"/>
+                <a:gd name="T11" fmla="*/ 0 h 468"/>
+                <a:gd name="T12" fmla="*/ 274 w 274"/>
+                <a:gd name="T13" fmla="*/ 0 h 468"/>
+              </a:gdLst>
+              <a:ahLst/>
+              <a:cxnLst>
+                <a:cxn ang="0">
+                  <a:pos x="T0" y="T1"/>
+                </a:cxn>
+                <a:cxn ang="0">
+                  <a:pos x="T2" y="T3"/>
+                </a:cxn>
+                <a:cxn ang="0">
+                  <a:pos x="T4" y="T5"/>
+                </a:cxn>
+                <a:cxn ang="0">
+                  <a:pos x="T6" y="T7"/>
+                </a:cxn>
+                <a:cxn ang="0">
+                  <a:pos x="T8" y="T9"/>
+                </a:cxn>
+                <a:cxn ang="0">
+                  <a:pos x="T10" y="T11"/>
+                </a:cxn>
+                <a:cxn ang="0">
+                  <a:pos x="T12" y="T13"/>
+                </a:cxn>
+              </a:cxnLst>
+              <a:rect l="0" t="0" r="r" b="b"/>
+              <a:pathLst>
+                <a:path w="274" h="468">
+                  <a:moveTo>
+                    <a:pt x="274" y="0"/>
+                  </a:moveTo>
+                  <a:lnTo>
+                    <a:pt x="274" y="310"/>
+                  </a:lnTo>
+                  <a:lnTo>
+                    <a:pt x="274" y="310"/>
+                  </a:lnTo>
+                  <a:lnTo>
+                    <a:pt x="0" y="468"/>
+                  </a:lnTo>
+                  <a:lnTo>
+                    <a:pt x="0" y="159"/>
+                  </a:lnTo>
+                  <a:lnTo>
+                    <a:pt x="274" y="0"/>
+                  </a:lnTo>
+                  <a:lnTo>
+                    <a:pt x="274" y="0"/>
+                  </a:lnTo>
+                  <a:close/>
+                </a:path>
+              </a:pathLst>
+            </a:custGeom>
+            <a:gradFill flip="none" rotWithShape="1">
+              <a:gsLst>
+                <a:gs pos="20000">
+                  <a:schemeClr val="bg2">
+                    <a:lumMod val="90000"/>
+                    <a:lumOff val="10000"/>
+                    <a:alpha val="20000"/>
+                  </a:schemeClr>
+                </a:gs>
+                <a:gs pos="100000">
+                  <a:schemeClr val="accent1">
+                    <a:lumMod val="60000"/>
+                    <a:lumOff val="40000"/>
+                    <a:alpha val="20000"/>
+                  </a:schemeClr>
+                </a:gs>
+              </a:gsLst>
+              <a:lin ang="18000000" scaled="0"/>
+              <a:tileRect/>
+            </a:gradFill>
+            <a:ln>
+              <a:noFill/>
+            </a:ln>
+            <a:effectLst>
+              <a:innerShdw blurRad="254000">
+                <a:schemeClr val="accent1">
+                  <a:lumMod val="60000"/>
+                  <a:lumOff val="40000"/>
+                  <a:alpha val="60000"/>
+                </a:schemeClr>
+              </a:innerShdw>
+            </a:effectLst>
+          </p:spPr>
+          <p:style>
+            <a:lnRef idx="2">
+              <a:schemeClr val="accent1">
+                <a:shade val="50000"/>
+              </a:schemeClr>
+            </a:lnRef>
+            <a:fillRef idx="1">
+              <a:schemeClr val="accent1"/>
+            </a:fillRef>
+            <a:effectRef idx="0">
+              <a:schemeClr val="accent1"/>
+            </a:effectRef>
+            <a:fontRef idx="minor">
+              <a:schemeClr val="lt1"/>
+            </a:fontRef>
+          </p:style>
+          <p:txBody>
+            <a:bodyPr rot="0" spcFirstLastPara="0" vertOverflow="overflow" horzOverflow="overflow" vert="horz" wrap="square" lIns="91440" tIns="45720" rIns="91440" bIns="45720" numCol="1" spcCol="0" rtlCol="0" fromWordArt="0" anchor="ctr" anchorCtr="0" forceAA="0" compatLnSpc="1">
+              <a:prstTxWarp prst="textNoShape">
+                <a:avLst/>
+              </a:prstTxWarp>
+              <a:noAutofit/>
+            </a:bodyPr>
+            <a:lstStyle/>
+            <a:p>
+              <a:pPr algn="ctr"/>
+              <a:endParaRPr lang="en-US"/>
+            </a:p>
+          </p:txBody>
+        </p:sp>
+      </p:grpSp>
       <p:sp>
         <p:nvSpPr>
-          <p:cNvPr id="2" name="제목 1">
-            <a:extLst>
-              <a:ext uri="{FF2B5EF4-FFF2-40B4-BE49-F238E27FC236}">
-                <a16:creationId xmlns:a16="http://schemas.microsoft.com/office/drawing/2014/main" id="{D358CD7D-A9AF-923A-6626-ABD1D47A5635}"/>
+          <p:cNvPr id="2" name="Title 1">
+            <a:extLst>
+              <a:ext uri="{FF2B5EF4-FFF2-40B4-BE49-F238E27FC236}">
+                <a16:creationId xmlns:a16="http://schemas.microsoft.com/office/drawing/2014/main" id="{4E5EE0A0-B07E-479B-9684-4BD09FA4376C}"/>
               </a:ext>
             </a:extLst>
           </p:cNvPr>
@@ -2483,31 +6887,39 @@
         </p:nvSpPr>
         <p:spPr>
           <a:xfrm>
-            <a:off x="839788" y="457200"/>
-            <a:ext cx="3932237" cy="1600200"/>
+            <a:off x="550863" y="575409"/>
+            <a:ext cx="4500562" cy="984885"/>
           </a:xfrm>
         </p:spPr>
         <p:txBody>
-          <a:bodyPr anchor="b"/>
+          <a:bodyPr vert="horz" wrap="square" lIns="0" tIns="0" rIns="0" bIns="0" rtlCol="0" anchor="t" anchorCtr="0">
+            <a:normAutofit/>
+          </a:bodyPr>
           <a:lstStyle>
             <a:lvl1pPr>
-              <a:defRPr sz="3200"/>
+              <a:defRPr lang="en-US" sz="3200" dirty="0"/>
             </a:lvl1pPr>
           </a:lstStyle>
           <a:p>
+            <a:pPr lvl="0">
+              <a:lnSpc>
+                <a:spcPct val="100000"/>
+              </a:lnSpc>
+            </a:pPr>
             <a:r>
-              <a:rPr lang="ko-KR" altLang="en-US"/>
-              <a:t>마스터 제목 스타일 편집</a:t>
+              <a:rPr lang="en-US"/>
+              <a:t>Click to edit Master title style</a:t>
             </a:r>
+            <a:endParaRPr lang="en-US" dirty="0"/>
           </a:p>
         </p:txBody>
       </p:sp>
       <p:sp>
         <p:nvSpPr>
-          <p:cNvPr id="3" name="그림 개체 틀 2">
-            <a:extLst>
-              <a:ext uri="{FF2B5EF4-FFF2-40B4-BE49-F238E27FC236}">
-                <a16:creationId xmlns:a16="http://schemas.microsoft.com/office/drawing/2014/main" id="{E705F6AF-EFCA-DA1C-D890-F4D3B8594019}"/>
+          <p:cNvPr id="3" name="Picture Placeholder 2">
+            <a:extLst>
+              <a:ext uri="{FF2B5EF4-FFF2-40B4-BE49-F238E27FC236}">
+                <a16:creationId xmlns:a16="http://schemas.microsoft.com/office/drawing/2014/main" id="{C11893A9-3462-4F51-83AE-5D2F124B985F}"/>
               </a:ext>
             </a:extLst>
           </p:cNvPr>
@@ -2520,16 +6932,18 @@
         </p:nvSpPr>
         <p:spPr>
           <a:xfrm>
-            <a:off x="5183188" y="987425"/>
-            <a:ext cx="6172200" cy="4873625"/>
+            <a:off x="5267324" y="575409"/>
+            <a:ext cx="6373813" cy="5733316"/>
           </a:xfrm>
         </p:spPr>
         <p:txBody>
-          <a:bodyPr/>
+          <a:bodyPr>
+            <a:normAutofit/>
+          </a:bodyPr>
           <a:lstStyle>
             <a:lvl1pPr marL="0" indent="0">
               <a:buNone/>
-              <a:defRPr sz="3200"/>
+              <a:defRPr sz="1600"/>
             </a:lvl1pPr>
             <a:lvl2pPr marL="457200" indent="0">
               <a:buNone/>
@@ -2565,16 +6979,20 @@
             </a:lvl9pPr>
           </a:lstStyle>
           <a:p>
-            <a:endParaRPr lang="ko-KR" altLang="en-US"/>
+            <a:r>
+              <a:rPr lang="en-US"/>
+              <a:t>Click icon to add picture</a:t>
+            </a:r>
+            <a:endParaRPr lang="en-US" dirty="0"/>
           </a:p>
         </p:txBody>
       </p:sp>
       <p:sp>
         <p:nvSpPr>
-          <p:cNvPr id="4" name="텍스트 개체 틀 3">
-            <a:extLst>
-              <a:ext uri="{FF2B5EF4-FFF2-40B4-BE49-F238E27FC236}">
-                <a16:creationId xmlns:a16="http://schemas.microsoft.com/office/drawing/2014/main" id="{C3F836B1-28CC-5867-20B3-C33634FEEFE1}"/>
+          <p:cNvPr id="4" name="Text Placeholder 3">
+            <a:extLst>
+              <a:ext uri="{FF2B5EF4-FFF2-40B4-BE49-F238E27FC236}">
+                <a16:creationId xmlns:a16="http://schemas.microsoft.com/office/drawing/2014/main" id="{8BA9240C-79C0-4A88-A476-725DE1B9C28F}"/>
               </a:ext>
             </a:extLst>
           </p:cNvPr>
@@ -2587,12 +7005,12 @@
         </p:nvSpPr>
         <p:spPr>
           <a:xfrm>
-            <a:off x="839788" y="2057400"/>
-            <a:ext cx="3932237" cy="3811588"/>
+            <a:off x="550863" y="1776195"/>
+            <a:ext cx="4500562" cy="4532530"/>
           </a:xfrm>
         </p:spPr>
         <p:txBody>
-          <a:bodyPr/>
+          <a:bodyPr anchor="t" anchorCtr="0"/>
           <a:lstStyle>
             <a:lvl1pPr marL="0" indent="0">
               <a:buNone/>
@@ -2634,18 +7052,18 @@
           <a:p>
             <a:pPr lvl="0"/>
             <a:r>
-              <a:rPr lang="ko-KR" altLang="en-US"/>
-              <a:t>마스터 텍스트 스타일을 편집하려면 클릭</a:t>
+              <a:rPr lang="en-US"/>
+              <a:t>Click to edit Master text styles</a:t>
             </a:r>
           </a:p>
         </p:txBody>
       </p:sp>
       <p:sp>
         <p:nvSpPr>
-          <p:cNvPr id="5" name="날짜 개체 틀 4">
-            <a:extLst>
-              <a:ext uri="{FF2B5EF4-FFF2-40B4-BE49-F238E27FC236}">
-                <a16:creationId xmlns:a16="http://schemas.microsoft.com/office/drawing/2014/main" id="{974FB76B-4E2E-D9CE-427C-06AF9319BFA6}"/>
+          <p:cNvPr id="5" name="Date Placeholder 4">
+            <a:extLst>
+              <a:ext uri="{FF2B5EF4-FFF2-40B4-BE49-F238E27FC236}">
+                <a16:creationId xmlns:a16="http://schemas.microsoft.com/office/drawing/2014/main" id="{E57D2D6F-49E8-4217-A908-2D9E43583589}"/>
               </a:ext>
             </a:extLst>
           </p:cNvPr>
@@ -2661,20 +7079,20 @@
           <a:bodyPr/>
           <a:lstStyle/>
           <a:p>
-            <a:fld id="{13F532C3-E321-48AC-B9B2-1BFF984D6D7A}" type="datetimeFigureOut">
-              <a:rPr lang="ko-KR" altLang="en-US" smtClean="0"/>
-              <a:t>2023-06-21</a:t>
+            <a:fld id="{E50BC9E2-CB44-4C05-9BB5-496C18A241E0}" type="datetime2">
+              <a:rPr lang="en-US" smtClean="0"/>
+              <a:t>Thursday, June 22, 2023</a:t>
             </a:fld>
-            <a:endParaRPr lang="ko-KR" altLang="en-US"/>
+            <a:endParaRPr lang="en-US"/>
           </a:p>
         </p:txBody>
       </p:sp>
       <p:sp>
         <p:nvSpPr>
-          <p:cNvPr id="6" name="바닥글 개체 틀 5">
-            <a:extLst>
-              <a:ext uri="{FF2B5EF4-FFF2-40B4-BE49-F238E27FC236}">
-                <a16:creationId xmlns:a16="http://schemas.microsoft.com/office/drawing/2014/main" id="{35057201-F65A-9789-0FE0-E2BEC668B3F3}"/>
+          <p:cNvPr id="6" name="Footer Placeholder 5">
+            <a:extLst>
+              <a:ext uri="{FF2B5EF4-FFF2-40B4-BE49-F238E27FC236}">
+                <a16:creationId xmlns:a16="http://schemas.microsoft.com/office/drawing/2014/main" id="{591C4440-6B8D-4A24-A807-8B1302A3DFAF}"/>
               </a:ext>
             </a:extLst>
           </p:cNvPr>
@@ -2690,16 +7108,19 @@
           <a:bodyPr/>
           <a:lstStyle/>
           <a:p>
-            <a:endParaRPr lang="ko-KR" altLang="en-US"/>
+            <a:r>
+              <a:rPr lang="en-US"/>
+              <a:t>Sample Footer</a:t>
+            </a:r>
           </a:p>
         </p:txBody>
       </p:sp>
       <p:sp>
         <p:nvSpPr>
-          <p:cNvPr id="7" name="슬라이드 번호 개체 틀 6">
-            <a:extLst>
-              <a:ext uri="{FF2B5EF4-FFF2-40B4-BE49-F238E27FC236}">
-                <a16:creationId xmlns:a16="http://schemas.microsoft.com/office/drawing/2014/main" id="{2A82F93D-9F69-79C7-708F-EBFBF19038DB}"/>
+          <p:cNvPr id="7" name="Slide Number Placeholder 6">
+            <a:extLst>
+              <a:ext uri="{FF2B5EF4-FFF2-40B4-BE49-F238E27FC236}">
+                <a16:creationId xmlns:a16="http://schemas.microsoft.com/office/drawing/2014/main" id="{76CFE189-E20B-4108-B290-244424336512}"/>
               </a:ext>
             </a:extLst>
           </p:cNvPr>
@@ -2715,18 +7136,18 @@
           <a:bodyPr/>
           <a:lstStyle/>
           <a:p>
-            <a:fld id="{7B81F63B-0CCB-4C66-B328-A984CFCA8555}" type="slidenum">
-              <a:rPr lang="ko-KR" altLang="en-US" smtClean="0"/>
+            <a:fld id="{DBA1B0FB-D917-4C8C-928F-313BD683BF39}" type="slidenum">
+              <a:rPr lang="en-US" smtClean="0"/>
               <a:t>‹#›</a:t>
             </a:fld>
-            <a:endParaRPr lang="ko-KR" altLang="en-US"/>
+            <a:endParaRPr lang="en-US"/>
           </a:p>
         </p:txBody>
       </p:sp>
     </p:spTree>
     <p:extLst>
       <p:ext uri="{BB962C8B-B14F-4D97-AF65-F5344CB8AC3E}">
-        <p14:creationId xmlns:p14="http://schemas.microsoft.com/office/powerpoint/2010/main" val="2978976709"/>
+        <p14:creationId xmlns:p14="http://schemas.microsoft.com/office/powerpoint/2010/main" val="4223956758"/>
       </p:ext>
     </p:extLst>
   </p:cSld>
@@ -2741,7 +7162,7 @@
   <p:cSld>
     <p:bg>
       <p:bgRef idx="1001">
-        <a:schemeClr val="bg1"/>
+        <a:schemeClr val="bg2"/>
       </p:bgRef>
     </p:bg>
     <p:spTree>
@@ -2760,10 +7181,10 @@
       </p:grpSpPr>
       <p:sp>
         <p:nvSpPr>
-          <p:cNvPr id="2" name="제목 개체 틀 1">
-            <a:extLst>
-              <a:ext uri="{FF2B5EF4-FFF2-40B4-BE49-F238E27FC236}">
-                <a16:creationId xmlns:a16="http://schemas.microsoft.com/office/drawing/2014/main" id="{5D2C2F80-94DA-3234-4BEE-A81AF3C1AFB8}"/>
+          <p:cNvPr id="2" name="Title Placeholder 1">
+            <a:extLst>
+              <a:ext uri="{FF2B5EF4-FFF2-40B4-BE49-F238E27FC236}">
+                <a16:creationId xmlns:a16="http://schemas.microsoft.com/office/drawing/2014/main" id="{A8028302-E866-455D-8898-53623027543F}"/>
               </a:ext>
             </a:extLst>
           </p:cNvPr>
@@ -2776,32 +7197,36 @@
         </p:nvSpPr>
         <p:spPr>
           <a:xfrm>
-            <a:off x="838200" y="365125"/>
-            <a:ext cx="10515600" cy="1325563"/>
+            <a:off x="550863" y="550800"/>
+            <a:ext cx="11090275" cy="1333057"/>
           </a:xfrm>
           <a:prstGeom prst="rect">
             <a:avLst/>
           </a:prstGeom>
         </p:spPr>
         <p:txBody>
-          <a:bodyPr vert="horz" lIns="91440" tIns="45720" rIns="91440" bIns="45720" rtlCol="0" anchor="ctr">
-            <a:normAutofit/>
-          </a:bodyPr>
+          <a:bodyPr lIns="109728" tIns="109728" rIns="109728" bIns="91440" anchor="t"/>
           <a:lstStyle/>
           <a:p>
+            <a:pPr lvl="0">
+              <a:lnSpc>
+                <a:spcPct val="100000"/>
+              </a:lnSpc>
+            </a:pPr>
             <a:r>
-              <a:rPr lang="ko-KR" altLang="en-US"/>
-              <a:t>마스터 제목 스타일 편집</a:t>
+              <a:rPr lang="en-US"/>
+              <a:t>Click to edit Master title style</a:t>
             </a:r>
+            <a:endParaRPr lang="en-US" dirty="0"/>
           </a:p>
         </p:txBody>
       </p:sp>
       <p:sp>
         <p:nvSpPr>
-          <p:cNvPr id="3" name="텍스트 개체 틀 2">
-            <a:extLst>
-              <a:ext uri="{FF2B5EF4-FFF2-40B4-BE49-F238E27FC236}">
-                <a16:creationId xmlns:a16="http://schemas.microsoft.com/office/drawing/2014/main" id="{659058C8-EBA4-BFA6-7C80-5FFC13AFDA09}"/>
+          <p:cNvPr id="3" name="Text Placeholder 2">
+            <a:extLst>
+              <a:ext uri="{FF2B5EF4-FFF2-40B4-BE49-F238E27FC236}">
+                <a16:creationId xmlns:a16="http://schemas.microsoft.com/office/drawing/2014/main" id="{BC94E72B-F0CF-4BC4-B509-A1C4508BE435}"/>
               </a:ext>
             </a:extLst>
           </p:cNvPr>
@@ -2814,61 +7239,60 @@
         </p:nvSpPr>
         <p:spPr>
           <a:xfrm>
-            <a:off x="838200" y="1825625"/>
-            <a:ext cx="10515600" cy="4351338"/>
+            <a:off x="550863" y="2113862"/>
+            <a:ext cx="11091600" cy="3978963"/>
           </a:xfrm>
           <a:prstGeom prst="rect">
             <a:avLst/>
           </a:prstGeom>
         </p:spPr>
         <p:txBody>
-          <a:bodyPr vert="horz" lIns="91440" tIns="45720" rIns="91440" bIns="45720" rtlCol="0">
-            <a:normAutofit/>
-          </a:bodyPr>
+          <a:bodyPr lIns="109728" tIns="109728" rIns="109728" bIns="91440"/>
           <a:lstStyle/>
           <a:p>
             <a:pPr lvl="0"/>
             <a:r>
-              <a:rPr lang="ko-KR" altLang="en-US"/>
-              <a:t>마스터 텍스트 스타일을 편집하려면 클릭</a:t>
+              <a:rPr lang="en-US"/>
+              <a:t>Click to edit Master text styles</a:t>
             </a:r>
           </a:p>
           <a:p>
             <a:pPr lvl="1"/>
             <a:r>
-              <a:rPr lang="ko-KR" altLang="en-US"/>
-              <a:t>두 번째 수준</a:t>
+              <a:rPr lang="en-US"/>
+              <a:t>Second level</a:t>
             </a:r>
           </a:p>
           <a:p>
             <a:pPr lvl="2"/>
             <a:r>
-              <a:rPr lang="ko-KR" altLang="en-US"/>
-              <a:t>세 번째 수준</a:t>
+              <a:rPr lang="en-US"/>
+              <a:t>Third level</a:t>
             </a:r>
           </a:p>
           <a:p>
             <a:pPr lvl="3"/>
             <a:r>
-              <a:rPr lang="ko-KR" altLang="en-US"/>
-              <a:t>네 번째 수준</a:t>
+              <a:rPr lang="en-US"/>
+              <a:t>Fourth level</a:t>
             </a:r>
           </a:p>
           <a:p>
             <a:pPr lvl="4"/>
             <a:r>
-              <a:rPr lang="ko-KR" altLang="en-US"/>
-              <a:t>다섯 번째 수준</a:t>
+              <a:rPr lang="en-US"/>
+              <a:t>Fifth level</a:t>
             </a:r>
+            <a:endParaRPr lang="en-US" dirty="0"/>
           </a:p>
         </p:txBody>
       </p:sp>
       <p:sp>
         <p:nvSpPr>
-          <p:cNvPr id="4" name="날짜 개체 틀 3">
-            <a:extLst>
-              <a:ext uri="{FF2B5EF4-FFF2-40B4-BE49-F238E27FC236}">
-                <a16:creationId xmlns:a16="http://schemas.microsoft.com/office/drawing/2014/main" id="{216D594B-CE54-7909-F0A7-1A4FD076D3F6}"/>
+          <p:cNvPr id="4" name="Date Placeholder 3">
+            <a:extLst>
+              <a:ext uri="{FF2B5EF4-FFF2-40B4-BE49-F238E27FC236}">
+                <a16:creationId xmlns:a16="http://schemas.microsoft.com/office/drawing/2014/main" id="{34ACE49D-C22F-4540-AC09-E421D2A2EDBE}"/>
               </a:ext>
             </a:extLst>
           </p:cNvPr>
@@ -2881,41 +7305,41 @@
         </p:nvSpPr>
         <p:spPr>
           <a:xfrm>
-            <a:off x="838200" y="6356350"/>
-            <a:ext cx="2743200" cy="365125"/>
+            <a:off x="550863" y="6507212"/>
+            <a:ext cx="2628900" cy="153888"/>
           </a:xfrm>
           <a:prstGeom prst="rect">
             <a:avLst/>
           </a:prstGeom>
         </p:spPr>
         <p:txBody>
-          <a:bodyPr vert="horz" lIns="91440" tIns="45720" rIns="91440" bIns="45720" rtlCol="0" anchor="ctr"/>
+          <a:bodyPr lIns="109728" tIns="109728" rIns="109728" bIns="91440" anchor="ctr"/>
           <a:lstStyle>
             <a:lvl1pPr algn="l">
-              <a:defRPr sz="1200">
+              <a:defRPr sz="1000" spc="80">
                 <a:solidFill>
                   <a:schemeClr val="tx1">
-                    <a:tint val="75000"/>
+                    <a:alpha val="80000"/>
                   </a:schemeClr>
                 </a:solidFill>
               </a:defRPr>
             </a:lvl1pPr>
           </a:lstStyle>
           <a:p>
-            <a:fld id="{13F532C3-E321-48AC-B9B2-1BFF984D6D7A}" type="datetimeFigureOut">
-              <a:rPr lang="ko-KR" altLang="en-US" smtClean="0"/>
-              <a:t>2023-06-21</a:t>
+            <a:fld id="{246CB39B-5F4C-4A7E-9BE3-AAFD45576D16}" type="datetime2">
+              <a:rPr lang="en-US" smtClean="0"/>
+              <a:t>Thursday, June 22, 2023</a:t>
             </a:fld>
-            <a:endParaRPr lang="ko-KR" altLang="en-US"/>
+            <a:endParaRPr lang="en-US" dirty="0"/>
           </a:p>
         </p:txBody>
       </p:sp>
       <p:sp>
         <p:nvSpPr>
-          <p:cNvPr id="5" name="바닥글 개체 틀 4">
-            <a:extLst>
-              <a:ext uri="{FF2B5EF4-FFF2-40B4-BE49-F238E27FC236}">
-                <a16:creationId xmlns:a16="http://schemas.microsoft.com/office/drawing/2014/main" id="{3AE58E3E-CB26-3829-19ED-819CDFF0E69F}"/>
+          <p:cNvPr id="5" name="Footer Placeholder 4">
+            <a:extLst>
+              <a:ext uri="{FF2B5EF4-FFF2-40B4-BE49-F238E27FC236}">
+                <a16:creationId xmlns:a16="http://schemas.microsoft.com/office/drawing/2014/main" id="{ACD5C3BE-317E-49E8-82B5-C8A7EC9C8A7E}"/>
               </a:ext>
             </a:extLst>
           </p:cNvPr>
@@ -2928,37 +7352,41 @@
         </p:nvSpPr>
         <p:spPr>
           <a:xfrm>
-            <a:off x="4038600" y="6356350"/>
-            <a:ext cx="4114800" cy="365125"/>
+            <a:off x="3359150" y="6507212"/>
+            <a:ext cx="6379210" cy="153888"/>
           </a:xfrm>
           <a:prstGeom prst="rect">
             <a:avLst/>
           </a:prstGeom>
         </p:spPr>
         <p:txBody>
-          <a:bodyPr vert="horz" lIns="91440" tIns="45720" rIns="91440" bIns="45720" rtlCol="0" anchor="ctr"/>
+          <a:bodyPr lIns="109728" tIns="109728" rIns="109728" bIns="91440" anchor="ctr"/>
           <a:lstStyle>
-            <a:lvl1pPr algn="ctr">
-              <a:defRPr sz="1200">
+            <a:lvl1pPr algn="l">
+              <a:defRPr sz="1000" spc="80">
                 <a:solidFill>
                   <a:schemeClr val="tx1">
-                    <a:tint val="75000"/>
+                    <a:alpha val="80000"/>
                   </a:schemeClr>
                 </a:solidFill>
               </a:defRPr>
             </a:lvl1pPr>
           </a:lstStyle>
           <a:p>
-            <a:endParaRPr lang="ko-KR" altLang="en-US"/>
+            <a:r>
+              <a:rPr lang="en-US"/>
+              <a:t>Sample Footer</a:t>
+            </a:r>
+            <a:endParaRPr lang="en-US" dirty="0"/>
           </a:p>
         </p:txBody>
       </p:sp>
       <p:sp>
         <p:nvSpPr>
-          <p:cNvPr id="6" name="슬라이드 번호 개체 틀 5">
-            <a:extLst>
-              <a:ext uri="{FF2B5EF4-FFF2-40B4-BE49-F238E27FC236}">
-                <a16:creationId xmlns:a16="http://schemas.microsoft.com/office/drawing/2014/main" id="{66E7B4C6-68E9-6DE4-8572-C718DEA86B8A}"/>
+          <p:cNvPr id="6" name="Slide Number Placeholder 5">
+            <a:extLst>
+              <a:ext uri="{FF2B5EF4-FFF2-40B4-BE49-F238E27FC236}">
+                <a16:creationId xmlns:a16="http://schemas.microsoft.com/office/drawing/2014/main" id="{45574E12-6C16-431F-B2CE-E4B15916BA05}"/>
               </a:ext>
             </a:extLst>
           </p:cNvPr>
@@ -2971,67 +7399,69 @@
         </p:nvSpPr>
         <p:spPr>
           <a:xfrm>
-            <a:off x="8610600" y="6356350"/>
-            <a:ext cx="2743200" cy="365125"/>
+            <a:off x="9948863" y="6507212"/>
+            <a:ext cx="1692274" cy="153888"/>
           </a:xfrm>
           <a:prstGeom prst="rect">
             <a:avLst/>
           </a:prstGeom>
         </p:spPr>
         <p:txBody>
-          <a:bodyPr vert="horz" lIns="91440" tIns="45720" rIns="91440" bIns="45720" rtlCol="0" anchor="ctr"/>
+          <a:bodyPr lIns="109728" tIns="109728" rIns="109728" bIns="91440" anchor="ctr"/>
           <a:lstStyle>
             <a:lvl1pPr algn="r">
-              <a:defRPr sz="1200">
+              <a:defRPr sz="1000" spc="80">
                 <a:solidFill>
                   <a:schemeClr val="tx1">
-                    <a:tint val="75000"/>
+                    <a:alpha val="80000"/>
                   </a:schemeClr>
                 </a:solidFill>
               </a:defRPr>
             </a:lvl1pPr>
           </a:lstStyle>
           <a:p>
-            <a:fld id="{7B81F63B-0CCB-4C66-B328-A984CFCA8555}" type="slidenum">
-              <a:rPr lang="ko-KR" altLang="en-US" smtClean="0"/>
+            <a:fld id="{DBA1B0FB-D917-4C8C-928F-313BD683BF39}" type="slidenum">
+              <a:rPr lang="en-US" smtClean="0"/>
+              <a:pPr/>
               <a:t>‹#›</a:t>
             </a:fld>
-            <a:endParaRPr lang="ko-KR" altLang="en-US"/>
+            <a:endParaRPr lang="en-US"/>
           </a:p>
         </p:txBody>
       </p:sp>
     </p:spTree>
     <p:extLst>
       <p:ext uri="{BB962C8B-B14F-4D97-AF65-F5344CB8AC3E}">
-        <p14:creationId xmlns:p14="http://schemas.microsoft.com/office/powerpoint/2010/main" val="2644191734"/>
+        <p14:creationId xmlns:p14="http://schemas.microsoft.com/office/powerpoint/2010/main" val="725339430"/>
       </p:ext>
     </p:extLst>
   </p:cSld>
-  <p:clrMap bg1="lt1" tx1="dk1" bg2="lt2" tx2="dk2" accent1="accent1" accent2="accent2" accent3="accent3" accent4="accent4" accent5="accent5" accent6="accent6" hlink="hlink" folHlink="folHlink"/>
+  <p:clrMap bg1="dk1" tx1="lt1" bg2="dk2" tx2="lt2" accent1="accent1" accent2="accent2" accent3="accent3" accent4="accent4" accent5="accent5" accent6="accent6" hlink="hlink" folHlink="folHlink"/>
   <p:sldLayoutIdLst>
-    <p:sldLayoutId id="2147483649" r:id="rId1"/>
-    <p:sldLayoutId id="2147483650" r:id="rId2"/>
-    <p:sldLayoutId id="2147483651" r:id="rId3"/>
-    <p:sldLayoutId id="2147483652" r:id="rId4"/>
-    <p:sldLayoutId id="2147483653" r:id="rId5"/>
-    <p:sldLayoutId id="2147483654" r:id="rId6"/>
-    <p:sldLayoutId id="2147483655" r:id="rId7"/>
-    <p:sldLayoutId id="2147483656" r:id="rId8"/>
-    <p:sldLayoutId id="2147483657" r:id="rId9"/>
-    <p:sldLayoutId id="2147483658" r:id="rId10"/>
-    <p:sldLayoutId id="2147483659" r:id="rId11"/>
+    <p:sldLayoutId id="2147483671" r:id="rId1"/>
+    <p:sldLayoutId id="2147483670" r:id="rId2"/>
+    <p:sldLayoutId id="2147483669" r:id="rId3"/>
+    <p:sldLayoutId id="2147483668" r:id="rId4"/>
+    <p:sldLayoutId id="2147483667" r:id="rId5"/>
+    <p:sldLayoutId id="2147483666" r:id="rId6"/>
+    <p:sldLayoutId id="2147483665" r:id="rId7"/>
+    <p:sldLayoutId id="2147483664" r:id="rId8"/>
+    <p:sldLayoutId id="2147483663" r:id="rId9"/>
+    <p:sldLayoutId id="2147483662" r:id="rId10"/>
+    <p:sldLayoutId id="2147483661" r:id="rId11"/>
   </p:sldLayoutIdLst>
+  <p:hf sldNum="0" hdr="0" ftr="0" dt="0"/>
   <p:txStyles>
     <p:titleStyle>
-      <a:lvl1pPr algn="l" defTabSz="914400" rtl="0" eaLnBrk="1" latinLnBrk="1" hangingPunct="1">
+      <a:lvl1pPr algn="l" defTabSz="914400" rtl="0" eaLnBrk="1" latinLnBrk="0" hangingPunct="1">
         <a:lnSpc>
-          <a:spcPct val="90000"/>
+          <a:spcPct val="110000"/>
         </a:lnSpc>
         <a:spcBef>
           <a:spcPct val="0"/>
         </a:spcBef>
         <a:buNone/>
-        <a:defRPr sz="4400" kern="1200">
+        <a:defRPr lang="en-US" sz="4800" kern="1200" spc="160" dirty="0">
           <a:solidFill>
             <a:schemeClr val="tx1"/>
           </a:solidFill>
@@ -3042,97 +7472,122 @@
       </a:lvl1pPr>
     </p:titleStyle>
     <p:bodyStyle>
-      <a:lvl1pPr marL="228600" indent="-228600" algn="l" defTabSz="914400" rtl="0" eaLnBrk="1" latinLnBrk="1" hangingPunct="1">
+      <a:lvl1pPr marL="228600" indent="-228600" algn="l" defTabSz="914400" rtl="0" eaLnBrk="1" latinLnBrk="0" hangingPunct="1">
         <a:lnSpc>
-          <a:spcPct val="90000"/>
+          <a:spcPct val="114000"/>
         </a:lnSpc>
         <a:spcBef>
           <a:spcPts val="1000"/>
         </a:spcBef>
+        <a:spcAft>
+          <a:spcPts val="800"/>
+        </a:spcAft>
         <a:buFont typeface="Arial" panose="020B0604020202020204" pitchFamily="34" charset="0"/>
         <a:buChar char="•"/>
-        <a:defRPr sz="2800" kern="1200">
+        <a:defRPr sz="2400" kern="1200" spc="70">
           <a:solidFill>
-            <a:schemeClr val="tx1"/>
+            <a:schemeClr val="tx1">
+              <a:alpha val="60000"/>
+            </a:schemeClr>
           </a:solidFill>
           <a:latin typeface="+mn-lt"/>
           <a:ea typeface="+mn-ea"/>
           <a:cs typeface="+mn-cs"/>
         </a:defRPr>
       </a:lvl1pPr>
-      <a:lvl2pPr marL="685800" indent="-228600" algn="l" defTabSz="914400" rtl="0" eaLnBrk="1" latinLnBrk="1" hangingPunct="1">
+      <a:lvl2pPr marL="685800" indent="-228600" algn="l" defTabSz="914400" rtl="0" eaLnBrk="1" latinLnBrk="0" hangingPunct="1">
         <a:lnSpc>
-          <a:spcPct val="90000"/>
+          <a:spcPct val="114000"/>
         </a:lnSpc>
         <a:spcBef>
           <a:spcPts val="500"/>
         </a:spcBef>
+        <a:spcAft>
+          <a:spcPts val="800"/>
+        </a:spcAft>
         <a:buFont typeface="Arial" panose="020B0604020202020204" pitchFamily="34" charset="0"/>
         <a:buChar char="•"/>
-        <a:defRPr sz="2400" kern="1200">
+        <a:defRPr sz="1600" kern="1200" spc="70">
           <a:solidFill>
-            <a:schemeClr val="tx1"/>
+            <a:schemeClr val="tx1">
+              <a:alpha val="60000"/>
+            </a:schemeClr>
           </a:solidFill>
           <a:latin typeface="+mn-lt"/>
           <a:ea typeface="+mn-ea"/>
           <a:cs typeface="+mn-cs"/>
         </a:defRPr>
       </a:lvl2pPr>
-      <a:lvl3pPr marL="1143000" indent="-228600" algn="l" defTabSz="914400" rtl="0" eaLnBrk="1" latinLnBrk="1" hangingPunct="1">
+      <a:lvl3pPr marL="1143000" indent="-228600" algn="l" defTabSz="914400" rtl="0" eaLnBrk="1" latinLnBrk="0" hangingPunct="1">
         <a:lnSpc>
-          <a:spcPct val="90000"/>
+          <a:spcPct val="114000"/>
         </a:lnSpc>
         <a:spcBef>
           <a:spcPts val="500"/>
         </a:spcBef>
+        <a:spcAft>
+          <a:spcPts val="800"/>
+        </a:spcAft>
         <a:buFont typeface="Arial" panose="020B0604020202020204" pitchFamily="34" charset="0"/>
         <a:buChar char="•"/>
-        <a:defRPr sz="2000" kern="1200">
+        <a:defRPr sz="1600" kern="1200" spc="70">
           <a:solidFill>
-            <a:schemeClr val="tx1"/>
+            <a:schemeClr val="tx1">
+              <a:alpha val="60000"/>
+            </a:schemeClr>
           </a:solidFill>
           <a:latin typeface="+mn-lt"/>
           <a:ea typeface="+mn-ea"/>
           <a:cs typeface="+mn-cs"/>
         </a:defRPr>
       </a:lvl3pPr>
-      <a:lvl4pPr marL="1600200" indent="-228600" algn="l" defTabSz="914400" rtl="0" eaLnBrk="1" latinLnBrk="1" hangingPunct="1">
+      <a:lvl4pPr marL="1600200" indent="-228600" algn="l" defTabSz="914400" rtl="0" eaLnBrk="1" latinLnBrk="0" hangingPunct="1">
         <a:lnSpc>
-          <a:spcPct val="90000"/>
+          <a:spcPct val="114000"/>
         </a:lnSpc>
         <a:spcBef>
           <a:spcPts val="500"/>
         </a:spcBef>
+        <a:spcAft>
+          <a:spcPts val="800"/>
+        </a:spcAft>
         <a:buFont typeface="Arial" panose="020B0604020202020204" pitchFamily="34" charset="0"/>
         <a:buChar char="•"/>
-        <a:defRPr sz="1800" kern="1200">
+        <a:defRPr sz="1600" kern="1200" spc="70">
           <a:solidFill>
-            <a:schemeClr val="tx1"/>
+            <a:schemeClr val="tx1">
+              <a:alpha val="60000"/>
+            </a:schemeClr>
           </a:solidFill>
           <a:latin typeface="+mn-lt"/>
           <a:ea typeface="+mn-ea"/>
           <a:cs typeface="+mn-cs"/>
         </a:defRPr>
       </a:lvl4pPr>
-      <a:lvl5pPr marL="2057400" indent="-228600" algn="l" defTabSz="914400" rtl="0" eaLnBrk="1" latinLnBrk="1" hangingPunct="1">
+      <a:lvl5pPr marL="2057400" indent="-228600" algn="l" defTabSz="914400" rtl="0" eaLnBrk="1" latinLnBrk="0" hangingPunct="1">
         <a:lnSpc>
-          <a:spcPct val="90000"/>
+          <a:spcPct val="114000"/>
         </a:lnSpc>
         <a:spcBef>
           <a:spcPts val="500"/>
         </a:spcBef>
+        <a:spcAft>
+          <a:spcPts val="800"/>
+        </a:spcAft>
         <a:buFont typeface="Arial" panose="020B0604020202020204" pitchFamily="34" charset="0"/>
         <a:buChar char="•"/>
-        <a:defRPr sz="1800" kern="1200">
+        <a:defRPr sz="1600" kern="1200" spc="70">
           <a:solidFill>
-            <a:schemeClr val="tx1"/>
+            <a:schemeClr val="tx1">
+              <a:alpha val="60000"/>
+            </a:schemeClr>
           </a:solidFill>
           <a:latin typeface="+mn-lt"/>
           <a:ea typeface="+mn-ea"/>
           <a:cs typeface="+mn-cs"/>
         </a:defRPr>
       </a:lvl5pPr>
-      <a:lvl6pPr marL="2514600" indent="-228600" algn="l" defTabSz="914400" rtl="0" eaLnBrk="1" latinLnBrk="1" hangingPunct="1">
+      <a:lvl6pPr marL="2514600" indent="-228600" algn="l" defTabSz="914400" rtl="0" eaLnBrk="1" latinLnBrk="0" hangingPunct="1">
         <a:lnSpc>
           <a:spcPct val="90000"/>
         </a:lnSpc>
@@ -3150,7 +7605,7 @@
           <a:cs typeface="+mn-cs"/>
         </a:defRPr>
       </a:lvl6pPr>
-      <a:lvl7pPr marL="2971800" indent="-228600" algn="l" defTabSz="914400" rtl="0" eaLnBrk="1" latinLnBrk="1" hangingPunct="1">
+      <a:lvl7pPr marL="2971800" indent="-228600" algn="l" defTabSz="914400" rtl="0" eaLnBrk="1" latinLnBrk="0" hangingPunct="1">
         <a:lnSpc>
           <a:spcPct val="90000"/>
         </a:lnSpc>
@@ -3168,7 +7623,7 @@
           <a:cs typeface="+mn-cs"/>
         </a:defRPr>
       </a:lvl7pPr>
-      <a:lvl8pPr marL="3429000" indent="-228600" algn="l" defTabSz="914400" rtl="0" eaLnBrk="1" latinLnBrk="1" hangingPunct="1">
+      <a:lvl8pPr marL="3429000" indent="-228600" algn="l" defTabSz="914400" rtl="0" eaLnBrk="1" latinLnBrk="0" hangingPunct="1">
         <a:lnSpc>
           <a:spcPct val="90000"/>
         </a:lnSpc>
@@ -3186,7 +7641,7 @@
           <a:cs typeface="+mn-cs"/>
         </a:defRPr>
       </a:lvl8pPr>
-      <a:lvl9pPr marL="3886200" indent="-228600" algn="l" defTabSz="914400" rtl="0" eaLnBrk="1" latinLnBrk="1" hangingPunct="1">
+      <a:lvl9pPr marL="3886200" indent="-228600" algn="l" defTabSz="914400" rtl="0" eaLnBrk="1" latinLnBrk="0" hangingPunct="1">
         <a:lnSpc>
           <a:spcPct val="90000"/>
         </a:lnSpc>
@@ -3207,9 +7662,9 @@
     </p:bodyStyle>
     <p:otherStyle>
       <a:defPPr>
-        <a:defRPr lang="ko-KR"/>
+        <a:defRPr lang="en-US"/>
       </a:defPPr>
-      <a:lvl1pPr marL="0" algn="l" defTabSz="914400" rtl="0" eaLnBrk="1" latinLnBrk="1" hangingPunct="1">
+      <a:lvl1pPr marL="0" algn="l" defTabSz="914400" rtl="0" eaLnBrk="1" latinLnBrk="0" hangingPunct="1">
         <a:defRPr sz="1800" kern="1200">
           <a:solidFill>
             <a:schemeClr val="tx1"/>
@@ -3219,7 +7674,7 @@
           <a:cs typeface="+mn-cs"/>
         </a:defRPr>
       </a:lvl1pPr>
-      <a:lvl2pPr marL="457200" algn="l" defTabSz="914400" rtl="0" eaLnBrk="1" latinLnBrk="1" hangingPunct="1">
+      <a:lvl2pPr marL="457200" algn="l" defTabSz="914400" rtl="0" eaLnBrk="1" latinLnBrk="0" hangingPunct="1">
         <a:defRPr sz="1800" kern="1200">
           <a:solidFill>
             <a:schemeClr val="tx1"/>
@@ -3229,7 +7684,7 @@
           <a:cs typeface="+mn-cs"/>
         </a:defRPr>
       </a:lvl2pPr>
-      <a:lvl3pPr marL="914400" algn="l" defTabSz="914400" rtl="0" eaLnBrk="1" latinLnBrk="1" hangingPunct="1">
+      <a:lvl3pPr marL="914400" algn="l" defTabSz="914400" rtl="0" eaLnBrk="1" latinLnBrk="0" hangingPunct="1">
         <a:defRPr sz="1800" kern="1200">
           <a:solidFill>
             <a:schemeClr val="tx1"/>
@@ -3239,7 +7694,7 @@
           <a:cs typeface="+mn-cs"/>
         </a:defRPr>
       </a:lvl3pPr>
-      <a:lvl4pPr marL="1371600" algn="l" defTabSz="914400" rtl="0" eaLnBrk="1" latinLnBrk="1" hangingPunct="1">
+      <a:lvl4pPr marL="1371600" algn="l" defTabSz="914400" rtl="0" eaLnBrk="1" latinLnBrk="0" hangingPunct="1">
         <a:defRPr sz="1800" kern="1200">
           <a:solidFill>
             <a:schemeClr val="tx1"/>
@@ -3249,7 +7704,7 @@
           <a:cs typeface="+mn-cs"/>
         </a:defRPr>
       </a:lvl4pPr>
-      <a:lvl5pPr marL="1828800" algn="l" defTabSz="914400" rtl="0" eaLnBrk="1" latinLnBrk="1" hangingPunct="1">
+      <a:lvl5pPr marL="1828800" algn="l" defTabSz="914400" rtl="0" eaLnBrk="1" latinLnBrk="0" hangingPunct="1">
         <a:defRPr sz="1800" kern="1200">
           <a:solidFill>
             <a:schemeClr val="tx1"/>
@@ -3259,7 +7714,7 @@
           <a:cs typeface="+mn-cs"/>
         </a:defRPr>
       </a:lvl5pPr>
-      <a:lvl6pPr marL="2286000" algn="l" defTabSz="914400" rtl="0" eaLnBrk="1" latinLnBrk="1" hangingPunct="1">
+      <a:lvl6pPr marL="2286000" algn="l" defTabSz="914400" rtl="0" eaLnBrk="1" latinLnBrk="0" hangingPunct="1">
         <a:defRPr sz="1800" kern="1200">
           <a:solidFill>
             <a:schemeClr val="tx1"/>
@@ -3269,7 +7724,7 @@
           <a:cs typeface="+mn-cs"/>
         </a:defRPr>
       </a:lvl6pPr>
-      <a:lvl7pPr marL="2743200" algn="l" defTabSz="914400" rtl="0" eaLnBrk="1" latinLnBrk="1" hangingPunct="1">
+      <a:lvl7pPr marL="2743200" algn="l" defTabSz="914400" rtl="0" eaLnBrk="1" latinLnBrk="0" hangingPunct="1">
         <a:defRPr sz="1800" kern="1200">
           <a:solidFill>
             <a:schemeClr val="tx1"/>
@@ -3279,7 +7734,7 @@
           <a:cs typeface="+mn-cs"/>
         </a:defRPr>
       </a:lvl7pPr>
-      <a:lvl8pPr marL="3200400" algn="l" defTabSz="914400" rtl="0" eaLnBrk="1" latinLnBrk="1" hangingPunct="1">
+      <a:lvl8pPr marL="3200400" algn="l" defTabSz="914400" rtl="0" eaLnBrk="1" latinLnBrk="0" hangingPunct="1">
         <a:defRPr sz="1800" kern="1200">
           <a:solidFill>
             <a:schemeClr val="tx1"/>
@@ -3289,7 +7744,7 @@
           <a:cs typeface="+mn-cs"/>
         </a:defRPr>
       </a:lvl8pPr>
-      <a:lvl9pPr marL="3657600" algn="l" defTabSz="914400" rtl="0" eaLnBrk="1" latinLnBrk="1" hangingPunct="1">
+      <a:lvl9pPr marL="3657600" algn="l" defTabSz="914400" rtl="0" eaLnBrk="1" latinLnBrk="0" hangingPunct="1">
         <a:defRPr sz="1800" kern="1200">
           <a:solidFill>
             <a:schemeClr val="tx1"/>
@@ -3305,6 +7760,300 @@
 </file>
 
 <file path=ppt/slides/slide1.xml><?xml version="1.0" encoding="utf-8"?>
+<p:sld xmlns:a="http://schemas.openxmlformats.org/drawingml/2006/main" xmlns:r="http://schemas.openxmlformats.org/officeDocument/2006/relationships" xmlns:p="http://schemas.openxmlformats.org/presentationml/2006/main">
+  <p:cSld>
+    <p:bg>
+      <p:bgPr>
+        <a:solidFill>
+          <a:schemeClr val="bg2"/>
+        </a:solidFill>
+        <a:effectLst/>
+      </p:bgPr>
+    </p:bg>
+    <p:spTree>
+      <p:nvGrpSpPr>
+        <p:cNvPr id="1" name=""/>
+        <p:cNvGrpSpPr/>
+        <p:nvPr/>
+      </p:nvGrpSpPr>
+      <p:grpSpPr>
+        <a:xfrm>
+          <a:off x="0" y="0"/>
+          <a:ext cx="0" cy="0"/>
+          <a:chOff x="0" y="0"/>
+          <a:chExt cx="0" cy="0"/>
+        </a:xfrm>
+      </p:grpSpPr>
+      <p:sp useBgFill="1">
+        <p:nvSpPr>
+          <p:cNvPr id="9" name="Rectangle 8">
+            <a:extLst>
+              <a:ext uri="{FF2B5EF4-FFF2-40B4-BE49-F238E27FC236}">
+                <a16:creationId xmlns:a16="http://schemas.microsoft.com/office/drawing/2014/main" id="{1DB043B4-68C6-45B9-82AC-A5800EADB8DB}"/>
+              </a:ext>
+              <a:ext uri="{C183D7F6-B498-43B3-948B-1728B52AA6E4}">
+                <adec:decorative xmlns:adec="http://schemas.microsoft.com/office/drawing/2017/decorative" val="1"/>
+              </a:ext>
+            </a:extLst>
+          </p:cNvPr>
+          <p:cNvSpPr>
+            <a:spLocks noGrp="1" noRot="1" noChangeAspect="1" noMove="1" noResize="1" noEditPoints="1" noAdjustHandles="1" noChangeArrowheads="1" noChangeShapeType="1" noTextEdit="1"/>
+          </p:cNvSpPr>
+          <p:nvPr>
+            <p:extLst>
+              <p:ext uri="{386F3935-93C4-4BCD-93E2-E3B085C9AB24}">
+                <p16:designElem xmlns:p16="http://schemas.microsoft.com/office/powerpoint/2015/main" val="1"/>
+              </p:ext>
+            </p:extLst>
+          </p:nvPr>
+        </p:nvSpPr>
+        <p:spPr>
+          <a:xfrm>
+            <a:off x="0" y="0"/>
+            <a:ext cx="12192000" cy="6858000"/>
+          </a:xfrm>
+          <a:prstGeom prst="rect">
+            <a:avLst/>
+          </a:prstGeom>
+          <a:ln w="12700" cap="flat" cmpd="sng" algn="ctr">
+            <a:noFill/>
+            <a:prstDash val="solid"/>
+            <a:miter lim="800000"/>
+          </a:ln>
+          <a:effectLst/>
+          <a:extLst>
+            <a:ext uri="{91240B29-F687-4F45-9708-019B960494DF}">
+              <a14:hiddenLine xmlns:a14="http://schemas.microsoft.com/office/drawing/2010/main" w="12700" cap="flat" cmpd="sng" algn="ctr">
+                <a:solidFill>
+                  <a:schemeClr val="accent1">
+                    <a:shade val="50000"/>
+                  </a:schemeClr>
+                </a:solidFill>
+                <a:prstDash val="solid"/>
+                <a:miter lim="800000"/>
+              </a14:hiddenLine>
+            </a:ext>
+          </a:extLst>
+        </p:spPr>
+        <p:style>
+          <a:lnRef idx="2">
+            <a:schemeClr val="accent1">
+              <a:shade val="50000"/>
+            </a:schemeClr>
+          </a:lnRef>
+          <a:fillRef idx="1">
+            <a:schemeClr val="accent1"/>
+          </a:fillRef>
+          <a:effectRef idx="0">
+            <a:schemeClr val="accent1"/>
+          </a:effectRef>
+          <a:fontRef idx="minor">
+            <a:schemeClr val="lt1"/>
+          </a:fontRef>
+        </p:style>
+        <p:txBody>
+          <a:bodyPr rtlCol="0" anchor="ctr"/>
+          <a:lstStyle/>
+          <a:p>
+            <a:pPr algn="ctr"/>
+            <a:endParaRPr lang="en-US"/>
+          </a:p>
+        </p:txBody>
+      </p:sp>
+      <p:pic>
+        <p:nvPicPr>
+          <p:cNvPr id="4" name="그림 3" descr="하늘이(가) 표시된 사진&#10;&#10;자동 생성된 설명">
+            <a:extLst>
+              <a:ext uri="{FF2B5EF4-FFF2-40B4-BE49-F238E27FC236}">
+                <a16:creationId xmlns:a16="http://schemas.microsoft.com/office/drawing/2014/main" id="{97E9E233-3492-A87E-9C64-FB1AA8AAED64}"/>
+              </a:ext>
+            </a:extLst>
+          </p:cNvPr>
+          <p:cNvPicPr>
+            <a:picLocks noChangeAspect="1"/>
+          </p:cNvPicPr>
+          <p:nvPr/>
+        </p:nvPicPr>
+        <p:blipFill>
+          <a:blip r:embed="rId2"/>
+          <a:stretch>
+            <a:fillRect/>
+          </a:stretch>
+        </p:blipFill>
+        <p:spPr>
+          <a:xfrm>
+            <a:off x="2021445" y="549275"/>
+            <a:ext cx="4032725" cy="5761037"/>
+          </a:xfrm>
+          <a:custGeom>
+            <a:avLst/>
+            <a:gdLst/>
+            <a:ahLst/>
+            <a:cxnLst/>
+            <a:rect l="l" t="t" r="r" b="b"/>
+            <a:pathLst>
+              <a:path w="6973888" h="5761037">
+                <a:moveTo>
+                  <a:pt x="0" y="0"/>
+                </a:moveTo>
+                <a:lnTo>
+                  <a:pt x="6973888" y="0"/>
+                </a:lnTo>
+                <a:lnTo>
+                  <a:pt x="6973888" y="5761037"/>
+                </a:lnTo>
+                <a:lnTo>
+                  <a:pt x="0" y="5761037"/>
+                </a:lnTo>
+                <a:close/>
+              </a:path>
+            </a:pathLst>
+          </a:custGeom>
+        </p:spPr>
+      </p:pic>
+      <p:sp>
+        <p:nvSpPr>
+          <p:cNvPr id="11" name="Oval 10">
+            <a:extLst>
+              <a:ext uri="{FF2B5EF4-FFF2-40B4-BE49-F238E27FC236}">
+                <a16:creationId xmlns:a16="http://schemas.microsoft.com/office/drawing/2014/main" id="{61B0F92C-925A-4D2E-839E-EB381378C315}"/>
+              </a:ext>
+              <a:ext uri="{C183D7F6-B498-43B3-948B-1728B52AA6E4}">
+                <adec:decorative xmlns:adec="http://schemas.microsoft.com/office/drawing/2017/decorative" val="1"/>
+              </a:ext>
+            </a:extLst>
+          </p:cNvPr>
+          <p:cNvSpPr>
+            <a:spLocks noGrp="1" noRot="1" noChangeAspect="1" noMove="1" noResize="1" noEditPoints="1" noAdjustHandles="1" noChangeArrowheads="1" noChangeShapeType="1" noTextEdit="1"/>
+          </p:cNvSpPr>
+          <p:nvPr>
+            <p:extLst>
+              <p:ext uri="{386F3935-93C4-4BCD-93E2-E3B085C9AB24}">
+                <p16:designElem xmlns:p16="http://schemas.microsoft.com/office/powerpoint/2015/main" val="1"/>
+              </p:ext>
+            </p:extLst>
+          </p:nvPr>
+        </p:nvSpPr>
+        <p:spPr>
+          <a:xfrm>
+            <a:off x="10795000" y="4960218"/>
+            <a:ext cx="1080000" cy="1080000"/>
+          </a:xfrm>
+          <a:prstGeom prst="ellipse">
+            <a:avLst/>
+          </a:prstGeom>
+          <a:gradFill flip="none" rotWithShape="1">
+            <a:gsLst>
+              <a:gs pos="100000">
+                <a:schemeClr val="bg2">
+                  <a:lumMod val="50000"/>
+                  <a:lumOff val="50000"/>
+                </a:schemeClr>
+              </a:gs>
+              <a:gs pos="60000">
+                <a:schemeClr val="bg2">
+                  <a:lumMod val="100000"/>
+                </a:schemeClr>
+              </a:gs>
+            </a:gsLst>
+            <a:path path="circle">
+              <a:fillToRect l="100000" b="100000"/>
+            </a:path>
+            <a:tileRect t="-100000" r="-100000"/>
+          </a:gradFill>
+          <a:ln>
+            <a:noFill/>
+          </a:ln>
+          <a:effectLst>
+            <a:innerShdw blurRad="254000" dist="127000" dir="2700000">
+              <a:schemeClr val="accent1">
+                <a:lumMod val="60000"/>
+                <a:lumOff val="40000"/>
+                <a:alpha val="40000"/>
+              </a:schemeClr>
+            </a:innerShdw>
+            <a:softEdge rad="0"/>
+          </a:effectLst>
+        </p:spPr>
+        <p:style>
+          <a:lnRef idx="2">
+            <a:schemeClr val="accent1">
+              <a:shade val="50000"/>
+            </a:schemeClr>
+          </a:lnRef>
+          <a:fillRef idx="1">
+            <a:schemeClr val="accent1"/>
+          </a:fillRef>
+          <a:effectRef idx="0">
+            <a:schemeClr val="accent1"/>
+          </a:effectRef>
+          <a:fontRef idx="minor">
+            <a:schemeClr val="lt1"/>
+          </a:fontRef>
+        </p:style>
+        <p:txBody>
+          <a:bodyPr rot="0" spcFirstLastPara="0" vertOverflow="overflow" horzOverflow="overflow" vert="horz" wrap="square" lIns="91440" tIns="45720" rIns="91440" bIns="45720" numCol="1" spcCol="0" rtlCol="0" fromWordArt="0" anchor="ctr" anchorCtr="0" forceAA="0" compatLnSpc="1">
+            <a:prstTxWarp prst="textNoShape">
+              <a:avLst/>
+            </a:prstTxWarp>
+            <a:noAutofit/>
+          </a:bodyPr>
+          <a:lstStyle/>
+          <a:p>
+            <a:pPr algn="ctr"/>
+            <a:endParaRPr lang="en-US"/>
+          </a:p>
+        </p:txBody>
+      </p:sp>
+      <p:sp>
+        <p:nvSpPr>
+          <p:cNvPr id="2" name="제목 1">
+            <a:extLst>
+              <a:ext uri="{FF2B5EF4-FFF2-40B4-BE49-F238E27FC236}">
+                <a16:creationId xmlns:a16="http://schemas.microsoft.com/office/drawing/2014/main" id="{8728E771-DD61-80BB-2E59-67A1C7CDF6FE}"/>
+              </a:ext>
+            </a:extLst>
+          </p:cNvPr>
+          <p:cNvSpPr>
+            <a:spLocks noGrp="1"/>
+          </p:cNvSpPr>
+          <p:nvPr>
+            <p:ph type="ctrTitle"/>
+          </p:nvPr>
+        </p:nvSpPr>
+        <p:spPr>
+          <a:xfrm>
+            <a:off x="6634557" y="549275"/>
+            <a:ext cx="5006582" cy="3034657"/>
+          </a:xfrm>
+        </p:spPr>
+        <p:txBody>
+          <a:bodyPr anchor="b">
+            <a:normAutofit/>
+          </a:bodyPr>
+          <a:lstStyle/>
+          <a:p>
+            <a:r>
+              <a:rPr lang="ko-KR" altLang="en-US" sz="4800" dirty="0"/>
+              <a:t>부피 구하는 과정 </a:t>
+            </a:r>
+          </a:p>
+        </p:txBody>
+      </p:sp>
+    </p:spTree>
+    <p:extLst>
+      <p:ext uri="{BB962C8B-B14F-4D97-AF65-F5344CB8AC3E}">
+        <p14:creationId xmlns:p14="http://schemas.microsoft.com/office/powerpoint/2010/main" val="3637811683"/>
+      </p:ext>
+    </p:extLst>
+  </p:cSld>
+  <p:clrMapOvr>
+    <a:masterClrMapping/>
+  </p:clrMapOvr>
+</p:sld>
+</file>
+
+<file path=ppt/slides/slide2.xml><?xml version="1.0" encoding="utf-8"?>
 <p:sld xmlns:a="http://schemas.openxmlformats.org/drawingml/2006/main" xmlns:r="http://schemas.openxmlformats.org/officeDocument/2006/relationships" xmlns:p="http://schemas.openxmlformats.org/presentationml/2006/main">
   <p:cSld>
     <p:spTree>
@@ -3337,19 +8086,149 @@
             <p:ph type="ctrTitle"/>
           </p:nvPr>
         </p:nvSpPr>
-        <p:spPr/>
+        <p:spPr>
+          <a:xfrm>
+            <a:off x="6634557" y="549275"/>
+            <a:ext cx="5006582" cy="3034657"/>
+          </a:xfrm>
+        </p:spPr>
         <p:txBody>
-          <a:bodyPr/>
+          <a:bodyPr anchor="b">
+            <a:normAutofit/>
+          </a:bodyPr>
           <a:lstStyle/>
           <a:p>
-            <a:endParaRPr lang="ko-KR" altLang="en-US"/>
+            <a:r>
+              <a:rPr lang="ko-KR" altLang="en-US" sz="4800" dirty="0"/>
+              <a:t>부피 구하는 과정 </a:t>
+            </a:r>
           </a:p>
         </p:txBody>
       </p:sp>
+      <p:pic>
+        <p:nvPicPr>
+          <p:cNvPr id="5" name="그림 4">
+            <a:extLst>
+              <a:ext uri="{FF2B5EF4-FFF2-40B4-BE49-F238E27FC236}">
+                <a16:creationId xmlns:a16="http://schemas.microsoft.com/office/drawing/2014/main" id="{EAC298C0-35E5-D2D3-CF8B-BFA0F162CE8E}"/>
+              </a:ext>
+            </a:extLst>
+          </p:cNvPr>
+          <p:cNvPicPr>
+            <a:picLocks noChangeAspect="1"/>
+          </p:cNvPicPr>
+          <p:nvPr/>
+        </p:nvPicPr>
+        <p:blipFill>
+          <a:blip r:embed="rId2"/>
+          <a:stretch>
+            <a:fillRect/>
+          </a:stretch>
+        </p:blipFill>
+        <p:spPr>
+          <a:xfrm>
+            <a:off x="2299570" y="815546"/>
+            <a:ext cx="3149991" cy="5226908"/>
+          </a:xfrm>
+          <a:prstGeom prst="rect">
+            <a:avLst/>
+          </a:prstGeom>
+        </p:spPr>
+      </p:pic>
+      <p:cxnSp>
+        <p:nvCxnSpPr>
+          <p:cNvPr id="7" name="직선 화살표 연결선 6">
+            <a:extLst>
+              <a:ext uri="{FF2B5EF4-FFF2-40B4-BE49-F238E27FC236}">
+                <a16:creationId xmlns:a16="http://schemas.microsoft.com/office/drawing/2014/main" id="{64642D9C-DB0A-AD41-3095-398B4C74857A}"/>
+              </a:ext>
+            </a:extLst>
+          </p:cNvPr>
+          <p:cNvCxnSpPr/>
+          <p:nvPr/>
+        </p:nvCxnSpPr>
+        <p:spPr>
+          <a:xfrm>
+            <a:off x="5082746" y="1639330"/>
+            <a:ext cx="0" cy="593124"/>
+          </a:xfrm>
+          <a:prstGeom prst="straightConnector1">
+            <a:avLst/>
+          </a:prstGeom>
+          <a:ln w="57150">
+            <a:solidFill>
+              <a:srgbClr val="FF0000"/>
+            </a:solidFill>
+            <a:headEnd type="triangle"/>
+            <a:tailEnd type="triangle"/>
+          </a:ln>
+        </p:spPr>
+        <p:style>
+          <a:lnRef idx="1">
+            <a:schemeClr val="accent3"/>
+          </a:lnRef>
+          <a:fillRef idx="0">
+            <a:schemeClr val="accent3"/>
+          </a:fillRef>
+          <a:effectRef idx="0">
+            <a:schemeClr val="accent3"/>
+          </a:effectRef>
+          <a:fontRef idx="minor">
+            <a:schemeClr val="tx1"/>
+          </a:fontRef>
+        </p:style>
+      </p:cxnSp>
+      <p:cxnSp>
+        <p:nvCxnSpPr>
+          <p:cNvPr id="10" name="직선 연결선 9">
+            <a:extLst>
+              <a:ext uri="{FF2B5EF4-FFF2-40B4-BE49-F238E27FC236}">
+                <a16:creationId xmlns:a16="http://schemas.microsoft.com/office/drawing/2014/main" id="{D9CF20BF-ED2F-77E7-8A9A-4794AA947060}"/>
+              </a:ext>
+            </a:extLst>
+          </p:cNvPr>
+          <p:cNvCxnSpPr>
+            <a:cxnSpLocks/>
+          </p:cNvCxnSpPr>
+          <p:nvPr/>
+        </p:nvCxnSpPr>
+        <p:spPr>
+          <a:xfrm>
+            <a:off x="4774594" y="1639330"/>
+            <a:ext cx="616304" cy="0"/>
+          </a:xfrm>
+          <a:prstGeom prst="line">
+            <a:avLst/>
+          </a:prstGeom>
+          <a:ln w="38100">
+            <a:solidFill>
+              <a:schemeClr val="bg1">
+                <a:lumMod val="95000"/>
+                <a:lumOff val="5000"/>
+              </a:schemeClr>
+            </a:solidFill>
+            <a:prstDash val="sysDash"/>
+          </a:ln>
+        </p:spPr>
+        <p:style>
+          <a:lnRef idx="1">
+            <a:schemeClr val="accent1"/>
+          </a:lnRef>
+          <a:fillRef idx="0">
+            <a:schemeClr val="accent1"/>
+          </a:fillRef>
+          <a:effectRef idx="0">
+            <a:schemeClr val="accent1"/>
+          </a:effectRef>
+          <a:fontRef idx="minor">
+            <a:schemeClr val="tx1"/>
+          </a:fontRef>
+        </p:style>
+      </p:cxnSp>
     </p:spTree>
     <p:extLst>
       <p:ext uri="{BB962C8B-B14F-4D97-AF65-F5344CB8AC3E}">
-        <p14:creationId xmlns:p14="http://schemas.microsoft.com/office/powerpoint/2010/main" val="3637811683"/>
+        <p14:creationId xmlns:p14="http://schemas.microsoft.com/office/powerpoint/2010/main" val="1871395110"/>
       </p:ext>
     </p:extLst>
   </p:cSld>
@@ -3360,9 +8239,9 @@
 </file>
 
 <file path=ppt/theme/theme1.xml><?xml version="1.0" encoding="utf-8"?>
-<a:theme xmlns:a="http://schemas.openxmlformats.org/drawingml/2006/main" name="Office 테마">
+<a:theme xmlns:a="http://schemas.openxmlformats.org/drawingml/2006/main" name="3DFloatVTI">
   <a:themeElements>
-    <a:clrScheme name="Office">
+    <a:clrScheme name="Float">
       <a:dk1>
         <a:sysClr val="windowText" lastClr="000000"/>
       </a:dk1>
@@ -3370,140 +8249,46 @@
         <a:sysClr val="window" lastClr="FFFFFF"/>
       </a:lt1>
       <a:dk2>
-        <a:srgbClr val="44546A"/>
+        <a:srgbClr val="1B192E"/>
       </a:dk2>
       <a:lt2>
-        <a:srgbClr val="E7E6E6"/>
+        <a:srgbClr val="EAE5EB"/>
       </a:lt2>
       <a:accent1>
-        <a:srgbClr val="4472C4"/>
+        <a:srgbClr val="13BE89"/>
       </a:accent1>
       <a:accent2>
-        <a:srgbClr val="ED7D31"/>
+        <a:srgbClr val="12B1BF"/>
       </a:accent2>
       <a:accent3>
-        <a:srgbClr val="A5A5A5"/>
+        <a:srgbClr val="D40AA8"/>
       </a:accent3>
       <a:accent4>
-        <a:srgbClr val="FFC000"/>
+        <a:srgbClr val="B86E62"/>
       </a:accent4>
       <a:accent5>
-        <a:srgbClr val="5B9BD5"/>
+        <a:srgbClr val="A3A3C1"/>
       </a:accent5>
       <a:accent6>
-        <a:srgbClr val="70AD47"/>
+        <a:srgbClr val="37335B"/>
       </a:accent6>
       <a:hlink>
-        <a:srgbClr val="0563C1"/>
+        <a:srgbClr val="0066FF"/>
       </a:hlink>
       <a:folHlink>
-        <a:srgbClr val="954F72"/>
+        <a:srgbClr val="666699"/>
       </a:folHlink>
     </a:clrScheme>
-    <a:fontScheme name="Office">
+    <a:fontScheme name="Float">
       <a:majorFont>
-        <a:latin typeface="맑은 고딕" panose="020F0302020204030204"/>
+        <a:latin typeface="Microsoft GothicNeo"/>
         <a:ea typeface=""/>
         <a:cs typeface=""/>
-        <a:font script="Jpan" typeface="游ゴシック Light"/>
-        <a:font script="Hang" typeface="맑은 고딕"/>
-        <a:font script="Hans" typeface="等线 Light"/>
-        <a:font script="Hant" typeface="新細明體"/>
-        <a:font script="Arab" typeface="Times New Roman"/>
-        <a:font script="Hebr" typeface="Times New Roman"/>
-        <a:font script="Thai" typeface="Angsana New"/>
-        <a:font script="Ethi" typeface="Nyala"/>
-        <a:font script="Beng" typeface="Vrinda"/>
-        <a:font script="Gujr" typeface="Shruti"/>
-        <a:font script="Khmr" typeface="MoolBoran"/>
-        <a:font script="Knda" typeface="Tunga"/>
-        <a:font script="Guru" typeface="Raavi"/>
-        <a:font script="Cans" typeface="Euphemia"/>
-        <a:font script="Cher" typeface="Plantagenet Cherokee"/>
-        <a:font script="Yiii" typeface="Microsoft Yi Baiti"/>
-        <a:font script="Tibt" typeface="Microsoft Himalaya"/>
-        <a:font script="Thaa" typeface="MV Boli"/>
-        <a:font script="Deva" typeface="Mangal"/>
-        <a:font script="Telu" typeface="Gautami"/>
-        <a:font script="Taml" typeface="Latha"/>
-        <a:font script="Syrc" typeface="Estrangelo Edessa"/>
-        <a:font script="Orya" typeface="Kalinga"/>
-        <a:font script="Mlym" typeface="Kartika"/>
-        <a:font script="Laoo" typeface="DokChampa"/>
-        <a:font script="Sinh" typeface="Iskoola Pota"/>
-        <a:font script="Mong" typeface="Mongolian Baiti"/>
-        <a:font script="Viet" typeface="Times New Roman"/>
-        <a:font script="Uigh" typeface="Microsoft Uighur"/>
-        <a:font script="Geor" typeface="Sylfaen"/>
-        <a:font script="Armn" typeface="Arial"/>
-        <a:font script="Bugi" typeface="Leelawadee UI"/>
-        <a:font script="Bopo" typeface="Microsoft JhengHei"/>
-        <a:font script="Java" typeface="Javanese Text"/>
-        <a:font script="Lisu" typeface="Segoe UI"/>
-        <a:font script="Mymr" typeface="Myanmar Text"/>
-        <a:font script="Nkoo" typeface="Ebrima"/>
-        <a:font script="Olck" typeface="Nirmala UI"/>
-        <a:font script="Osma" typeface="Ebrima"/>
-        <a:font script="Phag" typeface="Phagspa"/>
-        <a:font script="Syrn" typeface="Estrangelo Edessa"/>
-        <a:font script="Syrj" typeface="Estrangelo Edessa"/>
-        <a:font script="Syre" typeface="Estrangelo Edessa"/>
-        <a:font script="Sora" typeface="Nirmala UI"/>
-        <a:font script="Tale" typeface="Microsoft Tai Le"/>
-        <a:font script="Talu" typeface="Microsoft New Tai Lue"/>
-        <a:font script="Tfng" typeface="Ebrima"/>
       </a:majorFont>
       <a:minorFont>
-        <a:latin typeface="맑은 고딕" panose="020F0502020204030204"/>
+        <a:latin typeface="Microsoft GothicNeo"/>
         <a:ea typeface=""/>
         <a:cs typeface=""/>
-        <a:font script="Jpan" typeface="游ゴシック"/>
-        <a:font script="Hang" typeface="맑은 고딕"/>
-        <a:font script="Hans" typeface="等线"/>
-        <a:font script="Hant" typeface="新細明體"/>
-        <a:font script="Arab" typeface="Arial"/>
-        <a:font script="Hebr" typeface="Arial"/>
-        <a:font script="Thai" typeface="Cordia New"/>
-        <a:font script="Ethi" typeface="Nyala"/>
-        <a:font script="Beng" typeface="Vrinda"/>
-        <a:font script="Gujr" typeface="Shruti"/>
-        <a:font script="Khmr" typeface="DaunPenh"/>
-        <a:font script="Knda" typeface="Tunga"/>
-        <a:font script="Guru" typeface="Raavi"/>
-        <a:font script="Cans" typeface="Euphemia"/>
-        <a:font script="Cher" typeface="Plantagenet Cherokee"/>
-        <a:font script="Yiii" typeface="Microsoft Yi Baiti"/>
-        <a:font script="Tibt" typeface="Microsoft Himalaya"/>
-        <a:font script="Thaa" typeface="MV Boli"/>
-        <a:font script="Deva" typeface="Mangal"/>
-        <a:font script="Telu" typeface="Gautami"/>
-        <a:font script="Taml" typeface="Latha"/>
-        <a:font script="Syrc" typeface="Estrangelo Edessa"/>
-        <a:font script="Orya" typeface="Kalinga"/>
-        <a:font script="Mlym" typeface="Kartika"/>
-        <a:font script="Laoo" typeface="DokChampa"/>
-        <a:font script="Sinh" typeface="Iskoola Pota"/>
-        <a:font script="Mong" typeface="Mongolian Baiti"/>
-        <a:font script="Viet" typeface="Arial"/>
-        <a:font script="Uigh" typeface="Microsoft Uighur"/>
-        <a:font script="Geor" typeface="Sylfaen"/>
-        <a:font script="Armn" typeface="Arial"/>
-        <a:font script="Bugi" typeface="Leelawadee UI"/>
-        <a:font script="Bopo" typeface="Microsoft JhengHei"/>
-        <a:font script="Java" typeface="Javanese Text"/>
-        <a:font script="Lisu" typeface="Segoe UI"/>
-        <a:font script="Mymr" typeface="Myanmar Text"/>
-        <a:font script="Nkoo" typeface="Ebrima"/>
-        <a:font script="Olck" typeface="Nirmala UI"/>
-        <a:font script="Osma" typeface="Ebrima"/>
-        <a:font script="Phag" typeface="Phagspa"/>
-        <a:font script="Syrn" typeface="Estrangelo Edessa"/>
-        <a:font script="Syrj" typeface="Estrangelo Edessa"/>
-        <a:font script="Syre" typeface="Estrangelo Edessa"/>
-        <a:font script="Sora" typeface="Nirmala UI"/>
-        <a:font script="Tale" typeface="Microsoft Tai Le"/>
-        <a:font script="Talu" typeface="Microsoft New Tai Lue"/>
-        <a:font script="Tfng" typeface="Ebrima"/>
       </a:minorFont>
     </a:fontScheme>
     <a:fmtScheme name="Office">
@@ -3648,7 +8433,7 @@
   <a:extraClrSchemeLst/>
   <a:extLst>
     <a:ext uri="{05A4C25C-085E-4340-85A3-A5531E510DB2}">
-      <thm15:themeFamily xmlns:thm15="http://schemas.microsoft.com/office/thememl/2012/main" name="Office Theme" id="{62F939B6-93AF-4DB8-9C6B-D6C7DFDC589F}" vid="{4A3C46E8-61CC-4603-A589-7422A47A8E4A}"/>
+      <thm15:themeFamily xmlns:thm15="http://schemas.microsoft.com/office/thememl/2012/main" name="3DFloatVTI" id="{F59BA300-ED19-4B39-9AE3-7882B1DE8B78}" vid="{0FEC63E3-719F-4F50-9F1E-5B8BAF39109A}"/>
     </a:ext>
   </a:extLst>
 </a:theme>

--- a/모델링 부피구하는 과정.pptx
+++ b/모델링 부피구하는 과정.pptx
@@ -8070,47 +8070,12 @@
           <a:chExt cx="0" cy="0"/>
         </a:xfrm>
       </p:grpSpPr>
-      <p:sp>
-        <p:nvSpPr>
-          <p:cNvPr id="2" name="제목 1">
-            <a:extLst>
-              <a:ext uri="{FF2B5EF4-FFF2-40B4-BE49-F238E27FC236}">
-                <a16:creationId xmlns:a16="http://schemas.microsoft.com/office/drawing/2014/main" id="{8728E771-DD61-80BB-2E59-67A1C7CDF6FE}"/>
-              </a:ext>
-            </a:extLst>
-          </p:cNvPr>
-          <p:cNvSpPr>
-            <a:spLocks noGrp="1"/>
-          </p:cNvSpPr>
-          <p:nvPr>
-            <p:ph type="ctrTitle"/>
-          </p:nvPr>
-        </p:nvSpPr>
-        <p:spPr>
-          <a:xfrm>
-            <a:off x="6634557" y="549275"/>
-            <a:ext cx="5006582" cy="3034657"/>
-          </a:xfrm>
-        </p:spPr>
-        <p:txBody>
-          <a:bodyPr anchor="b">
-            <a:normAutofit/>
-          </a:bodyPr>
-          <a:lstStyle/>
-          <a:p>
-            <a:r>
-              <a:rPr lang="ko-KR" altLang="en-US" sz="4800" dirty="0"/>
-              <a:t>부피 구하는 과정 </a:t>
-            </a:r>
-          </a:p>
-        </p:txBody>
-      </p:sp>
       <p:pic>
         <p:nvPicPr>
-          <p:cNvPr id="5" name="그림 4">
-            <a:extLst>
-              <a:ext uri="{FF2B5EF4-FFF2-40B4-BE49-F238E27FC236}">
-                <a16:creationId xmlns:a16="http://schemas.microsoft.com/office/drawing/2014/main" id="{EAC298C0-35E5-D2D3-CF8B-BFA0F162CE8E}"/>
+          <p:cNvPr id="11" name="그림 10">
+            <a:extLst>
+              <a:ext uri="{FF2B5EF4-FFF2-40B4-BE49-F238E27FC236}">
+                <a16:creationId xmlns:a16="http://schemas.microsoft.com/office/drawing/2014/main" id="{7DBCD5F8-899B-D27D-FFC3-8B0145018217}"/>
               </a:ext>
             </a:extLst>
           </p:cNvPr>
@@ -8127,14 +8092,79 @@
         </p:blipFill>
         <p:spPr>
           <a:xfrm>
-            <a:off x="2299570" y="815546"/>
-            <a:ext cx="3149991" cy="5226908"/>
+            <a:off x="4001359" y="694635"/>
+            <a:ext cx="2918018" cy="5426802"/>
           </a:xfrm>
           <a:prstGeom prst="rect">
             <a:avLst/>
           </a:prstGeom>
         </p:spPr>
       </p:pic>
+      <p:pic>
+        <p:nvPicPr>
+          <p:cNvPr id="4" name="그림 3">
+            <a:extLst>
+              <a:ext uri="{FF2B5EF4-FFF2-40B4-BE49-F238E27FC236}">
+                <a16:creationId xmlns:a16="http://schemas.microsoft.com/office/drawing/2014/main" id="{9D012E9B-9DA0-656B-0B57-19F17AED162A}"/>
+              </a:ext>
+            </a:extLst>
+          </p:cNvPr>
+          <p:cNvPicPr>
+            <a:picLocks noChangeAspect="1"/>
+          </p:cNvPicPr>
+          <p:nvPr/>
+        </p:nvPicPr>
+        <p:blipFill>
+          <a:blip r:embed="rId3"/>
+          <a:stretch>
+            <a:fillRect/>
+          </a:stretch>
+        </p:blipFill>
+        <p:spPr>
+          <a:xfrm>
+            <a:off x="550861" y="711582"/>
+            <a:ext cx="2774343" cy="5434835"/>
+          </a:xfrm>
+          <a:prstGeom prst="rect">
+            <a:avLst/>
+          </a:prstGeom>
+        </p:spPr>
+      </p:pic>
+      <p:sp>
+        <p:nvSpPr>
+          <p:cNvPr id="2" name="제목 1">
+            <a:extLst>
+              <a:ext uri="{FF2B5EF4-FFF2-40B4-BE49-F238E27FC236}">
+                <a16:creationId xmlns:a16="http://schemas.microsoft.com/office/drawing/2014/main" id="{8728E771-DD61-80BB-2E59-67A1C7CDF6FE}"/>
+              </a:ext>
+            </a:extLst>
+          </p:cNvPr>
+          <p:cNvSpPr>
+            <a:spLocks noGrp="1"/>
+          </p:cNvSpPr>
+          <p:nvPr>
+            <p:ph type="ctrTitle"/>
+          </p:nvPr>
+        </p:nvSpPr>
+        <p:spPr>
+          <a:xfrm>
+            <a:off x="7325013" y="323134"/>
+            <a:ext cx="4575937" cy="895733"/>
+          </a:xfrm>
+        </p:spPr>
+        <p:txBody>
+          <a:bodyPr anchor="b">
+            <a:normAutofit fontScale="90000"/>
+          </a:bodyPr>
+          <a:lstStyle/>
+          <a:p>
+            <a:r>
+              <a:rPr lang="ko-KR" altLang="en-US" sz="4800" dirty="0"/>
+              <a:t>부피 구하는 과정 </a:t>
+            </a:r>
+          </a:p>
+        </p:txBody>
+      </p:sp>
       <p:cxnSp>
         <p:nvCxnSpPr>
           <p:cNvPr id="7" name="직선 화살표 연결선 6">
@@ -8144,13 +8174,15 @@
               </a:ext>
             </a:extLst>
           </p:cNvPr>
-          <p:cNvCxnSpPr/>
+          <p:cNvCxnSpPr>
+            <a:cxnSpLocks/>
+          </p:cNvCxnSpPr>
           <p:nvPr/>
         </p:nvCxnSpPr>
         <p:spPr>
           <a:xfrm>
-            <a:off x="5082746" y="1639330"/>
-            <a:ext cx="0" cy="593124"/>
+            <a:off x="2855565" y="1484398"/>
+            <a:ext cx="0" cy="743667"/>
           </a:xfrm>
           <a:prstGeom prst="straightConnector1">
             <a:avLst/>
@@ -8194,8 +8226,8 @@
         </p:nvCxnSpPr>
         <p:spPr>
           <a:xfrm>
-            <a:off x="4774594" y="1639330"/>
-            <a:ext cx="616304" cy="0"/>
+            <a:off x="2939299" y="1484398"/>
+            <a:ext cx="1440196" cy="0"/>
           </a:xfrm>
           <a:prstGeom prst="line">
             <a:avLst/>
@@ -8225,6 +8257,500 @@
           </a:fontRef>
         </p:style>
       </p:cxnSp>
+      <p:cxnSp>
+        <p:nvCxnSpPr>
+          <p:cNvPr id="6" name="직선 연결선 5">
+            <a:extLst>
+              <a:ext uri="{FF2B5EF4-FFF2-40B4-BE49-F238E27FC236}">
+                <a16:creationId xmlns:a16="http://schemas.microsoft.com/office/drawing/2014/main" id="{50EC5270-C117-FA48-2C97-5CD37A651939}"/>
+              </a:ext>
+            </a:extLst>
+          </p:cNvPr>
+          <p:cNvCxnSpPr>
+            <a:cxnSpLocks/>
+          </p:cNvCxnSpPr>
+          <p:nvPr/>
+        </p:nvCxnSpPr>
+        <p:spPr>
+          <a:xfrm>
+            <a:off x="2939299" y="2228065"/>
+            <a:ext cx="1440196" cy="0"/>
+          </a:xfrm>
+          <a:prstGeom prst="line">
+            <a:avLst/>
+          </a:prstGeom>
+          <a:ln w="38100">
+            <a:solidFill>
+              <a:schemeClr val="bg1">
+                <a:lumMod val="95000"/>
+                <a:lumOff val="5000"/>
+              </a:schemeClr>
+            </a:solidFill>
+            <a:prstDash val="sysDash"/>
+          </a:ln>
+        </p:spPr>
+        <p:style>
+          <a:lnRef idx="1">
+            <a:schemeClr val="accent1"/>
+          </a:lnRef>
+          <a:fillRef idx="0">
+            <a:schemeClr val="accent1"/>
+          </a:fillRef>
+          <a:effectRef idx="0">
+            <a:schemeClr val="accent1"/>
+          </a:effectRef>
+          <a:fontRef idx="minor">
+            <a:schemeClr val="tx1"/>
+          </a:fontRef>
+        </p:style>
+      </p:cxnSp>
+      <p:sp>
+        <p:nvSpPr>
+          <p:cNvPr id="14" name="TextBox 13">
+            <a:extLst>
+              <a:ext uri="{FF2B5EF4-FFF2-40B4-BE49-F238E27FC236}">
+                <a16:creationId xmlns:a16="http://schemas.microsoft.com/office/drawing/2014/main" id="{C409D705-3D74-DD63-0021-D9EF3C8CAA26}"/>
+              </a:ext>
+            </a:extLst>
+          </p:cNvPr>
+          <p:cNvSpPr txBox="1"/>
+          <p:nvPr/>
+        </p:nvSpPr>
+        <p:spPr>
+          <a:xfrm>
+            <a:off x="2933455" y="1671566"/>
+            <a:ext cx="3162545" cy="369332"/>
+          </a:xfrm>
+          <a:prstGeom prst="rect">
+            <a:avLst/>
+          </a:prstGeom>
+          <a:noFill/>
+        </p:spPr>
+        <p:txBody>
+          <a:bodyPr wrap="square" rtlCol="0">
+            <a:spAutoFit/>
+          </a:bodyPr>
+          <a:lstStyle/>
+          <a:p>
+            <a:r>
+              <a:rPr lang="en-US" altLang="ko-KR" dirty="0"/>
+              <a:t>1</a:t>
+            </a:r>
+            <a:r>
+              <a:rPr lang="ko-KR" altLang="en-US" dirty="0"/>
+              <a:t>층 </a:t>
+            </a:r>
+            <a:r>
+              <a:rPr lang="en-US" altLang="ko-KR" dirty="0"/>
+              <a:t>(</a:t>
+            </a:r>
+            <a:r>
+              <a:rPr lang="ko-KR" altLang="en-US" dirty="0"/>
+              <a:t>초기상태</a:t>
+            </a:r>
+            <a:r>
+              <a:rPr lang="en-US" altLang="ko-KR" dirty="0"/>
+              <a:t>, 60</a:t>
+            </a:r>
+            <a:r>
+              <a:rPr lang="ko-KR" altLang="en-US" dirty="0"/>
+              <a:t>도</a:t>
+            </a:r>
+            <a:r>
+              <a:rPr lang="en-US" altLang="ko-KR" dirty="0"/>
+              <a:t>) </a:t>
+            </a:r>
+            <a:r>
+              <a:rPr lang="ko-KR" altLang="en-US" dirty="0"/>
+              <a:t>높이 </a:t>
+            </a:r>
+            <a:r>
+              <a:rPr lang="en-US" altLang="ko-KR" dirty="0"/>
+              <a:t>= h</a:t>
+            </a:r>
+            <a:endParaRPr lang="ko-KR" altLang="en-US" dirty="0"/>
+          </a:p>
+        </p:txBody>
+      </p:sp>
+      <p:cxnSp>
+        <p:nvCxnSpPr>
+          <p:cNvPr id="15" name="직선 연결선 14">
+            <a:extLst>
+              <a:ext uri="{FF2B5EF4-FFF2-40B4-BE49-F238E27FC236}">
+                <a16:creationId xmlns:a16="http://schemas.microsoft.com/office/drawing/2014/main" id="{AADB0B2D-4C93-2964-1E0A-95335A51DD0D}"/>
+              </a:ext>
+            </a:extLst>
+          </p:cNvPr>
+          <p:cNvCxnSpPr>
+            <a:cxnSpLocks/>
+          </p:cNvCxnSpPr>
+          <p:nvPr/>
+        </p:nvCxnSpPr>
+        <p:spPr>
+          <a:xfrm>
+            <a:off x="5672030" y="2228065"/>
+            <a:ext cx="805543" cy="0"/>
+          </a:xfrm>
+          <a:prstGeom prst="line">
+            <a:avLst/>
+          </a:prstGeom>
+          <a:ln w="38100">
+            <a:solidFill>
+              <a:schemeClr val="bg1">
+                <a:lumMod val="95000"/>
+                <a:lumOff val="5000"/>
+              </a:schemeClr>
+            </a:solidFill>
+            <a:prstDash val="sysDash"/>
+          </a:ln>
+        </p:spPr>
+        <p:style>
+          <a:lnRef idx="1">
+            <a:schemeClr val="accent1"/>
+          </a:lnRef>
+          <a:fillRef idx="0">
+            <a:schemeClr val="accent1"/>
+          </a:fillRef>
+          <a:effectRef idx="0">
+            <a:schemeClr val="accent1"/>
+          </a:effectRef>
+          <a:fontRef idx="minor">
+            <a:schemeClr val="tx1"/>
+          </a:fontRef>
+        </p:style>
+      </p:cxnSp>
+      <p:cxnSp>
+        <p:nvCxnSpPr>
+          <p:cNvPr id="17" name="직선 연결선 16">
+            <a:extLst>
+              <a:ext uri="{FF2B5EF4-FFF2-40B4-BE49-F238E27FC236}">
+                <a16:creationId xmlns:a16="http://schemas.microsoft.com/office/drawing/2014/main" id="{A47756FC-94B5-7C83-EE11-694C147905DA}"/>
+              </a:ext>
+            </a:extLst>
+          </p:cNvPr>
+          <p:cNvCxnSpPr>
+            <a:cxnSpLocks/>
+          </p:cNvCxnSpPr>
+          <p:nvPr/>
+        </p:nvCxnSpPr>
+        <p:spPr>
+          <a:xfrm>
+            <a:off x="6283922" y="1842550"/>
+            <a:ext cx="193651" cy="385515"/>
+          </a:xfrm>
+          <a:prstGeom prst="line">
+            <a:avLst/>
+          </a:prstGeom>
+          <a:ln w="38100">
+            <a:solidFill>
+              <a:schemeClr val="bg1">
+                <a:lumMod val="95000"/>
+                <a:lumOff val="5000"/>
+              </a:schemeClr>
+            </a:solidFill>
+            <a:prstDash val="sysDash"/>
+          </a:ln>
+        </p:spPr>
+        <p:style>
+          <a:lnRef idx="1">
+            <a:schemeClr val="accent1"/>
+          </a:lnRef>
+          <a:fillRef idx="0">
+            <a:schemeClr val="accent1"/>
+          </a:fillRef>
+          <a:effectRef idx="0">
+            <a:schemeClr val="accent1"/>
+          </a:effectRef>
+          <a:fontRef idx="minor">
+            <a:schemeClr val="tx1"/>
+          </a:fontRef>
+        </p:style>
+      </p:cxnSp>
+      <p:cxnSp>
+        <p:nvCxnSpPr>
+          <p:cNvPr id="21" name="연결선: 구부러짐 20">
+            <a:extLst>
+              <a:ext uri="{FF2B5EF4-FFF2-40B4-BE49-F238E27FC236}">
+                <a16:creationId xmlns:a16="http://schemas.microsoft.com/office/drawing/2014/main" id="{BB17A9EA-D541-E4F2-8471-23ADFE4361D8}"/>
+              </a:ext>
+            </a:extLst>
+          </p:cNvPr>
+          <p:cNvCxnSpPr/>
+          <p:nvPr/>
+        </p:nvCxnSpPr>
+        <p:spPr>
+          <a:xfrm rot="5400000" flipH="1" flipV="1">
+            <a:off x="6236815" y="2077042"/>
+            <a:ext cx="192758" cy="171880"/>
+          </a:xfrm>
+          <a:prstGeom prst="curvedConnector3">
+            <a:avLst>
+              <a:gd name="adj1" fmla="val 89235"/>
+            </a:avLst>
+          </a:prstGeom>
+          <a:ln w="28575">
+            <a:solidFill>
+              <a:srgbClr val="FF0000"/>
+            </a:solidFill>
+          </a:ln>
+        </p:spPr>
+        <p:style>
+          <a:lnRef idx="1">
+            <a:schemeClr val="accent1"/>
+          </a:lnRef>
+          <a:fillRef idx="0">
+            <a:schemeClr val="accent1"/>
+          </a:fillRef>
+          <a:effectRef idx="0">
+            <a:schemeClr val="accent1"/>
+          </a:effectRef>
+          <a:fontRef idx="minor">
+            <a:schemeClr val="tx1"/>
+          </a:fontRef>
+        </p:style>
+      </p:cxnSp>
+      <p:sp>
+        <p:nvSpPr>
+          <p:cNvPr id="25" name="TextBox 24">
+            <a:extLst>
+              <a:ext uri="{FF2B5EF4-FFF2-40B4-BE49-F238E27FC236}">
+                <a16:creationId xmlns:a16="http://schemas.microsoft.com/office/drawing/2014/main" id="{CBA901CA-A84C-E82E-805A-A5D9C6F4314C}"/>
+              </a:ext>
+            </a:extLst>
+          </p:cNvPr>
+          <p:cNvSpPr txBox="1"/>
+          <p:nvPr/>
+        </p:nvSpPr>
+        <p:spPr>
+          <a:xfrm>
+            <a:off x="6335558" y="1698487"/>
+            <a:ext cx="4946625" cy="369332"/>
+          </a:xfrm>
+          <a:prstGeom prst="rect">
+            <a:avLst/>
+          </a:prstGeom>
+          <a:noFill/>
+        </p:spPr>
+        <p:txBody>
+          <a:bodyPr wrap="square" rtlCol="0">
+            <a:spAutoFit/>
+          </a:bodyPr>
+          <a:lstStyle/>
+          <a:p>
+            <a:r>
+              <a:rPr lang="ko-KR" altLang="en-US" dirty="0"/>
+              <a:t>수축에 의해 면이 기운 각도 </a:t>
+            </a:r>
+            <a:r>
+              <a:rPr lang="en-US" altLang="ko-KR" dirty="0"/>
+              <a:t>(</a:t>
+            </a:r>
+            <a:r>
+              <a:rPr lang="ko-KR" altLang="en-US" dirty="0"/>
+              <a:t>초기 상태 </a:t>
+            </a:r>
+            <a:r>
+              <a:rPr lang="en-US" altLang="ko-KR" dirty="0"/>
+              <a:t>60</a:t>
+            </a:r>
+            <a:r>
+              <a:rPr lang="ko-KR" altLang="en-US" dirty="0"/>
+              <a:t>도</a:t>
+            </a:r>
+            <a:r>
+              <a:rPr lang="en-US" altLang="ko-KR" dirty="0"/>
+              <a:t>) = </a:t>
+            </a:r>
+            <a:r>
+              <a:rPr lang="el-GR" altLang="ko-KR" dirty="0"/>
+              <a:t>θ</a:t>
+            </a:r>
+            <a:r>
+              <a:rPr lang="ko-KR" altLang="en-US" dirty="0"/>
+              <a:t> </a:t>
+            </a:r>
+          </a:p>
+        </p:txBody>
+      </p:sp>
+      <p:cxnSp>
+        <p:nvCxnSpPr>
+          <p:cNvPr id="26" name="직선 연결선 25">
+            <a:extLst>
+              <a:ext uri="{FF2B5EF4-FFF2-40B4-BE49-F238E27FC236}">
+                <a16:creationId xmlns:a16="http://schemas.microsoft.com/office/drawing/2014/main" id="{B955D188-7019-EAE6-64E5-659CF56677D4}"/>
+              </a:ext>
+            </a:extLst>
+          </p:cNvPr>
+          <p:cNvCxnSpPr>
+            <a:cxnSpLocks/>
+          </p:cNvCxnSpPr>
+          <p:nvPr/>
+        </p:nvCxnSpPr>
+        <p:spPr>
+          <a:xfrm>
+            <a:off x="1737286" y="5213043"/>
+            <a:ext cx="0" cy="500238"/>
+          </a:xfrm>
+          <a:prstGeom prst="line">
+            <a:avLst/>
+          </a:prstGeom>
+          <a:ln w="38100">
+            <a:solidFill>
+              <a:schemeClr val="bg1">
+                <a:lumMod val="95000"/>
+                <a:lumOff val="5000"/>
+              </a:schemeClr>
+            </a:solidFill>
+            <a:prstDash val="sysDash"/>
+          </a:ln>
+        </p:spPr>
+        <p:style>
+          <a:lnRef idx="1">
+            <a:schemeClr val="accent1"/>
+          </a:lnRef>
+          <a:fillRef idx="0">
+            <a:schemeClr val="accent1"/>
+          </a:fillRef>
+          <a:effectRef idx="0">
+            <a:schemeClr val="accent1"/>
+          </a:effectRef>
+          <a:fontRef idx="minor">
+            <a:schemeClr val="tx1"/>
+          </a:fontRef>
+        </p:style>
+      </p:cxnSp>
+      <p:cxnSp>
+        <p:nvCxnSpPr>
+          <p:cNvPr id="28" name="직선 연결선 27">
+            <a:extLst>
+              <a:ext uri="{FF2B5EF4-FFF2-40B4-BE49-F238E27FC236}">
+                <a16:creationId xmlns:a16="http://schemas.microsoft.com/office/drawing/2014/main" id="{ED61AD25-AE00-4251-63A7-D5D1056FEE90}"/>
+              </a:ext>
+            </a:extLst>
+          </p:cNvPr>
+          <p:cNvCxnSpPr>
+            <a:cxnSpLocks/>
+          </p:cNvCxnSpPr>
+          <p:nvPr/>
+        </p:nvCxnSpPr>
+        <p:spPr>
+          <a:xfrm>
+            <a:off x="2020315" y="5213043"/>
+            <a:ext cx="0" cy="500238"/>
+          </a:xfrm>
+          <a:prstGeom prst="line">
+            <a:avLst/>
+          </a:prstGeom>
+          <a:ln w="38100">
+            <a:solidFill>
+              <a:schemeClr val="bg1">
+                <a:lumMod val="95000"/>
+                <a:lumOff val="5000"/>
+              </a:schemeClr>
+            </a:solidFill>
+            <a:prstDash val="sysDash"/>
+          </a:ln>
+        </p:spPr>
+        <p:style>
+          <a:lnRef idx="1">
+            <a:schemeClr val="accent1"/>
+          </a:lnRef>
+          <a:fillRef idx="0">
+            <a:schemeClr val="accent1"/>
+          </a:fillRef>
+          <a:effectRef idx="0">
+            <a:schemeClr val="accent1"/>
+          </a:effectRef>
+          <a:fontRef idx="minor">
+            <a:schemeClr val="tx1"/>
+          </a:fontRef>
+        </p:style>
+      </p:cxnSp>
+      <p:cxnSp>
+        <p:nvCxnSpPr>
+          <p:cNvPr id="29" name="직선 화살표 연결선 28">
+            <a:extLst>
+              <a:ext uri="{FF2B5EF4-FFF2-40B4-BE49-F238E27FC236}">
+                <a16:creationId xmlns:a16="http://schemas.microsoft.com/office/drawing/2014/main" id="{D595681C-34FB-2E82-7CE8-131C10A50E5B}"/>
+              </a:ext>
+            </a:extLst>
+          </p:cNvPr>
+          <p:cNvCxnSpPr>
+            <a:cxnSpLocks/>
+          </p:cNvCxnSpPr>
+          <p:nvPr/>
+        </p:nvCxnSpPr>
+        <p:spPr>
+          <a:xfrm flipH="1">
+            <a:off x="1667304" y="5804309"/>
+            <a:ext cx="415878" cy="0"/>
+          </a:xfrm>
+          <a:prstGeom prst="straightConnector1">
+            <a:avLst/>
+          </a:prstGeom>
+          <a:ln w="57150">
+            <a:solidFill>
+              <a:srgbClr val="FF0000"/>
+            </a:solidFill>
+            <a:headEnd type="triangle"/>
+            <a:tailEnd type="triangle"/>
+          </a:ln>
+        </p:spPr>
+        <p:style>
+          <a:lnRef idx="1">
+            <a:schemeClr val="accent3"/>
+          </a:lnRef>
+          <a:fillRef idx="0">
+            <a:schemeClr val="accent3"/>
+          </a:fillRef>
+          <a:effectRef idx="0">
+            <a:schemeClr val="accent3"/>
+          </a:effectRef>
+          <a:fontRef idx="minor">
+            <a:schemeClr val="tx1"/>
+          </a:fontRef>
+        </p:style>
+      </p:cxnSp>
+      <p:sp>
+        <p:nvSpPr>
+          <p:cNvPr id="31" name="TextBox 30">
+            <a:extLst>
+              <a:ext uri="{FF2B5EF4-FFF2-40B4-BE49-F238E27FC236}">
+                <a16:creationId xmlns:a16="http://schemas.microsoft.com/office/drawing/2014/main" id="{2D46295D-BAA5-929B-CF02-D2FD0B46C497}"/>
+              </a:ext>
+            </a:extLst>
+          </p:cNvPr>
+          <p:cNvSpPr txBox="1"/>
+          <p:nvPr/>
+        </p:nvSpPr>
+        <p:spPr>
+          <a:xfrm>
+            <a:off x="138836" y="6052779"/>
+            <a:ext cx="3762958" cy="369332"/>
+          </a:xfrm>
+          <a:prstGeom prst="rect">
+            <a:avLst/>
+          </a:prstGeom>
+          <a:noFill/>
+        </p:spPr>
+        <p:txBody>
+          <a:bodyPr wrap="square" rtlCol="0">
+            <a:spAutoFit/>
+          </a:bodyPr>
+          <a:lstStyle/>
+          <a:p>
+            <a:r>
+              <a:rPr lang="ko-KR" altLang="en-US" dirty="0"/>
+              <a:t>모래시계 안쪽 너비 </a:t>
+            </a:r>
+            <a:r>
+              <a:rPr lang="en-US" altLang="ko-KR" dirty="0"/>
+              <a:t>= d = 10.218mm</a:t>
+            </a:r>
+            <a:endParaRPr lang="ko-KR" altLang="en-US" dirty="0"/>
+          </a:p>
+        </p:txBody>
+      </p:sp>
     </p:spTree>
     <p:extLst>
       <p:ext uri="{BB962C8B-B14F-4D97-AF65-F5344CB8AC3E}">
